--- a/study-note/자바/2022-08-10 내용정리.pptx
+++ b/study-note/자바/2022-08-10 내용정리.pptx
@@ -5,11 +5,12 @@
     <p:sldMasterId id="2147483648" r:id="rId1"/>
   </p:sldMasterIdLst>
   <p:notesMasterIdLst>
-    <p:notesMasterId r:id="rId4"/>
+    <p:notesMasterId r:id="rId5"/>
   </p:notesMasterIdLst>
   <p:sldIdLst>
     <p:sldId id="256" r:id="rId2"/>
     <p:sldId id="286" r:id="rId3"/>
+    <p:sldId id="288" r:id="rId4"/>
   </p:sldIdLst>
   <p:sldSz cx="12192000" cy="6858000"/>
   <p:notesSz cx="6858000" cy="9144000"/>
@@ -3769,10 +3770,1860 @@
           <a:chExt cx="0" cy="0"/>
         </a:xfrm>
       </p:grpSpPr>
+      <p:graphicFrame>
+        <p:nvGraphicFramePr>
+          <p:cNvPr id="3" name="표 3">
+            <a:extLst>
+              <a:ext uri="{FF2B5EF4-FFF2-40B4-BE49-F238E27FC236}">
+                <a16:creationId xmlns:a16="http://schemas.microsoft.com/office/drawing/2014/main" id="{A812CA5C-6943-A998-C7C2-ACA3910C84C8}"/>
+              </a:ext>
+            </a:extLst>
+          </p:cNvPr>
+          <p:cNvGraphicFramePr>
+            <a:graphicFrameLocks noGrp="1"/>
+          </p:cNvGraphicFramePr>
+          <p:nvPr>
+            <p:extLst>
+              <p:ext uri="{D42A27DB-BD31-4B8C-83A1-F6EECF244321}">
+                <p14:modId xmlns:p14="http://schemas.microsoft.com/office/powerpoint/2010/main" val="1407464445"/>
+              </p:ext>
+            </p:extLst>
+          </p:nvPr>
+        </p:nvGraphicFramePr>
+        <p:xfrm>
+          <a:off x="140138" y="73573"/>
+          <a:ext cx="11799614" cy="6523089"/>
+        </p:xfrm>
+        <a:graphic>
+          <a:graphicData uri="http://schemas.openxmlformats.org/drawingml/2006/table">
+            <a:tbl>
+              <a:tblPr firstRow="1" bandRow="1">
+                <a:tableStyleId>{5C22544A-7EE6-4342-B048-85BDC9FD1C3A}</a:tableStyleId>
+              </a:tblPr>
+              <a:tblGrid>
+                <a:gridCol w="2476938">
+                  <a:extLst>
+                    <a:ext uri="{9D8B030D-6E8A-4147-A177-3AD203B41FA5}">
+                      <a16:colId xmlns:a16="http://schemas.microsoft.com/office/drawing/2014/main" val="1716195492"/>
+                    </a:ext>
+                  </a:extLst>
+                </a:gridCol>
+                <a:gridCol w="1145627">
+                  <a:extLst>
+                    <a:ext uri="{9D8B030D-6E8A-4147-A177-3AD203B41FA5}">
+                      <a16:colId xmlns:a16="http://schemas.microsoft.com/office/drawing/2014/main" val="172788221"/>
+                    </a:ext>
+                  </a:extLst>
+                </a:gridCol>
+                <a:gridCol w="4014952">
+                  <a:extLst>
+                    <a:ext uri="{9D8B030D-6E8A-4147-A177-3AD203B41FA5}">
+                      <a16:colId xmlns:a16="http://schemas.microsoft.com/office/drawing/2014/main" val="1102246341"/>
+                    </a:ext>
+                  </a:extLst>
+                </a:gridCol>
+                <a:gridCol w="4162097">
+                  <a:extLst>
+                    <a:ext uri="{9D8B030D-6E8A-4147-A177-3AD203B41FA5}">
+                      <a16:colId xmlns:a16="http://schemas.microsoft.com/office/drawing/2014/main" val="3584977435"/>
+                    </a:ext>
+                  </a:extLst>
+                </a:gridCol>
+              </a:tblGrid>
+              <a:tr h="412702">
+                <a:tc>
+                  <a:txBody>
+                    <a:bodyPr/>
+                    <a:lstStyle/>
+                    <a:p>
+                      <a:endParaRPr lang="ko-Kore-KR" altLang="en-US"/>
+                    </a:p>
+                  </a:txBody>
+                  <a:tcPr/>
+                </a:tc>
+                <a:tc gridSpan="2">
+                  <a:txBody>
+                    <a:bodyPr/>
+                    <a:lstStyle/>
+                    <a:p>
+                      <a:r>
+                        <a:rPr lang="en-US" altLang="ko-Kore-KR" dirty="0"/>
+                        <a:t>Byte stream (byte, byte[])</a:t>
+                      </a:r>
+                    </a:p>
+                    <a:p>
+                      <a:r>
+                        <a:rPr lang="en-US" altLang="ko-Kore-KR" dirty="0" err="1"/>
+                        <a:t>InputStream</a:t>
+                      </a:r>
+                      <a:r>
+                        <a:rPr lang="en-US" altLang="ko-Kore-KR" dirty="0"/>
+                        <a:t>/</a:t>
+                      </a:r>
+                      <a:r>
+                        <a:rPr lang="en-US" altLang="ko-Kore-KR" dirty="0" err="1"/>
+                        <a:t>OutputStream</a:t>
+                      </a:r>
+                      <a:endParaRPr lang="ko-Kore-KR" altLang="en-US" dirty="0"/>
+                    </a:p>
+                  </a:txBody>
+                  <a:tcPr/>
+                </a:tc>
+                <a:tc hMerge="1">
+                  <a:txBody>
+                    <a:bodyPr/>
+                    <a:lstStyle/>
+                    <a:p>
+                      <a:endParaRPr lang="ko-Kore-KR" altLang="en-US" dirty="0"/>
+                    </a:p>
+                  </a:txBody>
+                  <a:tcPr/>
+                </a:tc>
+                <a:tc>
+                  <a:txBody>
+                    <a:bodyPr/>
+                    <a:lstStyle/>
+                    <a:p>
+                      <a:pPr marL="0" marR="0" lvl="0" indent="0" algn="l" defTabSz="914400" rtl="0" eaLnBrk="1" fontAlgn="auto" latinLnBrk="1" hangingPunct="1">
+                        <a:lnSpc>
+                          <a:spcPct val="100000"/>
+                        </a:lnSpc>
+                        <a:spcBef>
+                          <a:spcPts val="0"/>
+                        </a:spcBef>
+                        <a:spcAft>
+                          <a:spcPts val="0"/>
+                        </a:spcAft>
+                        <a:buClrTx/>
+                        <a:buSzTx/>
+                        <a:buFontTx/>
+                        <a:buNone/>
+                        <a:tabLst/>
+                        <a:defRPr/>
+                      </a:pPr>
+                      <a:r>
+                        <a:rPr lang="en-US" altLang="ko-Kore-KR" dirty="0"/>
+                        <a:t>Character stream (char, char[])</a:t>
+                      </a:r>
+                    </a:p>
+                    <a:p>
+                      <a:pPr marL="0" marR="0" lvl="0" indent="0" algn="l" defTabSz="914400" rtl="0" eaLnBrk="1" fontAlgn="auto" latinLnBrk="1" hangingPunct="1">
+                        <a:lnSpc>
+                          <a:spcPct val="100000"/>
+                        </a:lnSpc>
+                        <a:spcBef>
+                          <a:spcPts val="0"/>
+                        </a:spcBef>
+                        <a:spcAft>
+                          <a:spcPts val="0"/>
+                        </a:spcAft>
+                        <a:buClrTx/>
+                        <a:buSzTx/>
+                        <a:buFontTx/>
+                        <a:buNone/>
+                        <a:tabLst/>
+                        <a:defRPr/>
+                      </a:pPr>
+                      <a:r>
+                        <a:rPr lang="en-US" altLang="ko-Kore-KR" dirty="0"/>
+                        <a:t>Reader/Writer</a:t>
+                      </a:r>
+                      <a:endParaRPr lang="ko-Kore-KR" altLang="en-US" dirty="0"/>
+                    </a:p>
+                    <a:p>
+                      <a:endParaRPr lang="ko-Kore-KR" altLang="en-US" dirty="0"/>
+                    </a:p>
+                  </a:txBody>
+                  <a:tcPr/>
+                </a:tc>
+                <a:extLst>
+                  <a:ext uri="{0D108BD9-81ED-4DB2-BD59-A6C34878D82A}">
+                    <a16:rowId xmlns:a16="http://schemas.microsoft.com/office/drawing/2014/main" val="1301018426"/>
+                  </a:ext>
+                </a:extLst>
+              </a:tr>
+              <a:tr h="412702">
+                <a:tc rowSpan="3">
+                  <a:txBody>
+                    <a:bodyPr/>
+                    <a:lstStyle/>
+                    <a:p>
+                      <a:r>
+                        <a:rPr lang="en-US" altLang="ko-Kore-KR" dirty="0" err="1"/>
+                        <a:t>DataSinkStream</a:t>
+                      </a:r>
+                      <a:endParaRPr lang="ko-Kore-KR" altLang="en-US" dirty="0"/>
+                    </a:p>
+                  </a:txBody>
+                  <a:tcPr/>
+                </a:tc>
+                <a:tc>
+                  <a:txBody>
+                    <a:bodyPr/>
+                    <a:lstStyle/>
+                    <a:p>
+                      <a:r>
+                        <a:rPr lang="ko-Kore-KR" altLang="en-US" dirty="0"/>
+                        <a:t>파일</a:t>
+                      </a:r>
+                    </a:p>
+                  </a:txBody>
+                  <a:tcPr/>
+                </a:tc>
+                <a:tc>
+                  <a:txBody>
+                    <a:bodyPr/>
+                    <a:lstStyle/>
+                    <a:p>
+                      <a:r>
+                        <a:rPr lang="en-US" altLang="ko-Kore-KR" dirty="0" err="1"/>
+                        <a:t>FileInputStream</a:t>
+                      </a:r>
+                      <a:r>
+                        <a:rPr lang="en-US" altLang="ko-Kore-KR" dirty="0"/>
+                        <a:t>/</a:t>
+                      </a:r>
+                    </a:p>
+                    <a:p>
+                      <a:r>
+                        <a:rPr lang="en-US" altLang="ko-Kore-KR" dirty="0" err="1"/>
+                        <a:t>FileoutoutStream</a:t>
+                      </a:r>
+                      <a:endParaRPr lang="ko-Kore-KR" altLang="en-US" dirty="0"/>
+                    </a:p>
+                  </a:txBody>
+                  <a:tcPr/>
+                </a:tc>
+                <a:tc>
+                  <a:txBody>
+                    <a:bodyPr/>
+                    <a:lstStyle/>
+                    <a:p>
+                      <a:r>
+                        <a:rPr lang="en-US" altLang="ko-Kore-KR" dirty="0" err="1"/>
+                        <a:t>FileReader</a:t>
+                      </a:r>
+                      <a:r>
+                        <a:rPr lang="en-US" altLang="ko-Kore-KR" dirty="0"/>
+                        <a:t>/</a:t>
+                      </a:r>
+                      <a:r>
+                        <a:rPr lang="en-US" altLang="ko-Kore-KR" dirty="0" err="1"/>
+                        <a:t>FileWriter</a:t>
+                      </a:r>
+                      <a:endParaRPr lang="ko-Kore-KR" altLang="en-US" dirty="0"/>
+                    </a:p>
+                  </a:txBody>
+                  <a:tcPr/>
+                </a:tc>
+                <a:extLst>
+                  <a:ext uri="{0D108BD9-81ED-4DB2-BD59-A6C34878D82A}">
+                    <a16:rowId xmlns:a16="http://schemas.microsoft.com/office/drawing/2014/main" val="3910152146"/>
+                  </a:ext>
+                </a:extLst>
+              </a:tr>
+              <a:tr h="412702">
+                <a:tc vMerge="1">
+                  <a:txBody>
+                    <a:bodyPr/>
+                    <a:lstStyle/>
+                    <a:p>
+                      <a:endParaRPr lang="ko-Kore-KR" altLang="en-US" dirty="0"/>
+                    </a:p>
+                  </a:txBody>
+                  <a:tcPr/>
+                </a:tc>
+                <a:tc>
+                  <a:txBody>
+                    <a:bodyPr/>
+                    <a:lstStyle/>
+                    <a:p>
+                      <a:r>
+                        <a:rPr lang="ko-Kore-KR" altLang="en-US" dirty="0"/>
+                        <a:t>메모리</a:t>
+                      </a:r>
+                    </a:p>
+                  </a:txBody>
+                  <a:tcPr/>
+                </a:tc>
+                <a:tc>
+                  <a:txBody>
+                    <a:bodyPr/>
+                    <a:lstStyle/>
+                    <a:p>
+                      <a:pPr marL="0" marR="0" lvl="0" indent="0" algn="l" defTabSz="914400" rtl="0" eaLnBrk="1" fontAlgn="auto" latinLnBrk="1" hangingPunct="1">
+                        <a:lnSpc>
+                          <a:spcPct val="100000"/>
+                        </a:lnSpc>
+                        <a:spcBef>
+                          <a:spcPts val="0"/>
+                        </a:spcBef>
+                        <a:spcAft>
+                          <a:spcPts val="0"/>
+                        </a:spcAft>
+                        <a:buClrTx/>
+                        <a:buSzTx/>
+                        <a:buFontTx/>
+                        <a:buNone/>
+                        <a:tabLst/>
+                        <a:defRPr/>
+                      </a:pPr>
+                      <a:r>
+                        <a:rPr lang="en-US" altLang="ko-Kore-KR" dirty="0" err="1"/>
+                        <a:t>ByteArrayInputArray</a:t>
+                      </a:r>
+                      <a:r>
+                        <a:rPr lang="en-US" altLang="ko-Kore-KR" dirty="0"/>
+                        <a:t>/</a:t>
+                      </a:r>
+                    </a:p>
+                    <a:p>
+                      <a:pPr marL="0" marR="0" lvl="0" indent="0" algn="l" defTabSz="914400" rtl="0" eaLnBrk="1" fontAlgn="auto" latinLnBrk="1" hangingPunct="1">
+                        <a:lnSpc>
+                          <a:spcPct val="100000"/>
+                        </a:lnSpc>
+                        <a:spcBef>
+                          <a:spcPts val="0"/>
+                        </a:spcBef>
+                        <a:spcAft>
+                          <a:spcPts val="0"/>
+                        </a:spcAft>
+                        <a:buClrTx/>
+                        <a:buSzTx/>
+                        <a:buFontTx/>
+                        <a:buNone/>
+                        <a:tabLst/>
+                        <a:defRPr/>
+                      </a:pPr>
+                      <a:r>
+                        <a:rPr lang="en-US" altLang="ko-Kore-KR" dirty="0" err="1"/>
+                        <a:t>ByteArrayOutputArray</a:t>
+                      </a:r>
+                      <a:endParaRPr lang="ko-Kore-KR" altLang="en-US" dirty="0"/>
+                    </a:p>
+                  </a:txBody>
+                  <a:tcPr/>
+                </a:tc>
+                <a:tc>
+                  <a:txBody>
+                    <a:bodyPr/>
+                    <a:lstStyle/>
+                    <a:p>
+                      <a:pPr marL="285750" indent="-285750">
+                        <a:buFont typeface="Arial" panose="020B0604020202020204" pitchFamily="34" charset="0"/>
+                        <a:buChar char="•"/>
+                      </a:pPr>
+                      <a:r>
+                        <a:rPr lang="en-US" altLang="ko-Kore-KR" dirty="0" err="1"/>
+                        <a:t>CharArrayReader</a:t>
+                      </a:r>
+                      <a:r>
+                        <a:rPr lang="en-US" altLang="ko-Kore-KR" dirty="0"/>
+                        <a:t>/</a:t>
+                      </a:r>
+                      <a:r>
+                        <a:rPr lang="en-US" altLang="ko-Kore-KR" dirty="0" err="1"/>
+                        <a:t>CharArrayWriter</a:t>
+                      </a:r>
+                      <a:endParaRPr lang="en-US" altLang="ko-Kore-KR" dirty="0"/>
+                    </a:p>
+                    <a:p>
+                      <a:pPr marL="285750" indent="-285750">
+                        <a:buFont typeface="Arial" panose="020B0604020202020204" pitchFamily="34" charset="0"/>
+                        <a:buChar char="•"/>
+                      </a:pPr>
+                      <a:r>
+                        <a:rPr lang="en-US" altLang="ko-Kore-KR" dirty="0" err="1"/>
+                        <a:t>StringReader</a:t>
+                      </a:r>
+                      <a:r>
+                        <a:rPr lang="en-US" altLang="ko-Kore-KR" dirty="0"/>
+                        <a:t>/</a:t>
+                      </a:r>
+                      <a:r>
+                        <a:rPr lang="en-US" altLang="ko-Kore-KR" dirty="0" err="1"/>
+                        <a:t>StringWriter</a:t>
+                      </a:r>
+                      <a:endParaRPr lang="ko-Kore-KR" altLang="en-US" dirty="0"/>
+                    </a:p>
+                  </a:txBody>
+                  <a:tcPr/>
+                </a:tc>
+                <a:extLst>
+                  <a:ext uri="{0D108BD9-81ED-4DB2-BD59-A6C34878D82A}">
+                    <a16:rowId xmlns:a16="http://schemas.microsoft.com/office/drawing/2014/main" val="3709600419"/>
+                  </a:ext>
+                </a:extLst>
+              </a:tr>
+              <a:tr h="412702">
+                <a:tc vMerge="1">
+                  <a:txBody>
+                    <a:bodyPr/>
+                    <a:lstStyle/>
+                    <a:p>
+                      <a:endParaRPr lang="ko-Kore-KR" altLang="en-US" dirty="0"/>
+                    </a:p>
+                  </a:txBody>
+                  <a:tcPr/>
+                </a:tc>
+                <a:tc>
+                  <a:txBody>
+                    <a:bodyPr/>
+                    <a:lstStyle/>
+                    <a:p>
+                      <a:r>
+                        <a:rPr lang="ko-Kore-KR" altLang="en-US" dirty="0"/>
+                        <a:t>프로세스</a:t>
+                      </a:r>
+                    </a:p>
+                  </a:txBody>
+                  <a:tcPr/>
+                </a:tc>
+                <a:tc>
+                  <a:txBody>
+                    <a:bodyPr/>
+                    <a:lstStyle/>
+                    <a:p>
+                      <a:r>
+                        <a:rPr lang="en-US" altLang="ko-Kore-KR" dirty="0" err="1"/>
+                        <a:t>PipedInputStream</a:t>
+                      </a:r>
+                      <a:r>
+                        <a:rPr lang="en-US" altLang="ko-Kore-KR" dirty="0"/>
+                        <a:t>/</a:t>
+                      </a:r>
+                    </a:p>
+                    <a:p>
+                      <a:r>
+                        <a:rPr lang="en-US" altLang="ko-Kore-KR" dirty="0" err="1"/>
+                        <a:t>PipedOutputStream</a:t>
+                      </a:r>
+                      <a:endParaRPr lang="ko-Kore-KR" altLang="en-US" dirty="0"/>
+                    </a:p>
+                  </a:txBody>
+                  <a:tcPr/>
+                </a:tc>
+                <a:tc>
+                  <a:txBody>
+                    <a:bodyPr/>
+                    <a:lstStyle/>
+                    <a:p>
+                      <a:r>
+                        <a:rPr lang="en-US" altLang="ko-Kore-KR" dirty="0" err="1"/>
+                        <a:t>PipedReader</a:t>
+                      </a:r>
+                      <a:r>
+                        <a:rPr lang="en-US" altLang="ko-Kore-KR" dirty="0"/>
+                        <a:t>/</a:t>
+                      </a:r>
+                      <a:r>
+                        <a:rPr lang="en-US" altLang="ko-Kore-KR" dirty="0" err="1"/>
+                        <a:t>PipedWriter</a:t>
+                      </a:r>
+                      <a:endParaRPr lang="ko-Kore-KR" altLang="en-US" dirty="0"/>
+                    </a:p>
+                  </a:txBody>
+                  <a:tcPr/>
+                </a:tc>
+                <a:extLst>
+                  <a:ext uri="{0D108BD9-81ED-4DB2-BD59-A6C34878D82A}">
+                    <a16:rowId xmlns:a16="http://schemas.microsoft.com/office/drawing/2014/main" val="1397656307"/>
+                  </a:ext>
+                </a:extLst>
+              </a:tr>
+              <a:tr h="770060">
+                <a:tc rowSpan="2">
+                  <a:txBody>
+                    <a:bodyPr/>
+                    <a:lstStyle/>
+                    <a:p>
+                      <a:r>
+                        <a:rPr lang="en-US" altLang="ko-Kore-KR" dirty="0" err="1"/>
+                        <a:t>DataProcessingStream</a:t>
+                      </a:r>
+                      <a:endParaRPr lang="ko-Kore-KR" altLang="en-US" dirty="0"/>
+                    </a:p>
+                  </a:txBody>
+                  <a:tcPr/>
+                </a:tc>
+                <a:tc gridSpan="2">
+                  <a:txBody>
+                    <a:bodyPr/>
+                    <a:lstStyle/>
+                    <a:p>
+                      <a:pPr marL="0" indent="0">
+                        <a:buFont typeface="Arial" panose="020B0604020202020204" pitchFamily="34" charset="0"/>
+                        <a:buNone/>
+                      </a:pPr>
+                      <a:r>
+                        <a:rPr lang="en-US" altLang="ko-Kore-KR" dirty="0" err="1"/>
+                        <a:t>PrintStream</a:t>
+                      </a:r>
+                      <a:endParaRPr lang="en-US" altLang="ko-Kore-KR" dirty="0"/>
+                    </a:p>
+                  </a:txBody>
+                  <a:tcPr/>
+                </a:tc>
+                <a:tc hMerge="1">
+                  <a:txBody>
+                    <a:bodyPr/>
+                    <a:lstStyle/>
+                    <a:p>
+                      <a:pPr marL="0" marR="0" lvl="0" indent="0" algn="l" defTabSz="914400" rtl="0" eaLnBrk="1" fontAlgn="auto" latinLnBrk="1" hangingPunct="1">
+                        <a:lnSpc>
+                          <a:spcPct val="100000"/>
+                        </a:lnSpc>
+                        <a:spcBef>
+                          <a:spcPts val="0"/>
+                        </a:spcBef>
+                        <a:spcAft>
+                          <a:spcPts val="0"/>
+                        </a:spcAft>
+                        <a:buClrTx/>
+                        <a:buSzTx/>
+                        <a:buFontTx/>
+                        <a:buNone/>
+                        <a:tabLst/>
+                        <a:defRPr/>
+                      </a:pPr>
+                      <a:endParaRPr lang="ko-Kore-KR" altLang="en-US" dirty="0"/>
+                    </a:p>
+                  </a:txBody>
+                  <a:tcPr/>
+                </a:tc>
+                <a:tc>
+                  <a:txBody>
+                    <a:bodyPr/>
+                    <a:lstStyle/>
+                    <a:p>
+                      <a:pPr marL="0" marR="0" lvl="0" indent="0" algn="l" defTabSz="914400" rtl="0" eaLnBrk="1" fontAlgn="auto" latinLnBrk="1" hangingPunct="1">
+                        <a:lnSpc>
+                          <a:spcPct val="100000"/>
+                        </a:lnSpc>
+                        <a:spcBef>
+                          <a:spcPts val="0"/>
+                        </a:spcBef>
+                        <a:spcAft>
+                          <a:spcPts val="0"/>
+                        </a:spcAft>
+                        <a:buClrTx/>
+                        <a:buSzTx/>
+                        <a:buFontTx/>
+                        <a:buNone/>
+                        <a:tabLst/>
+                        <a:defRPr/>
+                      </a:pPr>
+                      <a:r>
+                        <a:rPr lang="en-US" altLang="ko-Kore-KR" dirty="0" err="1"/>
+                        <a:t>PrintWriter</a:t>
+                      </a:r>
+                      <a:endParaRPr lang="ko-Kore-KR" altLang="en-US" dirty="0"/>
+                    </a:p>
+                    <a:p>
+                      <a:endParaRPr lang="ko-Kore-KR" altLang="en-US" dirty="0"/>
+                    </a:p>
+                  </a:txBody>
+                  <a:tcPr/>
+                </a:tc>
+                <a:extLst>
+                  <a:ext uri="{0D108BD9-81ED-4DB2-BD59-A6C34878D82A}">
+                    <a16:rowId xmlns:a16="http://schemas.microsoft.com/office/drawing/2014/main" val="1865878600"/>
+                  </a:ext>
+                </a:extLst>
+              </a:tr>
+              <a:tr h="2918389">
+                <a:tc vMerge="1">
+                  <a:txBody>
+                    <a:bodyPr/>
+                    <a:lstStyle/>
+                    <a:p>
+                      <a:endParaRPr lang="ko-Kore-KR" altLang="en-US"/>
+                    </a:p>
+                  </a:txBody>
+                  <a:tcPr/>
+                </a:tc>
+                <a:tc gridSpan="2">
+                  <a:txBody>
+                    <a:bodyPr/>
+                    <a:lstStyle/>
+                    <a:p>
+                      <a:pPr marL="285750" indent="-285750">
+                        <a:buFont typeface="Arial" panose="020B0604020202020204" pitchFamily="34" charset="0"/>
+                        <a:buChar char="•"/>
+                      </a:pPr>
+                      <a:r>
+                        <a:rPr lang="en-US" altLang="ko-Kore-KR" dirty="0" err="1"/>
+                        <a:t>DataInputStream</a:t>
+                      </a:r>
+                      <a:r>
+                        <a:rPr lang="en-US" altLang="ko-Kore-KR" dirty="0"/>
+                        <a:t>/</a:t>
+                      </a:r>
+                      <a:r>
+                        <a:rPr lang="en-US" altLang="ko-Kore-KR" dirty="0" err="1"/>
+                        <a:t>DataOutputStream</a:t>
+                      </a:r>
+                      <a:endParaRPr lang="en-US" altLang="ko-Kore-KR" dirty="0"/>
+                    </a:p>
+                    <a:p>
+                      <a:pPr marL="285750" indent="-285750">
+                        <a:buFont typeface="Arial" panose="020B0604020202020204" pitchFamily="34" charset="0"/>
+                        <a:buChar char="•"/>
+                      </a:pPr>
+                      <a:r>
+                        <a:rPr lang="en-US" altLang="ko-Kore-KR" dirty="0" err="1"/>
+                        <a:t>ObjectInputStream</a:t>
+                      </a:r>
+                      <a:r>
+                        <a:rPr lang="en-US" altLang="ko-Kore-KR" dirty="0"/>
+                        <a:t>/</a:t>
+                      </a:r>
+                      <a:r>
+                        <a:rPr lang="en-US" altLang="ko-Kore-KR" dirty="0" err="1"/>
+                        <a:t>ObjectOutputStream</a:t>
+                      </a:r>
+                      <a:endParaRPr lang="en-US" altLang="ko-Kore-KR" dirty="0"/>
+                    </a:p>
+                    <a:p>
+                      <a:pPr marL="285750" indent="-285750">
+                        <a:buFont typeface="Arial" panose="020B0604020202020204" pitchFamily="34" charset="0"/>
+                        <a:buChar char="•"/>
+                      </a:pPr>
+                      <a:r>
+                        <a:rPr lang="en-US" altLang="ko-Kore-KR" dirty="0" err="1"/>
+                        <a:t>BufferedInputStream</a:t>
+                      </a:r>
+                      <a:r>
+                        <a:rPr lang="en-US" altLang="ko-Kore-KR" dirty="0"/>
+                        <a:t>/</a:t>
+                      </a:r>
+                      <a:r>
+                        <a:rPr lang="en-US" altLang="ko-Kore-KR" dirty="0" err="1"/>
+                        <a:t>BUfferedOutputStream</a:t>
+                      </a:r>
+                      <a:endParaRPr lang="en-US" altLang="ko-Kore-KR" dirty="0"/>
+                    </a:p>
+                    <a:p>
+                      <a:pPr marL="0" indent="0">
+                        <a:buFont typeface="Arial" panose="020B0604020202020204" pitchFamily="34" charset="0"/>
+                        <a:buNone/>
+                      </a:pPr>
+                      <a:endParaRPr lang="en-US" altLang="ko-Kore-KR" dirty="0"/>
+                    </a:p>
+                  </a:txBody>
+                  <a:tcPr/>
+                </a:tc>
+                <a:tc hMerge="1">
+                  <a:txBody>
+                    <a:bodyPr/>
+                    <a:lstStyle/>
+                    <a:p>
+                      <a:endParaRPr lang="ko-Kore-KR" altLang="en-US" dirty="0"/>
+                    </a:p>
+                  </a:txBody>
+                  <a:tcPr/>
+                </a:tc>
+                <a:tc>
+                  <a:txBody>
+                    <a:bodyPr/>
+                    <a:lstStyle/>
+                    <a:p>
+                      <a:pPr marL="0" marR="0" lvl="0" indent="0" algn="l" defTabSz="914400" rtl="0" eaLnBrk="1" fontAlgn="auto" latinLnBrk="1" hangingPunct="1">
+                        <a:lnSpc>
+                          <a:spcPct val="100000"/>
+                        </a:lnSpc>
+                        <a:spcBef>
+                          <a:spcPts val="0"/>
+                        </a:spcBef>
+                        <a:spcAft>
+                          <a:spcPts val="0"/>
+                        </a:spcAft>
+                        <a:buClrTx/>
+                        <a:buSzTx/>
+                        <a:buFontTx/>
+                        <a:buNone/>
+                        <a:tabLst/>
+                        <a:defRPr/>
+                      </a:pPr>
+                      <a:r>
+                        <a:rPr lang="en-US" altLang="ko-Kore-KR" dirty="0" err="1"/>
+                        <a:t>BufferedReader</a:t>
+                      </a:r>
+                      <a:r>
+                        <a:rPr lang="en-US" altLang="ko-Kore-KR" dirty="0"/>
+                        <a:t>/</a:t>
+                      </a:r>
+                      <a:r>
+                        <a:rPr lang="en-US" altLang="ko-Kore-KR" dirty="0" err="1"/>
+                        <a:t>BufferedWriter</a:t>
+                      </a:r>
+                      <a:endParaRPr lang="ko-Kore-KR" altLang="en-US" dirty="0"/>
+                    </a:p>
+                    <a:p>
+                      <a:endParaRPr lang="ko-Kore-KR" altLang="en-US" dirty="0"/>
+                    </a:p>
+                  </a:txBody>
+                  <a:tcPr/>
+                </a:tc>
+                <a:extLst>
+                  <a:ext uri="{0D108BD9-81ED-4DB2-BD59-A6C34878D82A}">
+                    <a16:rowId xmlns:a16="http://schemas.microsoft.com/office/drawing/2014/main" val="983427389"/>
+                  </a:ext>
+                </a:extLst>
+              </a:tr>
+            </a:tbl>
+          </a:graphicData>
+        </a:graphic>
+      </p:graphicFrame>
+      <p:sp>
+        <p:nvSpPr>
+          <p:cNvPr id="4" name="아래쪽 화살표[D] 3">
+            <a:extLst>
+              <a:ext uri="{FF2B5EF4-FFF2-40B4-BE49-F238E27FC236}">
+                <a16:creationId xmlns:a16="http://schemas.microsoft.com/office/drawing/2014/main" id="{64808105-DC7D-FA8F-165B-6BB50F5F57D8}"/>
+              </a:ext>
+            </a:extLst>
+          </p:cNvPr>
+          <p:cNvSpPr/>
+          <p:nvPr/>
+        </p:nvSpPr>
+        <p:spPr>
+          <a:xfrm>
+            <a:off x="357351" y="1439918"/>
+            <a:ext cx="315311" cy="451945"/>
+          </a:xfrm>
+          <a:prstGeom prst="downArrow">
+            <a:avLst/>
+          </a:prstGeom>
+        </p:spPr>
+        <p:style>
+          <a:lnRef idx="2">
+            <a:schemeClr val="dk1">
+              <a:shade val="50000"/>
+            </a:schemeClr>
+          </a:lnRef>
+          <a:fillRef idx="1">
+            <a:schemeClr val="dk1"/>
+          </a:fillRef>
+          <a:effectRef idx="0">
+            <a:schemeClr val="dk1"/>
+          </a:effectRef>
+          <a:fontRef idx="minor">
+            <a:schemeClr val="lt1"/>
+          </a:fontRef>
+        </p:style>
+        <p:txBody>
+          <a:bodyPr rtlCol="0" anchor="ctr"/>
+          <a:lstStyle/>
+          <a:p>
+            <a:pPr algn="ctr"/>
+            <a:endParaRPr kumimoji="1" lang="ko-Kore-KR" altLang="en-US"/>
+          </a:p>
+        </p:txBody>
+      </p:sp>
+      <p:sp>
+        <p:nvSpPr>
+          <p:cNvPr id="5" name="TextBox 4">
+            <a:extLst>
+              <a:ext uri="{FF2B5EF4-FFF2-40B4-BE49-F238E27FC236}">
+                <a16:creationId xmlns:a16="http://schemas.microsoft.com/office/drawing/2014/main" id="{6093D186-330E-7184-8193-D58C72DCD8A2}"/>
+              </a:ext>
+            </a:extLst>
+          </p:cNvPr>
+          <p:cNvSpPr txBox="1"/>
+          <p:nvPr/>
+        </p:nvSpPr>
+        <p:spPr>
+          <a:xfrm>
+            <a:off x="252248" y="1975945"/>
+            <a:ext cx="1471448" cy="830997"/>
+          </a:xfrm>
+          <a:prstGeom prst="rect">
+            <a:avLst/>
+          </a:prstGeom>
+        </p:spPr>
+        <p:style>
+          <a:lnRef idx="2">
+            <a:schemeClr val="dk1"/>
+          </a:lnRef>
+          <a:fillRef idx="1">
+            <a:schemeClr val="lt1"/>
+          </a:fillRef>
+          <a:effectRef idx="0">
+            <a:schemeClr val="dk1"/>
+          </a:effectRef>
+          <a:fontRef idx="minor">
+            <a:schemeClr val="dk1"/>
+          </a:fontRef>
+        </p:style>
+        <p:txBody>
+          <a:bodyPr wrap="square" rtlCol="0">
+            <a:spAutoFit/>
+          </a:bodyPr>
+          <a:lstStyle/>
+          <a:p>
+            <a:r>
+              <a:rPr kumimoji="1" lang="ko-Kore-KR" altLang="en-US" sz="1200" dirty="0"/>
+              <a:t>데이터</a:t>
+            </a:r>
+            <a:r>
+              <a:rPr kumimoji="1" lang="ko-KR" altLang="en-US" sz="1200" dirty="0"/>
+              <a:t> 저장소에 직접 읽기</a:t>
+            </a:r>
+            <a:r>
+              <a:rPr kumimoji="1" lang="en-US" altLang="ko-KR" sz="1200" dirty="0"/>
+              <a:t>/</a:t>
+            </a:r>
+            <a:r>
+              <a:rPr kumimoji="1" lang="ko-KR" altLang="en-US" sz="1200" dirty="0"/>
+              <a:t>쓰기를 수행하는 클래스</a:t>
+            </a:r>
+            <a:endParaRPr kumimoji="1" lang="en-US" altLang="ko-KR" sz="1200" dirty="0"/>
+          </a:p>
+          <a:p>
+            <a:r>
+              <a:rPr kumimoji="1" lang="en-US" altLang="ko-KR" sz="1200" dirty="0"/>
+              <a:t>(Sink: data</a:t>
+            </a:r>
+            <a:r>
+              <a:rPr kumimoji="1" lang="ko-KR" altLang="en-US" sz="1200" dirty="0"/>
+              <a:t> 저장소</a:t>
+            </a:r>
+            <a:r>
+              <a:rPr kumimoji="1" lang="en-US" altLang="ko-KR" sz="1200" dirty="0"/>
+              <a:t>)</a:t>
+            </a:r>
+            <a:endParaRPr kumimoji="1" lang="ko-Kore-KR" altLang="en-US" sz="1200" dirty="0"/>
+          </a:p>
+        </p:txBody>
+      </p:sp>
+      <p:sp>
+        <p:nvSpPr>
+          <p:cNvPr id="6" name="아래쪽 화살표[D] 5">
+            <a:extLst>
+              <a:ext uri="{FF2B5EF4-FFF2-40B4-BE49-F238E27FC236}">
+                <a16:creationId xmlns:a16="http://schemas.microsoft.com/office/drawing/2014/main" id="{6463BC5E-1344-2D4F-FADB-2DF936758AE6}"/>
+              </a:ext>
+            </a:extLst>
+          </p:cNvPr>
+          <p:cNvSpPr/>
+          <p:nvPr/>
+        </p:nvSpPr>
+        <p:spPr>
+          <a:xfrm>
+            <a:off x="252248" y="3342291"/>
+            <a:ext cx="315311" cy="451945"/>
+          </a:xfrm>
+          <a:prstGeom prst="downArrow">
+            <a:avLst/>
+          </a:prstGeom>
+        </p:spPr>
+        <p:style>
+          <a:lnRef idx="2">
+            <a:schemeClr val="dk1">
+              <a:shade val="50000"/>
+            </a:schemeClr>
+          </a:lnRef>
+          <a:fillRef idx="1">
+            <a:schemeClr val="dk1"/>
+          </a:fillRef>
+          <a:effectRef idx="0">
+            <a:schemeClr val="dk1"/>
+          </a:effectRef>
+          <a:fontRef idx="minor">
+            <a:schemeClr val="lt1"/>
+          </a:fontRef>
+        </p:style>
+        <p:txBody>
+          <a:bodyPr rtlCol="0" anchor="ctr"/>
+          <a:lstStyle/>
+          <a:p>
+            <a:pPr algn="ctr"/>
+            <a:endParaRPr kumimoji="1" lang="ko-Kore-KR" altLang="en-US"/>
+          </a:p>
+        </p:txBody>
+      </p:sp>
+      <p:sp>
+        <p:nvSpPr>
+          <p:cNvPr id="10" name="TextBox 9">
+            <a:extLst>
+              <a:ext uri="{FF2B5EF4-FFF2-40B4-BE49-F238E27FC236}">
+                <a16:creationId xmlns:a16="http://schemas.microsoft.com/office/drawing/2014/main" id="{E7DB748B-DDA4-0EF6-6E5C-DB6AB97D2302}"/>
+              </a:ext>
+            </a:extLst>
+          </p:cNvPr>
+          <p:cNvSpPr txBox="1"/>
+          <p:nvPr/>
+        </p:nvSpPr>
+        <p:spPr>
+          <a:xfrm>
+            <a:off x="231228" y="3884989"/>
+            <a:ext cx="2312276" cy="646331"/>
+          </a:xfrm>
+          <a:prstGeom prst="rect">
+            <a:avLst/>
+          </a:prstGeom>
+        </p:spPr>
+        <p:style>
+          <a:lnRef idx="2">
+            <a:schemeClr val="dk1"/>
+          </a:lnRef>
+          <a:fillRef idx="1">
+            <a:schemeClr val="lt1"/>
+          </a:fillRef>
+          <a:effectRef idx="0">
+            <a:schemeClr val="dk1"/>
+          </a:effectRef>
+          <a:fontRef idx="minor">
+            <a:schemeClr val="dk1"/>
+          </a:fontRef>
+        </p:style>
+        <p:txBody>
+          <a:bodyPr wrap="square" rtlCol="0">
+            <a:spAutoFit/>
+          </a:bodyPr>
+          <a:lstStyle/>
+          <a:p>
+            <a:r>
+              <a:rPr kumimoji="1" lang="ko-Kore-KR" altLang="en-US" sz="1200" dirty="0"/>
+              <a:t>중간에서</a:t>
+            </a:r>
+            <a:r>
+              <a:rPr kumimoji="1" lang="ko-KR" altLang="en-US" sz="1200" dirty="0"/>
+              <a:t> 데이터를 가공하고 일을 하는 클래스</a:t>
+            </a:r>
+            <a:endParaRPr kumimoji="1" lang="en-US" altLang="ko-KR" sz="1200" dirty="0"/>
+          </a:p>
+          <a:p>
+            <a:r>
+              <a:rPr kumimoji="1" lang="en-US" altLang="ko-KR" sz="1200" dirty="0">
+                <a:sym typeface="Wingdings" pitchFamily="2" charset="2"/>
+              </a:rPr>
+              <a:t></a:t>
+            </a:r>
+            <a:r>
+              <a:rPr kumimoji="1" lang="ko-KR" altLang="en-US" sz="1200" dirty="0">
+                <a:sym typeface="Wingdings" pitchFamily="2" charset="2"/>
+              </a:rPr>
+              <a:t> </a:t>
+            </a:r>
+            <a:r>
+              <a:rPr kumimoji="1" lang="en-US" altLang="ko-KR" sz="1200" dirty="0">
+                <a:sym typeface="Wingdings" pitchFamily="2" charset="2"/>
+              </a:rPr>
+              <a:t>Decorator</a:t>
+            </a:r>
+            <a:endParaRPr kumimoji="1" lang="ko-Kore-KR" altLang="en-US" sz="1200" dirty="0"/>
+          </a:p>
+        </p:txBody>
+      </p:sp>
     </p:spTree>
     <p:extLst>
       <p:ext uri="{BB962C8B-B14F-4D97-AF65-F5344CB8AC3E}">
         <p14:creationId xmlns:p14="http://schemas.microsoft.com/office/powerpoint/2010/main" val="1508814606"/>
+      </p:ext>
+    </p:extLst>
+  </p:cSld>
+  <p:clrMapOvr>
+    <a:masterClrMapping/>
+  </p:clrMapOvr>
+</p:sld>
+</file>
+
+<file path=ppt/slides/slide3.xml><?xml version="1.0" encoding="utf-8"?>
+<p:sld xmlns:a="http://schemas.openxmlformats.org/drawingml/2006/main" xmlns:r="http://schemas.openxmlformats.org/officeDocument/2006/relationships" xmlns:p="http://schemas.openxmlformats.org/presentationml/2006/main">
+  <p:cSld>
+    <p:spTree>
+      <p:nvGrpSpPr>
+        <p:cNvPr id="1" name=""/>
+        <p:cNvGrpSpPr/>
+        <p:nvPr/>
+      </p:nvGrpSpPr>
+      <p:grpSpPr>
+        <a:xfrm>
+          <a:off x="0" y="0"/>
+          <a:ext cx="0" cy="0"/>
+          <a:chOff x="0" y="0"/>
+          <a:chExt cx="0" cy="0"/>
+        </a:xfrm>
+      </p:grpSpPr>
+      <p:sp>
+        <p:nvSpPr>
+          <p:cNvPr id="2" name="제목 1">
+            <a:extLst>
+              <a:ext uri="{FF2B5EF4-FFF2-40B4-BE49-F238E27FC236}">
+                <a16:creationId xmlns:a16="http://schemas.microsoft.com/office/drawing/2014/main" id="{C669018C-8CE6-6612-2B3E-818BFF6334A2}"/>
+              </a:ext>
+            </a:extLst>
+          </p:cNvPr>
+          <p:cNvSpPr>
+            <a:spLocks noGrp="1"/>
+          </p:cNvSpPr>
+          <p:nvPr>
+            <p:ph type="title"/>
+          </p:nvPr>
+        </p:nvSpPr>
+        <p:spPr>
+          <a:xfrm>
+            <a:off x="465082" y="124620"/>
+            <a:ext cx="10515600" cy="1325563"/>
+          </a:xfrm>
+        </p:spPr>
+        <p:txBody>
+          <a:bodyPr/>
+          <a:lstStyle/>
+          <a:p>
+            <a:r>
+              <a:rPr kumimoji="1" lang="ko-Kore-KR" altLang="en-US" dirty="0">
+                <a:solidFill>
+                  <a:schemeClr val="bg1">
+                    <a:lumMod val="95000"/>
+                  </a:schemeClr>
+                </a:solidFill>
+              </a:rPr>
+              <a:t>버퍼</a:t>
+            </a:r>
+            <a:r>
+              <a:rPr kumimoji="1" lang="ko-KR" altLang="en-US" dirty="0">
+                <a:solidFill>
+                  <a:schemeClr val="bg1">
+                    <a:lumMod val="95000"/>
+                  </a:schemeClr>
+                </a:solidFill>
+              </a:rPr>
+              <a:t> 사용 이유</a:t>
+            </a:r>
+            <a:endParaRPr kumimoji="1" lang="ko-Kore-KR" altLang="en-US" dirty="0">
+              <a:solidFill>
+                <a:schemeClr val="bg1">
+                  <a:lumMod val="95000"/>
+                </a:schemeClr>
+              </a:solidFill>
+            </a:endParaRPr>
+          </a:p>
+        </p:txBody>
+      </p:sp>
+      <p:sp>
+        <p:nvSpPr>
+          <p:cNvPr id="4" name="타원 3">
+            <a:extLst>
+              <a:ext uri="{FF2B5EF4-FFF2-40B4-BE49-F238E27FC236}">
+                <a16:creationId xmlns:a16="http://schemas.microsoft.com/office/drawing/2014/main" id="{7F4D9EAC-33E6-6D86-A2B0-E4691E0276BD}"/>
+              </a:ext>
+            </a:extLst>
+          </p:cNvPr>
+          <p:cNvSpPr/>
+          <p:nvPr/>
+        </p:nvSpPr>
+        <p:spPr>
+          <a:xfrm>
+            <a:off x="94593" y="2183524"/>
+            <a:ext cx="1881352" cy="1881352"/>
+          </a:xfrm>
+          <a:prstGeom prst="ellipse">
+            <a:avLst/>
+          </a:prstGeom>
+        </p:spPr>
+        <p:style>
+          <a:lnRef idx="2">
+            <a:schemeClr val="accent1">
+              <a:shade val="50000"/>
+            </a:schemeClr>
+          </a:lnRef>
+          <a:fillRef idx="1">
+            <a:schemeClr val="accent1"/>
+          </a:fillRef>
+          <a:effectRef idx="0">
+            <a:schemeClr val="accent1"/>
+          </a:effectRef>
+          <a:fontRef idx="minor">
+            <a:schemeClr val="lt1"/>
+          </a:fontRef>
+        </p:style>
+        <p:txBody>
+          <a:bodyPr rtlCol="0" anchor="ctr"/>
+          <a:lstStyle/>
+          <a:p>
+            <a:pPr algn="ctr"/>
+            <a:r>
+              <a:rPr kumimoji="1" lang="en-US" altLang="ko-Kore-KR" dirty="0"/>
+              <a:t>Data</a:t>
+            </a:r>
+            <a:endParaRPr kumimoji="1" lang="ko-Kore-KR" altLang="en-US" dirty="0"/>
+          </a:p>
+        </p:txBody>
+      </p:sp>
+      <p:sp>
+        <p:nvSpPr>
+          <p:cNvPr id="5" name="원통[C] 4">
+            <a:extLst>
+              <a:ext uri="{FF2B5EF4-FFF2-40B4-BE49-F238E27FC236}">
+                <a16:creationId xmlns:a16="http://schemas.microsoft.com/office/drawing/2014/main" id="{87DA2280-BACB-49A2-0A65-DF1E67A55479}"/>
+              </a:ext>
+            </a:extLst>
+          </p:cNvPr>
+          <p:cNvSpPr/>
+          <p:nvPr/>
+        </p:nvSpPr>
+        <p:spPr>
+          <a:xfrm>
+            <a:off x="3652344" y="2504089"/>
+            <a:ext cx="3468414" cy="1240221"/>
+          </a:xfrm>
+          <a:prstGeom prst="can">
+            <a:avLst/>
+          </a:prstGeom>
+        </p:spPr>
+        <p:style>
+          <a:lnRef idx="2">
+            <a:schemeClr val="accent1">
+              <a:shade val="50000"/>
+            </a:schemeClr>
+          </a:lnRef>
+          <a:fillRef idx="1">
+            <a:schemeClr val="accent1"/>
+          </a:fillRef>
+          <a:effectRef idx="0">
+            <a:schemeClr val="accent1"/>
+          </a:effectRef>
+          <a:fontRef idx="minor">
+            <a:schemeClr val="lt1"/>
+          </a:fontRef>
+        </p:style>
+        <p:txBody>
+          <a:bodyPr rtlCol="0" anchor="ctr"/>
+          <a:lstStyle/>
+          <a:p>
+            <a:pPr algn="ctr"/>
+            <a:r>
+              <a:rPr kumimoji="1" lang="en-US" altLang="ko-Kore-KR" dirty="0"/>
+              <a:t>Buffer</a:t>
+            </a:r>
+            <a:endParaRPr kumimoji="1" lang="ko-Kore-KR" altLang="en-US" dirty="0"/>
+          </a:p>
+        </p:txBody>
+      </p:sp>
+      <p:sp>
+        <p:nvSpPr>
+          <p:cNvPr id="6" name="한쪽 모서리가 잘린 사각형 5">
+            <a:extLst>
+              <a:ext uri="{FF2B5EF4-FFF2-40B4-BE49-F238E27FC236}">
+                <a16:creationId xmlns:a16="http://schemas.microsoft.com/office/drawing/2014/main" id="{6CBA1C2A-5ADF-D256-942D-4628B6DD78AB}"/>
+              </a:ext>
+            </a:extLst>
+          </p:cNvPr>
+          <p:cNvSpPr/>
+          <p:nvPr/>
+        </p:nvSpPr>
+        <p:spPr>
+          <a:xfrm>
+            <a:off x="9900745" y="1690688"/>
+            <a:ext cx="2196662" cy="2921876"/>
+          </a:xfrm>
+          <a:prstGeom prst="snip1Rect">
+            <a:avLst/>
+          </a:prstGeom>
+        </p:spPr>
+        <p:style>
+          <a:lnRef idx="2">
+            <a:schemeClr val="accent1">
+              <a:shade val="50000"/>
+            </a:schemeClr>
+          </a:lnRef>
+          <a:fillRef idx="1">
+            <a:schemeClr val="accent1"/>
+          </a:fillRef>
+          <a:effectRef idx="0">
+            <a:schemeClr val="accent1"/>
+          </a:effectRef>
+          <a:fontRef idx="minor">
+            <a:schemeClr val="lt1"/>
+          </a:fontRef>
+        </p:style>
+        <p:txBody>
+          <a:bodyPr rtlCol="0" anchor="ctr"/>
+          <a:lstStyle/>
+          <a:p>
+            <a:pPr algn="ctr"/>
+            <a:r>
+              <a:rPr kumimoji="1" lang="en-US" altLang="ko-Kore-KR" dirty="0"/>
+              <a:t>File</a:t>
+            </a:r>
+            <a:endParaRPr kumimoji="1" lang="ko-Kore-KR" altLang="en-US" dirty="0"/>
+          </a:p>
+        </p:txBody>
+      </p:sp>
+      <p:cxnSp>
+        <p:nvCxnSpPr>
+          <p:cNvPr id="8" name="직선 화살표 연결선 7">
+            <a:extLst>
+              <a:ext uri="{FF2B5EF4-FFF2-40B4-BE49-F238E27FC236}">
+                <a16:creationId xmlns:a16="http://schemas.microsoft.com/office/drawing/2014/main" id="{2768625D-1A8F-5BE5-20EE-FDCDB1BF86F3}"/>
+              </a:ext>
+            </a:extLst>
+          </p:cNvPr>
+          <p:cNvCxnSpPr>
+            <a:stCxn id="4" idx="6"/>
+            <a:endCxn id="5" idx="2"/>
+          </p:cNvCxnSpPr>
+          <p:nvPr/>
+        </p:nvCxnSpPr>
+        <p:spPr>
+          <a:xfrm>
+            <a:off x="1975945" y="3124200"/>
+            <a:ext cx="1676399" cy="0"/>
+          </a:xfrm>
+          <a:prstGeom prst="straightConnector1">
+            <a:avLst/>
+          </a:prstGeom>
+          <a:ln>
+            <a:tailEnd type="triangle"/>
+          </a:ln>
+        </p:spPr>
+        <p:style>
+          <a:lnRef idx="3">
+            <a:schemeClr val="accent1"/>
+          </a:lnRef>
+          <a:fillRef idx="0">
+            <a:schemeClr val="accent1"/>
+          </a:fillRef>
+          <a:effectRef idx="2">
+            <a:schemeClr val="accent1"/>
+          </a:effectRef>
+          <a:fontRef idx="minor">
+            <a:schemeClr val="tx1"/>
+          </a:fontRef>
+        </p:style>
+      </p:cxnSp>
+      <p:cxnSp>
+        <p:nvCxnSpPr>
+          <p:cNvPr id="9" name="직선 화살표 연결선 8">
+            <a:extLst>
+              <a:ext uri="{FF2B5EF4-FFF2-40B4-BE49-F238E27FC236}">
+                <a16:creationId xmlns:a16="http://schemas.microsoft.com/office/drawing/2014/main" id="{A8EE87AC-72B1-65A6-9096-AC459DB39971}"/>
+              </a:ext>
+            </a:extLst>
+          </p:cNvPr>
+          <p:cNvCxnSpPr>
+            <a:cxnSpLocks/>
+            <a:stCxn id="5" idx="4"/>
+            <a:endCxn id="6" idx="2"/>
+          </p:cNvCxnSpPr>
+          <p:nvPr/>
+        </p:nvCxnSpPr>
+        <p:spPr>
+          <a:xfrm>
+            <a:off x="7120758" y="3124200"/>
+            <a:ext cx="2779987" cy="27426"/>
+          </a:xfrm>
+          <a:prstGeom prst="straightConnector1">
+            <a:avLst/>
+          </a:prstGeom>
+          <a:ln>
+            <a:tailEnd type="triangle"/>
+          </a:ln>
+        </p:spPr>
+        <p:style>
+          <a:lnRef idx="3">
+            <a:schemeClr val="accent1"/>
+          </a:lnRef>
+          <a:fillRef idx="0">
+            <a:schemeClr val="accent1"/>
+          </a:fillRef>
+          <a:effectRef idx="2">
+            <a:schemeClr val="accent1"/>
+          </a:effectRef>
+          <a:fontRef idx="minor">
+            <a:schemeClr val="tx1"/>
+          </a:fontRef>
+        </p:style>
+      </p:cxnSp>
+      <p:sp>
+        <p:nvSpPr>
+          <p:cNvPr id="13" name="TextBox 12">
+            <a:extLst>
+              <a:ext uri="{FF2B5EF4-FFF2-40B4-BE49-F238E27FC236}">
+                <a16:creationId xmlns:a16="http://schemas.microsoft.com/office/drawing/2014/main" id="{99DAC224-CA17-8D84-B162-7EB1894D14EA}"/>
+              </a:ext>
+            </a:extLst>
+          </p:cNvPr>
+          <p:cNvSpPr txBox="1"/>
+          <p:nvPr/>
+        </p:nvSpPr>
+        <p:spPr>
+          <a:xfrm>
+            <a:off x="2446282" y="1752440"/>
+            <a:ext cx="735724" cy="369332"/>
+          </a:xfrm>
+          <a:prstGeom prst="rect">
+            <a:avLst/>
+          </a:prstGeom>
+        </p:spPr>
+        <p:style>
+          <a:lnRef idx="2">
+            <a:schemeClr val="accent1"/>
+          </a:lnRef>
+          <a:fillRef idx="1">
+            <a:schemeClr val="lt1"/>
+          </a:fillRef>
+          <a:effectRef idx="0">
+            <a:schemeClr val="accent1"/>
+          </a:effectRef>
+          <a:fontRef idx="minor">
+            <a:schemeClr val="dk1"/>
+          </a:fontRef>
+        </p:style>
+        <p:txBody>
+          <a:bodyPr wrap="square" rtlCol="0">
+            <a:spAutoFit/>
+          </a:bodyPr>
+          <a:lstStyle/>
+          <a:p>
+            <a:pPr algn="ctr"/>
+            <a:r>
+              <a:rPr kumimoji="1" lang="ko-Kore-KR" altLang="en-US" dirty="0"/>
+              <a:t>출력</a:t>
+            </a:r>
+          </a:p>
+        </p:txBody>
+      </p:sp>
+      <p:sp>
+        <p:nvSpPr>
+          <p:cNvPr id="14" name="TextBox 13">
+            <a:extLst>
+              <a:ext uri="{FF2B5EF4-FFF2-40B4-BE49-F238E27FC236}">
+                <a16:creationId xmlns:a16="http://schemas.microsoft.com/office/drawing/2014/main" id="{0B43912E-021B-DA4D-B462-F9756A73C003}"/>
+              </a:ext>
+            </a:extLst>
+          </p:cNvPr>
+          <p:cNvSpPr txBox="1"/>
+          <p:nvPr/>
+        </p:nvSpPr>
+        <p:spPr>
+          <a:xfrm>
+            <a:off x="5018689" y="4064876"/>
+            <a:ext cx="735724" cy="369332"/>
+          </a:xfrm>
+          <a:prstGeom prst="rect">
+            <a:avLst/>
+          </a:prstGeom>
+        </p:spPr>
+        <p:style>
+          <a:lnRef idx="2">
+            <a:schemeClr val="accent1"/>
+          </a:lnRef>
+          <a:fillRef idx="1">
+            <a:schemeClr val="lt1"/>
+          </a:fillRef>
+          <a:effectRef idx="0">
+            <a:schemeClr val="accent1"/>
+          </a:effectRef>
+          <a:fontRef idx="minor">
+            <a:schemeClr val="dk1"/>
+          </a:fontRef>
+        </p:style>
+        <p:txBody>
+          <a:bodyPr wrap="square" rtlCol="0">
+            <a:spAutoFit/>
+          </a:bodyPr>
+          <a:lstStyle/>
+          <a:p>
+            <a:pPr algn="ctr"/>
+            <a:r>
+              <a:rPr kumimoji="1" lang="en-US" altLang="ko-Kore-KR" dirty="0"/>
+              <a:t>RAM</a:t>
+            </a:r>
+            <a:endParaRPr kumimoji="1" lang="ko-Kore-KR" altLang="en-US" dirty="0"/>
+          </a:p>
+        </p:txBody>
+      </p:sp>
+      <p:sp>
+        <p:nvSpPr>
+          <p:cNvPr id="16" name="TextBox 15">
+            <a:extLst>
+              <a:ext uri="{FF2B5EF4-FFF2-40B4-BE49-F238E27FC236}">
+                <a16:creationId xmlns:a16="http://schemas.microsoft.com/office/drawing/2014/main" id="{14960362-FBBD-DA08-B6D7-C3DFC058DEFA}"/>
+              </a:ext>
+            </a:extLst>
+          </p:cNvPr>
+          <p:cNvSpPr txBox="1"/>
+          <p:nvPr/>
+        </p:nvSpPr>
+        <p:spPr>
+          <a:xfrm>
+            <a:off x="10612820" y="4815221"/>
+            <a:ext cx="735724" cy="369332"/>
+          </a:xfrm>
+          <a:prstGeom prst="rect">
+            <a:avLst/>
+          </a:prstGeom>
+        </p:spPr>
+        <p:style>
+          <a:lnRef idx="2">
+            <a:schemeClr val="accent1"/>
+          </a:lnRef>
+          <a:fillRef idx="1">
+            <a:schemeClr val="lt1"/>
+          </a:fillRef>
+          <a:effectRef idx="0">
+            <a:schemeClr val="accent1"/>
+          </a:effectRef>
+          <a:fontRef idx="minor">
+            <a:schemeClr val="dk1"/>
+          </a:fontRef>
+        </p:style>
+        <p:txBody>
+          <a:bodyPr wrap="square" rtlCol="0">
+            <a:spAutoFit/>
+          </a:bodyPr>
+          <a:lstStyle/>
+          <a:p>
+            <a:pPr algn="ctr"/>
+            <a:r>
+              <a:rPr kumimoji="1" lang="en-US" altLang="ko-Kore-KR" dirty="0"/>
+              <a:t>HDD</a:t>
+            </a:r>
+            <a:endParaRPr kumimoji="1" lang="ko-Kore-KR" altLang="en-US" dirty="0"/>
+          </a:p>
+        </p:txBody>
+      </p:sp>
+      <p:sp>
+        <p:nvSpPr>
+          <p:cNvPr id="17" name="TextBox 16">
+            <a:extLst>
+              <a:ext uri="{FF2B5EF4-FFF2-40B4-BE49-F238E27FC236}">
+                <a16:creationId xmlns:a16="http://schemas.microsoft.com/office/drawing/2014/main" id="{B3EB50BF-9A47-AD8D-CD95-57D37F201050}"/>
+              </a:ext>
+            </a:extLst>
+          </p:cNvPr>
+          <p:cNvSpPr txBox="1"/>
+          <p:nvPr/>
+        </p:nvSpPr>
+        <p:spPr>
+          <a:xfrm>
+            <a:off x="1621219" y="4726452"/>
+            <a:ext cx="2385849" cy="646331"/>
+          </a:xfrm>
+          <a:prstGeom prst="rect">
+            <a:avLst/>
+          </a:prstGeom>
+        </p:spPr>
+        <p:style>
+          <a:lnRef idx="2">
+            <a:schemeClr val="accent4"/>
+          </a:lnRef>
+          <a:fillRef idx="1">
+            <a:schemeClr val="lt1"/>
+          </a:fillRef>
+          <a:effectRef idx="0">
+            <a:schemeClr val="accent4"/>
+          </a:effectRef>
+          <a:fontRef idx="minor">
+            <a:schemeClr val="dk1"/>
+          </a:fontRef>
+        </p:style>
+        <p:txBody>
+          <a:bodyPr wrap="square" rtlCol="0">
+            <a:spAutoFit/>
+          </a:bodyPr>
+          <a:lstStyle/>
+          <a:p>
+            <a:r>
+              <a:rPr kumimoji="1" lang="ko-Kore-KR" altLang="en-US" dirty="0"/>
+              <a:t>출력할</a:t>
+            </a:r>
+            <a:r>
+              <a:rPr kumimoji="1" lang="ko-KR" altLang="en-US" dirty="0"/>
+              <a:t> 데이터를 </a:t>
+            </a:r>
+            <a:r>
+              <a:rPr kumimoji="1" lang="en-US" altLang="ko-KR" dirty="0"/>
+              <a:t>RAM</a:t>
+            </a:r>
+            <a:r>
+              <a:rPr kumimoji="1" lang="ko-KR" altLang="en-US" dirty="0"/>
+              <a:t>에 모아두었다가</a:t>
+            </a:r>
+            <a:endParaRPr kumimoji="1" lang="ko-Kore-KR" altLang="en-US" dirty="0"/>
+          </a:p>
+        </p:txBody>
+      </p:sp>
+      <p:cxnSp>
+        <p:nvCxnSpPr>
+          <p:cNvPr id="19" name="직선 화살표 연결선 18">
+            <a:extLst>
+              <a:ext uri="{FF2B5EF4-FFF2-40B4-BE49-F238E27FC236}">
+                <a16:creationId xmlns:a16="http://schemas.microsoft.com/office/drawing/2014/main" id="{1630D50B-15E7-1DC7-5D0C-05E2FC4ADAAD}"/>
+              </a:ext>
+            </a:extLst>
+          </p:cNvPr>
+          <p:cNvCxnSpPr>
+            <a:stCxn id="17" idx="0"/>
+            <a:endCxn id="13" idx="2"/>
+          </p:cNvCxnSpPr>
+          <p:nvPr/>
+        </p:nvCxnSpPr>
+        <p:spPr>
+          <a:xfrm flipV="1">
+            <a:off x="2814144" y="2121772"/>
+            <a:ext cx="0" cy="2604680"/>
+          </a:xfrm>
+          <a:prstGeom prst="straightConnector1">
+            <a:avLst/>
+          </a:prstGeom>
+          <a:ln>
+            <a:tailEnd type="triangle"/>
+          </a:ln>
+        </p:spPr>
+        <p:style>
+          <a:lnRef idx="3">
+            <a:schemeClr val="accent4"/>
+          </a:lnRef>
+          <a:fillRef idx="0">
+            <a:schemeClr val="accent4"/>
+          </a:fillRef>
+          <a:effectRef idx="2">
+            <a:schemeClr val="accent4"/>
+          </a:effectRef>
+          <a:fontRef idx="minor">
+            <a:schemeClr val="tx1"/>
+          </a:fontRef>
+        </p:style>
+      </p:cxnSp>
+      <p:sp>
+        <p:nvSpPr>
+          <p:cNvPr id="21" name="TextBox 20">
+            <a:extLst>
+              <a:ext uri="{FF2B5EF4-FFF2-40B4-BE49-F238E27FC236}">
+                <a16:creationId xmlns:a16="http://schemas.microsoft.com/office/drawing/2014/main" id="{6D188164-2645-B066-EF63-2BB112B7629E}"/>
+              </a:ext>
+            </a:extLst>
+          </p:cNvPr>
+          <p:cNvSpPr txBox="1"/>
+          <p:nvPr/>
+        </p:nvSpPr>
+        <p:spPr>
+          <a:xfrm>
+            <a:off x="6533492" y="5140432"/>
+            <a:ext cx="3673367" cy="923330"/>
+          </a:xfrm>
+          <a:prstGeom prst="rect">
+            <a:avLst/>
+          </a:prstGeom>
+        </p:spPr>
+        <p:style>
+          <a:lnRef idx="2">
+            <a:schemeClr val="accent4"/>
+          </a:lnRef>
+          <a:fillRef idx="1">
+            <a:schemeClr val="lt1"/>
+          </a:fillRef>
+          <a:effectRef idx="0">
+            <a:schemeClr val="accent4"/>
+          </a:effectRef>
+          <a:fontRef idx="minor">
+            <a:schemeClr val="dk1"/>
+          </a:fontRef>
+        </p:style>
+        <p:txBody>
+          <a:bodyPr wrap="square" rtlCol="0">
+            <a:spAutoFit/>
+          </a:bodyPr>
+          <a:lstStyle/>
+          <a:p>
+            <a:r>
+              <a:rPr kumimoji="1" lang="en-US" altLang="ko-Kore-KR" dirty="0"/>
+              <a:t>RAM</a:t>
+            </a:r>
+            <a:r>
+              <a:rPr kumimoji="1" lang="ko-KR" altLang="en-US" dirty="0"/>
+              <a:t>이 꽉 차면</a:t>
+            </a:r>
+            <a:r>
+              <a:rPr kumimoji="1" lang="en-US" altLang="ko-KR" dirty="0"/>
+              <a:t>,</a:t>
+            </a:r>
+          </a:p>
+          <a:p>
+            <a:r>
+              <a:rPr kumimoji="1" lang="en-US" altLang="ko-Kore-KR" dirty="0"/>
+              <a:t>HDD</a:t>
+            </a:r>
+            <a:r>
+              <a:rPr kumimoji="1" lang="ko-KR" altLang="en-US" dirty="0"/>
+              <a:t>로 출력함으로써</a:t>
+            </a:r>
+            <a:endParaRPr kumimoji="1" lang="en-US" altLang="ko-KR" dirty="0"/>
+          </a:p>
+          <a:p>
+            <a:r>
+              <a:rPr kumimoji="1" lang="ko-KR" altLang="en-US" dirty="0"/>
+              <a:t>입출력에 소요되는 시간을 줄인다</a:t>
+            </a:r>
+            <a:r>
+              <a:rPr kumimoji="1" lang="en-US" altLang="ko-KR" dirty="0"/>
+              <a:t>.</a:t>
+            </a:r>
+            <a:endParaRPr kumimoji="1" lang="ko-Kore-KR" altLang="en-US" dirty="0"/>
+          </a:p>
+        </p:txBody>
+      </p:sp>
+      <p:cxnSp>
+        <p:nvCxnSpPr>
+          <p:cNvPr id="22" name="직선 화살표 연결선 21">
+            <a:extLst>
+              <a:ext uri="{FF2B5EF4-FFF2-40B4-BE49-F238E27FC236}">
+                <a16:creationId xmlns:a16="http://schemas.microsoft.com/office/drawing/2014/main" id="{16051706-9783-86A2-E45C-62CA8DFE14A9}"/>
+              </a:ext>
+            </a:extLst>
+          </p:cNvPr>
+          <p:cNvCxnSpPr>
+            <a:cxnSpLocks/>
+            <a:stCxn id="21" idx="0"/>
+            <a:endCxn id="26" idx="2"/>
+          </p:cNvCxnSpPr>
+          <p:nvPr/>
+        </p:nvCxnSpPr>
+        <p:spPr>
+          <a:xfrm flipV="1">
+            <a:off x="8370176" y="2260272"/>
+            <a:ext cx="0" cy="2880160"/>
+          </a:xfrm>
+          <a:prstGeom prst="straightConnector1">
+            <a:avLst/>
+          </a:prstGeom>
+          <a:ln>
+            <a:tailEnd type="triangle"/>
+          </a:ln>
+        </p:spPr>
+        <p:style>
+          <a:lnRef idx="3">
+            <a:schemeClr val="accent4"/>
+          </a:lnRef>
+          <a:fillRef idx="0">
+            <a:schemeClr val="accent4"/>
+          </a:fillRef>
+          <a:effectRef idx="2">
+            <a:schemeClr val="accent4"/>
+          </a:effectRef>
+          <a:fontRef idx="minor">
+            <a:schemeClr val="tx1"/>
+          </a:fontRef>
+        </p:style>
+      </p:cxnSp>
+      <p:sp>
+        <p:nvSpPr>
+          <p:cNvPr id="26" name="TextBox 25">
+            <a:extLst>
+              <a:ext uri="{FF2B5EF4-FFF2-40B4-BE49-F238E27FC236}">
+                <a16:creationId xmlns:a16="http://schemas.microsoft.com/office/drawing/2014/main" id="{88526DF9-3C43-E67D-8334-EB9AE51A6CE4}"/>
+              </a:ext>
+            </a:extLst>
+          </p:cNvPr>
+          <p:cNvSpPr txBox="1"/>
+          <p:nvPr/>
+        </p:nvSpPr>
+        <p:spPr>
+          <a:xfrm>
+            <a:off x="6980183" y="1613941"/>
+            <a:ext cx="2779985" cy="646331"/>
+          </a:xfrm>
+          <a:prstGeom prst="rect">
+            <a:avLst/>
+          </a:prstGeom>
+        </p:spPr>
+        <p:style>
+          <a:lnRef idx="2">
+            <a:schemeClr val="accent1"/>
+          </a:lnRef>
+          <a:fillRef idx="1">
+            <a:schemeClr val="lt1"/>
+          </a:fillRef>
+          <a:effectRef idx="0">
+            <a:schemeClr val="accent1"/>
+          </a:effectRef>
+          <a:fontRef idx="minor">
+            <a:schemeClr val="dk1"/>
+          </a:fontRef>
+        </p:style>
+        <p:txBody>
+          <a:bodyPr wrap="square" rtlCol="0">
+            <a:spAutoFit/>
+          </a:bodyPr>
+          <a:lstStyle/>
+          <a:p>
+            <a:pPr algn="ctr"/>
+            <a:r>
+              <a:rPr kumimoji="1" lang="ko-KR" altLang="en-US" dirty="0"/>
+              <a:t>버퍼가 </a:t>
+            </a:r>
+            <a:r>
+              <a:rPr kumimoji="1" lang="ko-KR" altLang="en-US" dirty="0" err="1"/>
+              <a:t>꽉차면</a:t>
+            </a:r>
+            <a:r>
+              <a:rPr kumimoji="1" lang="en-US" altLang="ko-KR" dirty="0"/>
+              <a:t>,</a:t>
+            </a:r>
+          </a:p>
+          <a:p>
+            <a:pPr algn="ctr"/>
+            <a:r>
+              <a:rPr kumimoji="1" lang="ko-KR" altLang="en-US" dirty="0"/>
+              <a:t>실제 파일로 출력</a:t>
+            </a:r>
+            <a:endParaRPr kumimoji="1" lang="ko-Kore-KR" altLang="en-US" dirty="0"/>
+          </a:p>
+        </p:txBody>
+      </p:sp>
+      <p:cxnSp>
+        <p:nvCxnSpPr>
+          <p:cNvPr id="32" name="구부러진 연결선[U] 31">
+            <a:extLst>
+              <a:ext uri="{FF2B5EF4-FFF2-40B4-BE49-F238E27FC236}">
+                <a16:creationId xmlns:a16="http://schemas.microsoft.com/office/drawing/2014/main" id="{C4D47B8E-98CE-48D4-F220-1CF2297128F4}"/>
+              </a:ext>
+            </a:extLst>
+          </p:cNvPr>
+          <p:cNvCxnSpPr>
+            <a:stCxn id="4" idx="0"/>
+            <a:endCxn id="6" idx="3"/>
+          </p:cNvCxnSpPr>
+          <p:nvPr/>
+        </p:nvCxnSpPr>
+        <p:spPr>
+          <a:xfrm rot="5400000" flipH="1" flipV="1">
+            <a:off x="5770754" y="-3044797"/>
+            <a:ext cx="492836" cy="9963807"/>
+          </a:xfrm>
+          <a:prstGeom prst="curvedConnector3">
+            <a:avLst>
+              <a:gd name="adj1" fmla="val 169844"/>
+            </a:avLst>
+          </a:prstGeom>
+          <a:ln>
+            <a:tailEnd type="triangle"/>
+          </a:ln>
+        </p:spPr>
+        <p:style>
+          <a:lnRef idx="3">
+            <a:schemeClr val="accent2"/>
+          </a:lnRef>
+          <a:fillRef idx="0">
+            <a:schemeClr val="accent2"/>
+          </a:fillRef>
+          <a:effectRef idx="2">
+            <a:schemeClr val="accent2"/>
+          </a:effectRef>
+          <a:fontRef idx="minor">
+            <a:schemeClr val="tx1"/>
+          </a:fontRef>
+        </p:style>
+      </p:cxnSp>
+      <p:sp>
+        <p:nvSpPr>
+          <p:cNvPr id="34" name="TextBox 33">
+            <a:extLst>
+              <a:ext uri="{FF2B5EF4-FFF2-40B4-BE49-F238E27FC236}">
+                <a16:creationId xmlns:a16="http://schemas.microsoft.com/office/drawing/2014/main" id="{F5AAF1DE-80CB-F200-1002-D20003EB5FC4}"/>
+              </a:ext>
+            </a:extLst>
+          </p:cNvPr>
+          <p:cNvSpPr txBox="1"/>
+          <p:nvPr/>
+        </p:nvSpPr>
+        <p:spPr>
+          <a:xfrm>
+            <a:off x="5728138" y="843240"/>
+            <a:ext cx="735724" cy="369332"/>
+          </a:xfrm>
+          <a:prstGeom prst="rect">
+            <a:avLst/>
+          </a:prstGeom>
+        </p:spPr>
+        <p:style>
+          <a:lnRef idx="2">
+            <a:schemeClr val="accent2"/>
+          </a:lnRef>
+          <a:fillRef idx="1">
+            <a:schemeClr val="lt1"/>
+          </a:fillRef>
+          <a:effectRef idx="0">
+            <a:schemeClr val="accent2"/>
+          </a:effectRef>
+          <a:fontRef idx="minor">
+            <a:schemeClr val="dk1"/>
+          </a:fontRef>
+        </p:style>
+        <p:txBody>
+          <a:bodyPr wrap="square" rtlCol="0">
+            <a:spAutoFit/>
+          </a:bodyPr>
+          <a:lstStyle/>
+          <a:p>
+            <a:pPr algn="ctr"/>
+            <a:r>
+              <a:rPr kumimoji="1" lang="ko-Kore-KR" altLang="en-US" dirty="0"/>
+              <a:t>출력</a:t>
+            </a:r>
+          </a:p>
+        </p:txBody>
+      </p:sp>
+      <p:sp>
+        <p:nvSpPr>
+          <p:cNvPr id="35" name="곱하기 34">
+            <a:extLst>
+              <a:ext uri="{FF2B5EF4-FFF2-40B4-BE49-F238E27FC236}">
+                <a16:creationId xmlns:a16="http://schemas.microsoft.com/office/drawing/2014/main" id="{360D62A7-F0C7-1CFC-8462-9826442087D5}"/>
+              </a:ext>
+            </a:extLst>
+          </p:cNvPr>
+          <p:cNvSpPr/>
+          <p:nvPr/>
+        </p:nvSpPr>
+        <p:spPr>
+          <a:xfrm>
+            <a:off x="5155324" y="499519"/>
+            <a:ext cx="1881352" cy="1116834"/>
+          </a:xfrm>
+          <a:prstGeom prst="mathMultiply">
+            <a:avLst/>
+          </a:prstGeom>
+          <a:solidFill>
+            <a:srgbClr val="FDA9F7">
+              <a:alpha val="55911"/>
+            </a:srgbClr>
+          </a:solidFill>
+        </p:spPr>
+        <p:style>
+          <a:lnRef idx="2">
+            <a:schemeClr val="accent1">
+              <a:shade val="50000"/>
+            </a:schemeClr>
+          </a:lnRef>
+          <a:fillRef idx="1">
+            <a:schemeClr val="accent1"/>
+          </a:fillRef>
+          <a:effectRef idx="0">
+            <a:schemeClr val="accent1"/>
+          </a:effectRef>
+          <a:fontRef idx="minor">
+            <a:schemeClr val="lt1"/>
+          </a:fontRef>
+        </p:style>
+        <p:txBody>
+          <a:bodyPr rtlCol="0" anchor="ctr"/>
+          <a:lstStyle/>
+          <a:p>
+            <a:pPr algn="ctr"/>
+            <a:endParaRPr kumimoji="1" lang="ko-Kore-KR" altLang="en-US" dirty="0"/>
+          </a:p>
+        </p:txBody>
+      </p:sp>
+    </p:spTree>
+    <p:extLst>
+      <p:ext uri="{BB962C8B-B14F-4D97-AF65-F5344CB8AC3E}">
+        <p14:creationId xmlns:p14="http://schemas.microsoft.com/office/powerpoint/2010/main" val="1577065723"/>
       </p:ext>
     </p:extLst>
   </p:cSld>

--- a/study-note/자바/2022-08-10 내용정리.pptx
+++ b/study-note/자바/2022-08-10 내용정리.pptx
@@ -5,12 +5,16 @@
     <p:sldMasterId id="2147483648" r:id="rId1"/>
   </p:sldMasterIdLst>
   <p:notesMasterIdLst>
-    <p:notesMasterId r:id="rId5"/>
+    <p:notesMasterId r:id="rId9"/>
   </p:notesMasterIdLst>
   <p:sldIdLst>
     <p:sldId id="256" r:id="rId2"/>
     <p:sldId id="286" r:id="rId3"/>
     <p:sldId id="288" r:id="rId4"/>
+    <p:sldId id="289" r:id="rId5"/>
+    <p:sldId id="290" r:id="rId6"/>
+    <p:sldId id="291" r:id="rId7"/>
+    <p:sldId id="292" r:id="rId8"/>
   </p:sldIdLst>
   <p:sldSz cx="12192000" cy="6858000"/>
   <p:notesSz cx="6858000" cy="9144000"/>
@@ -5633,6 +5637,4689 @@
 </p:sld>
 </file>
 
+<file path=ppt/slides/slide4.xml><?xml version="1.0" encoding="utf-8"?>
+<p:sld xmlns:a="http://schemas.openxmlformats.org/drawingml/2006/main" xmlns:r="http://schemas.openxmlformats.org/officeDocument/2006/relationships" xmlns:p="http://schemas.openxmlformats.org/presentationml/2006/main">
+  <p:cSld>
+    <p:spTree>
+      <p:nvGrpSpPr>
+        <p:cNvPr id="1" name=""/>
+        <p:cNvGrpSpPr/>
+        <p:nvPr/>
+      </p:nvGrpSpPr>
+      <p:grpSpPr>
+        <a:xfrm>
+          <a:off x="0" y="0"/>
+          <a:ext cx="0" cy="0"/>
+          <a:chOff x="0" y="0"/>
+          <a:chExt cx="0" cy="0"/>
+        </a:xfrm>
+      </p:grpSpPr>
+      <p:sp>
+        <p:nvSpPr>
+          <p:cNvPr id="2" name="제목 1">
+            <a:extLst>
+              <a:ext uri="{FF2B5EF4-FFF2-40B4-BE49-F238E27FC236}">
+                <a16:creationId xmlns:a16="http://schemas.microsoft.com/office/drawing/2014/main" id="{C669018C-8CE6-6612-2B3E-818BFF6334A2}"/>
+              </a:ext>
+            </a:extLst>
+          </p:cNvPr>
+          <p:cNvSpPr>
+            <a:spLocks noGrp="1"/>
+          </p:cNvSpPr>
+          <p:nvPr>
+            <p:ph type="title"/>
+          </p:nvPr>
+        </p:nvSpPr>
+        <p:spPr>
+          <a:xfrm>
+            <a:off x="465082" y="124620"/>
+            <a:ext cx="10515600" cy="1325563"/>
+          </a:xfrm>
+        </p:spPr>
+        <p:txBody>
+          <a:bodyPr/>
+          <a:lstStyle/>
+          <a:p>
+            <a:r>
+              <a:rPr kumimoji="1" lang="ko-Kore-KR" altLang="en-US" dirty="0">
+                <a:solidFill>
+                  <a:schemeClr val="bg1">
+                    <a:lumMod val="95000"/>
+                  </a:schemeClr>
+                </a:solidFill>
+              </a:rPr>
+              <a:t>객체를</a:t>
+            </a:r>
+            <a:r>
+              <a:rPr kumimoji="1" lang="ko-KR" altLang="en-US" dirty="0">
+                <a:solidFill>
+                  <a:schemeClr val="bg1">
+                    <a:lumMod val="95000"/>
+                  </a:schemeClr>
+                </a:solidFill>
+              </a:rPr>
+              <a:t> 입출력하기</a:t>
+            </a:r>
+            <a:endParaRPr kumimoji="1" lang="ko-Kore-KR" altLang="en-US" dirty="0">
+              <a:solidFill>
+                <a:schemeClr val="bg1">
+                  <a:lumMod val="95000"/>
+                </a:schemeClr>
+              </a:solidFill>
+            </a:endParaRPr>
+          </a:p>
+        </p:txBody>
+      </p:sp>
+      <p:sp>
+        <p:nvSpPr>
+          <p:cNvPr id="6" name="한쪽 모서리가 잘린 사각형 5">
+            <a:extLst>
+              <a:ext uri="{FF2B5EF4-FFF2-40B4-BE49-F238E27FC236}">
+                <a16:creationId xmlns:a16="http://schemas.microsoft.com/office/drawing/2014/main" id="{6CBA1C2A-5ADF-D256-942D-4628B6DD78AB}"/>
+              </a:ext>
+            </a:extLst>
+          </p:cNvPr>
+          <p:cNvSpPr/>
+          <p:nvPr/>
+        </p:nvSpPr>
+        <p:spPr>
+          <a:xfrm>
+            <a:off x="10599683" y="1793904"/>
+            <a:ext cx="1229710" cy="1325563"/>
+          </a:xfrm>
+          <a:prstGeom prst="snip1Rect">
+            <a:avLst/>
+          </a:prstGeom>
+        </p:spPr>
+        <p:style>
+          <a:lnRef idx="2">
+            <a:schemeClr val="accent1">
+              <a:shade val="50000"/>
+            </a:schemeClr>
+          </a:lnRef>
+          <a:fillRef idx="1">
+            <a:schemeClr val="accent1"/>
+          </a:fillRef>
+          <a:effectRef idx="0">
+            <a:schemeClr val="accent1"/>
+          </a:effectRef>
+          <a:fontRef idx="minor">
+            <a:schemeClr val="lt1"/>
+          </a:fontRef>
+        </p:style>
+        <p:txBody>
+          <a:bodyPr rtlCol="0" anchor="ctr"/>
+          <a:lstStyle/>
+          <a:p>
+            <a:pPr algn="ctr"/>
+            <a:r>
+              <a:rPr kumimoji="1" lang="en-US" altLang="ko-Kore-KR" dirty="0"/>
+              <a:t>File</a:t>
+            </a:r>
+            <a:endParaRPr kumimoji="1" lang="ko-Kore-KR" altLang="en-US" dirty="0"/>
+          </a:p>
+        </p:txBody>
+      </p:sp>
+      <p:sp>
+        <p:nvSpPr>
+          <p:cNvPr id="3" name="직사각형 2">
+            <a:extLst>
+              <a:ext uri="{FF2B5EF4-FFF2-40B4-BE49-F238E27FC236}">
+                <a16:creationId xmlns:a16="http://schemas.microsoft.com/office/drawing/2014/main" id="{0A7C93E1-7748-74BF-BE00-19B32387A2C4}"/>
+              </a:ext>
+            </a:extLst>
+          </p:cNvPr>
+          <p:cNvSpPr/>
+          <p:nvPr/>
+        </p:nvSpPr>
+        <p:spPr>
+          <a:xfrm>
+            <a:off x="415159" y="2102069"/>
+            <a:ext cx="977462" cy="735724"/>
+          </a:xfrm>
+          <a:prstGeom prst="rect">
+            <a:avLst/>
+          </a:prstGeom>
+        </p:spPr>
+        <p:style>
+          <a:lnRef idx="2">
+            <a:schemeClr val="accent1">
+              <a:shade val="50000"/>
+            </a:schemeClr>
+          </a:lnRef>
+          <a:fillRef idx="1">
+            <a:schemeClr val="accent1"/>
+          </a:fillRef>
+          <a:effectRef idx="0">
+            <a:schemeClr val="accent1"/>
+          </a:effectRef>
+          <a:fontRef idx="minor">
+            <a:schemeClr val="lt1"/>
+          </a:fontRef>
+        </p:style>
+        <p:txBody>
+          <a:bodyPr rtlCol="0" anchor="ctr"/>
+          <a:lstStyle/>
+          <a:p>
+            <a:pPr algn="ctr"/>
+            <a:r>
+              <a:rPr kumimoji="1" lang="en-US" altLang="ko-Kore-KR" dirty="0"/>
+              <a:t>Board</a:t>
+            </a:r>
+            <a:endParaRPr kumimoji="1" lang="ko-Kore-KR" altLang="en-US" dirty="0"/>
+          </a:p>
+        </p:txBody>
+      </p:sp>
+      <p:sp>
+        <p:nvSpPr>
+          <p:cNvPr id="7" name="직사각형 6">
+            <a:extLst>
+              <a:ext uri="{FF2B5EF4-FFF2-40B4-BE49-F238E27FC236}">
+                <a16:creationId xmlns:a16="http://schemas.microsoft.com/office/drawing/2014/main" id="{D4704185-49BD-0B89-FE94-8C45F66CC071}"/>
+              </a:ext>
+            </a:extLst>
+          </p:cNvPr>
+          <p:cNvSpPr/>
+          <p:nvPr/>
+        </p:nvSpPr>
+        <p:spPr>
+          <a:xfrm>
+            <a:off x="3205655" y="2088824"/>
+            <a:ext cx="2317531" cy="735724"/>
+          </a:xfrm>
+          <a:prstGeom prst="rect">
+            <a:avLst/>
+          </a:prstGeom>
+        </p:spPr>
+        <p:style>
+          <a:lnRef idx="2">
+            <a:schemeClr val="dk1"/>
+          </a:lnRef>
+          <a:fillRef idx="1">
+            <a:schemeClr val="lt1"/>
+          </a:fillRef>
+          <a:effectRef idx="0">
+            <a:schemeClr val="dk1"/>
+          </a:effectRef>
+          <a:fontRef idx="minor">
+            <a:schemeClr val="dk1"/>
+          </a:fontRef>
+        </p:style>
+        <p:txBody>
+          <a:bodyPr rtlCol="0" anchor="ctr"/>
+          <a:lstStyle/>
+          <a:p>
+            <a:pPr algn="ctr"/>
+            <a:r>
+              <a:rPr kumimoji="1" lang="en-US" altLang="ko-Kore-KR" dirty="0" err="1"/>
+              <a:t>DataOutputStream</a:t>
+            </a:r>
+            <a:endParaRPr kumimoji="1" lang="ko-Kore-KR" altLang="en-US" dirty="0"/>
+          </a:p>
+        </p:txBody>
+      </p:sp>
+      <p:sp>
+        <p:nvSpPr>
+          <p:cNvPr id="10" name="직사각형 9">
+            <a:extLst>
+              <a:ext uri="{FF2B5EF4-FFF2-40B4-BE49-F238E27FC236}">
+                <a16:creationId xmlns:a16="http://schemas.microsoft.com/office/drawing/2014/main" id="{74319C41-05FE-3D50-4F5F-228BB0635042}"/>
+              </a:ext>
+            </a:extLst>
+          </p:cNvPr>
+          <p:cNvSpPr/>
+          <p:nvPr/>
+        </p:nvSpPr>
+        <p:spPr>
+          <a:xfrm>
+            <a:off x="6306206" y="2088824"/>
+            <a:ext cx="2317531" cy="735724"/>
+          </a:xfrm>
+          <a:prstGeom prst="rect">
+            <a:avLst/>
+          </a:prstGeom>
+        </p:spPr>
+        <p:style>
+          <a:lnRef idx="2">
+            <a:schemeClr val="accent1">
+              <a:shade val="50000"/>
+            </a:schemeClr>
+          </a:lnRef>
+          <a:fillRef idx="1">
+            <a:schemeClr val="accent1"/>
+          </a:fillRef>
+          <a:effectRef idx="0">
+            <a:schemeClr val="accent1"/>
+          </a:effectRef>
+          <a:fontRef idx="minor">
+            <a:schemeClr val="lt1"/>
+          </a:fontRef>
+        </p:style>
+        <p:txBody>
+          <a:bodyPr rtlCol="0" anchor="ctr"/>
+          <a:lstStyle/>
+          <a:p>
+            <a:pPr algn="ctr"/>
+            <a:r>
+              <a:rPr kumimoji="1" lang="en-US" altLang="ko-Kore-KR" dirty="0" err="1"/>
+              <a:t>FileOutputStream</a:t>
+            </a:r>
+            <a:endParaRPr kumimoji="1" lang="ko-Kore-KR" altLang="en-US" dirty="0"/>
+          </a:p>
+        </p:txBody>
+      </p:sp>
+      <p:cxnSp>
+        <p:nvCxnSpPr>
+          <p:cNvPr id="12" name="직선 화살표 연결선 11">
+            <a:extLst>
+              <a:ext uri="{FF2B5EF4-FFF2-40B4-BE49-F238E27FC236}">
+                <a16:creationId xmlns:a16="http://schemas.microsoft.com/office/drawing/2014/main" id="{AF52AA8A-4D13-DD5F-C0B4-3BBC98440150}"/>
+              </a:ext>
+            </a:extLst>
+          </p:cNvPr>
+          <p:cNvCxnSpPr>
+            <a:stCxn id="3" idx="3"/>
+            <a:endCxn id="7" idx="1"/>
+          </p:cNvCxnSpPr>
+          <p:nvPr/>
+        </p:nvCxnSpPr>
+        <p:spPr>
+          <a:xfrm flipV="1">
+            <a:off x="1392621" y="2456686"/>
+            <a:ext cx="1813034" cy="13245"/>
+          </a:xfrm>
+          <a:prstGeom prst="straightConnector1">
+            <a:avLst/>
+          </a:prstGeom>
+          <a:ln>
+            <a:tailEnd type="triangle"/>
+          </a:ln>
+        </p:spPr>
+        <p:style>
+          <a:lnRef idx="3">
+            <a:schemeClr val="accent1"/>
+          </a:lnRef>
+          <a:fillRef idx="0">
+            <a:schemeClr val="accent1"/>
+          </a:fillRef>
+          <a:effectRef idx="2">
+            <a:schemeClr val="accent1"/>
+          </a:effectRef>
+          <a:fontRef idx="minor">
+            <a:schemeClr val="tx1"/>
+          </a:fontRef>
+        </p:style>
+      </p:cxnSp>
+      <p:cxnSp>
+        <p:nvCxnSpPr>
+          <p:cNvPr id="15" name="직선 화살표 연결선 14">
+            <a:extLst>
+              <a:ext uri="{FF2B5EF4-FFF2-40B4-BE49-F238E27FC236}">
+                <a16:creationId xmlns:a16="http://schemas.microsoft.com/office/drawing/2014/main" id="{815CB45D-561A-C3CC-BD52-8ED868E8AE7D}"/>
+              </a:ext>
+            </a:extLst>
+          </p:cNvPr>
+          <p:cNvCxnSpPr>
+            <a:cxnSpLocks/>
+            <a:stCxn id="7" idx="3"/>
+            <a:endCxn id="10" idx="1"/>
+          </p:cNvCxnSpPr>
+          <p:nvPr/>
+        </p:nvCxnSpPr>
+        <p:spPr>
+          <a:xfrm>
+            <a:off x="5523186" y="2456686"/>
+            <a:ext cx="783020" cy="0"/>
+          </a:xfrm>
+          <a:prstGeom prst="straightConnector1">
+            <a:avLst/>
+          </a:prstGeom>
+          <a:ln>
+            <a:tailEnd type="triangle"/>
+          </a:ln>
+        </p:spPr>
+        <p:style>
+          <a:lnRef idx="3">
+            <a:schemeClr val="accent1"/>
+          </a:lnRef>
+          <a:fillRef idx="0">
+            <a:schemeClr val="accent1"/>
+          </a:fillRef>
+          <a:effectRef idx="2">
+            <a:schemeClr val="accent1"/>
+          </a:effectRef>
+          <a:fontRef idx="minor">
+            <a:schemeClr val="tx1"/>
+          </a:fontRef>
+        </p:style>
+      </p:cxnSp>
+      <p:cxnSp>
+        <p:nvCxnSpPr>
+          <p:cNvPr id="24" name="직선 화살표 연결선 23">
+            <a:extLst>
+              <a:ext uri="{FF2B5EF4-FFF2-40B4-BE49-F238E27FC236}">
+                <a16:creationId xmlns:a16="http://schemas.microsoft.com/office/drawing/2014/main" id="{334CEEDE-ECF0-9179-D1AC-948CEDFC77FB}"/>
+              </a:ext>
+            </a:extLst>
+          </p:cNvPr>
+          <p:cNvCxnSpPr>
+            <a:cxnSpLocks/>
+            <a:stCxn id="10" idx="3"/>
+            <a:endCxn id="6" idx="2"/>
+          </p:cNvCxnSpPr>
+          <p:nvPr/>
+        </p:nvCxnSpPr>
+        <p:spPr>
+          <a:xfrm>
+            <a:off x="8623737" y="2456686"/>
+            <a:ext cx="1975946" cy="0"/>
+          </a:xfrm>
+          <a:prstGeom prst="straightConnector1">
+            <a:avLst/>
+          </a:prstGeom>
+          <a:ln>
+            <a:tailEnd type="triangle"/>
+          </a:ln>
+        </p:spPr>
+        <p:style>
+          <a:lnRef idx="3">
+            <a:schemeClr val="accent1"/>
+          </a:lnRef>
+          <a:fillRef idx="0">
+            <a:schemeClr val="accent1"/>
+          </a:fillRef>
+          <a:effectRef idx="2">
+            <a:schemeClr val="accent1"/>
+          </a:effectRef>
+          <a:fontRef idx="minor">
+            <a:schemeClr val="tx1"/>
+          </a:fontRef>
+        </p:style>
+      </p:cxnSp>
+      <p:sp>
+        <p:nvSpPr>
+          <p:cNvPr id="30" name="한쪽 모서리가 잘린 사각형 29">
+            <a:extLst>
+              <a:ext uri="{FF2B5EF4-FFF2-40B4-BE49-F238E27FC236}">
+                <a16:creationId xmlns:a16="http://schemas.microsoft.com/office/drawing/2014/main" id="{CA2230CF-5754-D6D4-EEF7-D4592FA933D7}"/>
+              </a:ext>
+            </a:extLst>
+          </p:cNvPr>
+          <p:cNvSpPr/>
+          <p:nvPr/>
+        </p:nvSpPr>
+        <p:spPr>
+          <a:xfrm>
+            <a:off x="10599683" y="4878714"/>
+            <a:ext cx="1229710" cy="1325563"/>
+          </a:xfrm>
+          <a:prstGeom prst="snip1Rect">
+            <a:avLst/>
+          </a:prstGeom>
+        </p:spPr>
+        <p:style>
+          <a:lnRef idx="2">
+            <a:schemeClr val="accent1">
+              <a:shade val="50000"/>
+            </a:schemeClr>
+          </a:lnRef>
+          <a:fillRef idx="1">
+            <a:schemeClr val="accent1"/>
+          </a:fillRef>
+          <a:effectRef idx="0">
+            <a:schemeClr val="accent1"/>
+          </a:effectRef>
+          <a:fontRef idx="minor">
+            <a:schemeClr val="lt1"/>
+          </a:fontRef>
+        </p:style>
+        <p:txBody>
+          <a:bodyPr rtlCol="0" anchor="ctr"/>
+          <a:lstStyle/>
+          <a:p>
+            <a:pPr algn="ctr"/>
+            <a:r>
+              <a:rPr kumimoji="1" lang="en-US" altLang="ko-Kore-KR" dirty="0"/>
+              <a:t>File</a:t>
+            </a:r>
+            <a:endParaRPr kumimoji="1" lang="ko-Kore-KR" altLang="en-US" dirty="0"/>
+          </a:p>
+        </p:txBody>
+      </p:sp>
+      <p:sp>
+        <p:nvSpPr>
+          <p:cNvPr id="31" name="직사각형 30">
+            <a:extLst>
+              <a:ext uri="{FF2B5EF4-FFF2-40B4-BE49-F238E27FC236}">
+                <a16:creationId xmlns:a16="http://schemas.microsoft.com/office/drawing/2014/main" id="{9E3F5D2F-7772-37E6-2889-AE66657CBA4A}"/>
+              </a:ext>
+            </a:extLst>
+          </p:cNvPr>
+          <p:cNvSpPr/>
+          <p:nvPr/>
+        </p:nvSpPr>
+        <p:spPr>
+          <a:xfrm>
+            <a:off x="415159" y="5173633"/>
+            <a:ext cx="977462" cy="735724"/>
+          </a:xfrm>
+          <a:prstGeom prst="rect">
+            <a:avLst/>
+          </a:prstGeom>
+        </p:spPr>
+        <p:style>
+          <a:lnRef idx="2">
+            <a:schemeClr val="accent1">
+              <a:shade val="50000"/>
+            </a:schemeClr>
+          </a:lnRef>
+          <a:fillRef idx="1">
+            <a:schemeClr val="accent1"/>
+          </a:fillRef>
+          <a:effectRef idx="0">
+            <a:schemeClr val="accent1"/>
+          </a:effectRef>
+          <a:fontRef idx="minor">
+            <a:schemeClr val="lt1"/>
+          </a:fontRef>
+        </p:style>
+        <p:txBody>
+          <a:bodyPr rtlCol="0" anchor="ctr"/>
+          <a:lstStyle/>
+          <a:p>
+            <a:pPr algn="ctr"/>
+            <a:r>
+              <a:rPr kumimoji="1" lang="en-US" altLang="ko-Kore-KR" dirty="0"/>
+              <a:t>Board</a:t>
+            </a:r>
+            <a:endParaRPr kumimoji="1" lang="ko-Kore-KR" altLang="en-US" dirty="0"/>
+          </a:p>
+        </p:txBody>
+      </p:sp>
+      <p:sp>
+        <p:nvSpPr>
+          <p:cNvPr id="33" name="직사각형 32">
+            <a:extLst>
+              <a:ext uri="{FF2B5EF4-FFF2-40B4-BE49-F238E27FC236}">
+                <a16:creationId xmlns:a16="http://schemas.microsoft.com/office/drawing/2014/main" id="{8A4E73EC-9D16-B7A1-EB73-50A231A82BBC}"/>
+              </a:ext>
+            </a:extLst>
+          </p:cNvPr>
+          <p:cNvSpPr/>
+          <p:nvPr/>
+        </p:nvSpPr>
+        <p:spPr>
+          <a:xfrm>
+            <a:off x="3205655" y="5173634"/>
+            <a:ext cx="2317531" cy="735724"/>
+          </a:xfrm>
+          <a:prstGeom prst="rect">
+            <a:avLst/>
+          </a:prstGeom>
+        </p:spPr>
+        <p:style>
+          <a:lnRef idx="2">
+            <a:schemeClr val="dk1"/>
+          </a:lnRef>
+          <a:fillRef idx="1">
+            <a:schemeClr val="lt1"/>
+          </a:fillRef>
+          <a:effectRef idx="0">
+            <a:schemeClr val="dk1"/>
+          </a:effectRef>
+          <a:fontRef idx="minor">
+            <a:schemeClr val="dk1"/>
+          </a:fontRef>
+        </p:style>
+        <p:txBody>
+          <a:bodyPr rtlCol="0" anchor="ctr"/>
+          <a:lstStyle/>
+          <a:p>
+            <a:pPr algn="ctr"/>
+            <a:r>
+              <a:rPr kumimoji="1" lang="en-US" altLang="ko-Kore-KR" dirty="0" err="1"/>
+              <a:t>ObjectOutputStream</a:t>
+            </a:r>
+            <a:endParaRPr kumimoji="1" lang="ko-Kore-KR" altLang="en-US" dirty="0"/>
+          </a:p>
+        </p:txBody>
+      </p:sp>
+      <p:sp>
+        <p:nvSpPr>
+          <p:cNvPr id="36" name="직사각형 35">
+            <a:extLst>
+              <a:ext uri="{FF2B5EF4-FFF2-40B4-BE49-F238E27FC236}">
+                <a16:creationId xmlns:a16="http://schemas.microsoft.com/office/drawing/2014/main" id="{1D74962F-EF0C-0B2D-0B35-912DEBC4DE1F}"/>
+              </a:ext>
+            </a:extLst>
+          </p:cNvPr>
+          <p:cNvSpPr/>
+          <p:nvPr/>
+        </p:nvSpPr>
+        <p:spPr>
+          <a:xfrm>
+            <a:off x="6306206" y="5173634"/>
+            <a:ext cx="2317531" cy="735724"/>
+          </a:xfrm>
+          <a:prstGeom prst="rect">
+            <a:avLst/>
+          </a:prstGeom>
+        </p:spPr>
+        <p:style>
+          <a:lnRef idx="2">
+            <a:schemeClr val="accent1">
+              <a:shade val="50000"/>
+            </a:schemeClr>
+          </a:lnRef>
+          <a:fillRef idx="1">
+            <a:schemeClr val="accent1"/>
+          </a:fillRef>
+          <a:effectRef idx="0">
+            <a:schemeClr val="accent1"/>
+          </a:effectRef>
+          <a:fontRef idx="minor">
+            <a:schemeClr val="lt1"/>
+          </a:fontRef>
+        </p:style>
+        <p:txBody>
+          <a:bodyPr rtlCol="0" anchor="ctr"/>
+          <a:lstStyle/>
+          <a:p>
+            <a:pPr algn="ctr"/>
+            <a:r>
+              <a:rPr kumimoji="1" lang="en-US" altLang="ko-Kore-KR" dirty="0" err="1"/>
+              <a:t>FileOutputStream</a:t>
+            </a:r>
+            <a:endParaRPr kumimoji="1" lang="ko-Kore-KR" altLang="en-US" dirty="0"/>
+          </a:p>
+        </p:txBody>
+      </p:sp>
+      <p:cxnSp>
+        <p:nvCxnSpPr>
+          <p:cNvPr id="37" name="직선 화살표 연결선 36">
+            <a:extLst>
+              <a:ext uri="{FF2B5EF4-FFF2-40B4-BE49-F238E27FC236}">
+                <a16:creationId xmlns:a16="http://schemas.microsoft.com/office/drawing/2014/main" id="{491A7EC1-2A6E-D541-7C5C-A5E48E67FA27}"/>
+              </a:ext>
+            </a:extLst>
+          </p:cNvPr>
+          <p:cNvCxnSpPr>
+            <a:cxnSpLocks/>
+            <a:stCxn id="31" idx="3"/>
+            <a:endCxn id="33" idx="1"/>
+          </p:cNvCxnSpPr>
+          <p:nvPr/>
+        </p:nvCxnSpPr>
+        <p:spPr>
+          <a:xfrm>
+            <a:off x="1392621" y="5541495"/>
+            <a:ext cx="1813034" cy="1"/>
+          </a:xfrm>
+          <a:prstGeom prst="straightConnector1">
+            <a:avLst/>
+          </a:prstGeom>
+          <a:ln>
+            <a:tailEnd type="triangle"/>
+          </a:ln>
+        </p:spPr>
+        <p:style>
+          <a:lnRef idx="3">
+            <a:schemeClr val="accent1"/>
+          </a:lnRef>
+          <a:fillRef idx="0">
+            <a:schemeClr val="accent1"/>
+          </a:fillRef>
+          <a:effectRef idx="2">
+            <a:schemeClr val="accent1"/>
+          </a:effectRef>
+          <a:fontRef idx="minor">
+            <a:schemeClr val="tx1"/>
+          </a:fontRef>
+        </p:style>
+      </p:cxnSp>
+      <p:cxnSp>
+        <p:nvCxnSpPr>
+          <p:cNvPr id="38" name="직선 화살표 연결선 37">
+            <a:extLst>
+              <a:ext uri="{FF2B5EF4-FFF2-40B4-BE49-F238E27FC236}">
+                <a16:creationId xmlns:a16="http://schemas.microsoft.com/office/drawing/2014/main" id="{C6ACAD2C-0296-64DD-760D-F91B68BE41CA}"/>
+              </a:ext>
+            </a:extLst>
+          </p:cNvPr>
+          <p:cNvCxnSpPr>
+            <a:cxnSpLocks/>
+            <a:stCxn id="33" idx="3"/>
+            <a:endCxn id="36" idx="1"/>
+          </p:cNvCxnSpPr>
+          <p:nvPr/>
+        </p:nvCxnSpPr>
+        <p:spPr>
+          <a:xfrm>
+            <a:off x="5523186" y="5541496"/>
+            <a:ext cx="783020" cy="0"/>
+          </a:xfrm>
+          <a:prstGeom prst="straightConnector1">
+            <a:avLst/>
+          </a:prstGeom>
+          <a:ln>
+            <a:tailEnd type="triangle"/>
+          </a:ln>
+        </p:spPr>
+        <p:style>
+          <a:lnRef idx="3">
+            <a:schemeClr val="accent1"/>
+          </a:lnRef>
+          <a:fillRef idx="0">
+            <a:schemeClr val="accent1"/>
+          </a:fillRef>
+          <a:effectRef idx="2">
+            <a:schemeClr val="accent1"/>
+          </a:effectRef>
+          <a:fontRef idx="minor">
+            <a:schemeClr val="tx1"/>
+          </a:fontRef>
+        </p:style>
+      </p:cxnSp>
+      <p:cxnSp>
+        <p:nvCxnSpPr>
+          <p:cNvPr id="39" name="직선 화살표 연결선 38">
+            <a:extLst>
+              <a:ext uri="{FF2B5EF4-FFF2-40B4-BE49-F238E27FC236}">
+                <a16:creationId xmlns:a16="http://schemas.microsoft.com/office/drawing/2014/main" id="{CC91EE76-5CF3-2243-834A-7A618DFE4AE2}"/>
+              </a:ext>
+            </a:extLst>
+          </p:cNvPr>
+          <p:cNvCxnSpPr>
+            <a:cxnSpLocks/>
+            <a:stCxn id="36" idx="3"/>
+            <a:endCxn id="30" idx="2"/>
+          </p:cNvCxnSpPr>
+          <p:nvPr/>
+        </p:nvCxnSpPr>
+        <p:spPr>
+          <a:xfrm>
+            <a:off x="8623737" y="5541496"/>
+            <a:ext cx="1975946" cy="0"/>
+          </a:xfrm>
+          <a:prstGeom prst="straightConnector1">
+            <a:avLst/>
+          </a:prstGeom>
+          <a:ln>
+            <a:tailEnd type="triangle"/>
+          </a:ln>
+        </p:spPr>
+        <p:style>
+          <a:lnRef idx="3">
+            <a:schemeClr val="accent1"/>
+          </a:lnRef>
+          <a:fillRef idx="0">
+            <a:schemeClr val="accent1"/>
+          </a:fillRef>
+          <a:effectRef idx="2">
+            <a:schemeClr val="accent1"/>
+          </a:effectRef>
+          <a:fontRef idx="minor">
+            <a:schemeClr val="tx1"/>
+          </a:fontRef>
+        </p:style>
+      </p:cxnSp>
+      <p:sp>
+        <p:nvSpPr>
+          <p:cNvPr id="40" name="TextBox 39">
+            <a:extLst>
+              <a:ext uri="{FF2B5EF4-FFF2-40B4-BE49-F238E27FC236}">
+                <a16:creationId xmlns:a16="http://schemas.microsoft.com/office/drawing/2014/main" id="{672A0BDF-728E-7074-19B7-0800B53342B0}"/>
+              </a:ext>
+            </a:extLst>
+          </p:cNvPr>
+          <p:cNvSpPr txBox="1"/>
+          <p:nvPr/>
+        </p:nvSpPr>
+        <p:spPr>
+          <a:xfrm>
+            <a:off x="1636986" y="1664823"/>
+            <a:ext cx="1324303" cy="646331"/>
+          </a:xfrm>
+          <a:prstGeom prst="rect">
+            <a:avLst/>
+          </a:prstGeom>
+        </p:spPr>
+        <p:style>
+          <a:lnRef idx="2">
+            <a:schemeClr val="dk1"/>
+          </a:lnRef>
+          <a:fillRef idx="1">
+            <a:schemeClr val="lt1"/>
+          </a:fillRef>
+          <a:effectRef idx="0">
+            <a:schemeClr val="dk1"/>
+          </a:effectRef>
+          <a:fontRef idx="minor">
+            <a:schemeClr val="dk1"/>
+          </a:fontRef>
+        </p:style>
+        <p:txBody>
+          <a:bodyPr wrap="square" rtlCol="0">
+            <a:spAutoFit/>
+          </a:bodyPr>
+          <a:lstStyle/>
+          <a:p>
+            <a:r>
+              <a:rPr kumimoji="1" lang="ko-KR" altLang="en-US" dirty="0"/>
+              <a:t>필드별로 출력</a:t>
+            </a:r>
+            <a:endParaRPr kumimoji="1" lang="ko-Kore-KR" altLang="en-US" dirty="0"/>
+          </a:p>
+        </p:txBody>
+      </p:sp>
+      <p:sp>
+        <p:nvSpPr>
+          <p:cNvPr id="41" name="TextBox 40">
+            <a:extLst>
+              <a:ext uri="{FF2B5EF4-FFF2-40B4-BE49-F238E27FC236}">
+                <a16:creationId xmlns:a16="http://schemas.microsoft.com/office/drawing/2014/main" id="{A2E14EEB-03A3-7208-F20B-6077E8A37301}"/>
+              </a:ext>
+            </a:extLst>
+          </p:cNvPr>
+          <p:cNvSpPr txBox="1"/>
+          <p:nvPr/>
+        </p:nvSpPr>
+        <p:spPr>
+          <a:xfrm>
+            <a:off x="1510862" y="4566387"/>
+            <a:ext cx="1576552" cy="646331"/>
+          </a:xfrm>
+          <a:prstGeom prst="rect">
+            <a:avLst/>
+          </a:prstGeom>
+        </p:spPr>
+        <p:style>
+          <a:lnRef idx="2">
+            <a:schemeClr val="dk1"/>
+          </a:lnRef>
+          <a:fillRef idx="1">
+            <a:schemeClr val="lt1"/>
+          </a:fillRef>
+          <a:effectRef idx="0">
+            <a:schemeClr val="dk1"/>
+          </a:effectRef>
+          <a:fontRef idx="minor">
+            <a:schemeClr val="dk1"/>
+          </a:fontRef>
+        </p:style>
+        <p:txBody>
+          <a:bodyPr wrap="square" rtlCol="0">
+            <a:spAutoFit/>
+          </a:bodyPr>
+          <a:lstStyle/>
+          <a:p>
+            <a:r>
+              <a:rPr kumimoji="1" lang="ko-KR" altLang="en-US" dirty="0"/>
+              <a:t>인스턴스를 통째로 출력</a:t>
+            </a:r>
+            <a:endParaRPr kumimoji="1" lang="ko-Kore-KR" altLang="en-US" dirty="0"/>
+          </a:p>
+        </p:txBody>
+      </p:sp>
+      <p:sp>
+        <p:nvSpPr>
+          <p:cNvPr id="46" name="TextBox 45">
+            <a:extLst>
+              <a:ext uri="{FF2B5EF4-FFF2-40B4-BE49-F238E27FC236}">
+                <a16:creationId xmlns:a16="http://schemas.microsoft.com/office/drawing/2014/main" id="{D1CF5FE7-813C-91DE-C71D-708382C6E05C}"/>
+              </a:ext>
+            </a:extLst>
+          </p:cNvPr>
+          <p:cNvSpPr txBox="1"/>
+          <p:nvPr/>
+        </p:nvSpPr>
+        <p:spPr>
+          <a:xfrm>
+            <a:off x="1636985" y="2614042"/>
+            <a:ext cx="1324303" cy="369332"/>
+          </a:xfrm>
+          <a:prstGeom prst="rect">
+            <a:avLst/>
+          </a:prstGeom>
+        </p:spPr>
+        <p:style>
+          <a:lnRef idx="2">
+            <a:schemeClr val="accent2"/>
+          </a:lnRef>
+          <a:fillRef idx="1">
+            <a:schemeClr val="lt1"/>
+          </a:fillRef>
+          <a:effectRef idx="0">
+            <a:schemeClr val="accent2"/>
+          </a:effectRef>
+          <a:fontRef idx="minor">
+            <a:schemeClr val="dk1"/>
+          </a:fontRef>
+        </p:style>
+        <p:txBody>
+          <a:bodyPr wrap="square" rtlCol="0">
+            <a:spAutoFit/>
+          </a:bodyPr>
+          <a:lstStyle/>
+          <a:p>
+            <a:r>
+              <a:rPr kumimoji="1" lang="en-US" altLang="ko-Kore-KR" dirty="0" err="1"/>
+              <a:t>writeXxx</a:t>
+            </a:r>
+            <a:r>
+              <a:rPr kumimoji="1" lang="en-US" altLang="ko-Kore-KR" dirty="0"/>
+              <a:t>()</a:t>
+            </a:r>
+            <a:endParaRPr kumimoji="1" lang="ko-Kore-KR" altLang="en-US" dirty="0"/>
+          </a:p>
+        </p:txBody>
+      </p:sp>
+      <p:sp>
+        <p:nvSpPr>
+          <p:cNvPr id="47" name="TextBox 46">
+            <a:extLst>
+              <a:ext uri="{FF2B5EF4-FFF2-40B4-BE49-F238E27FC236}">
+                <a16:creationId xmlns:a16="http://schemas.microsoft.com/office/drawing/2014/main" id="{47F9D064-1112-C572-F196-5479769B6F2C}"/>
+              </a:ext>
+            </a:extLst>
+          </p:cNvPr>
+          <p:cNvSpPr txBox="1"/>
+          <p:nvPr/>
+        </p:nvSpPr>
+        <p:spPr>
+          <a:xfrm>
+            <a:off x="1510862" y="5724691"/>
+            <a:ext cx="1531883" cy="369332"/>
+          </a:xfrm>
+          <a:prstGeom prst="rect">
+            <a:avLst/>
+          </a:prstGeom>
+        </p:spPr>
+        <p:style>
+          <a:lnRef idx="2">
+            <a:schemeClr val="accent2"/>
+          </a:lnRef>
+          <a:fillRef idx="1">
+            <a:schemeClr val="lt1"/>
+          </a:fillRef>
+          <a:effectRef idx="0">
+            <a:schemeClr val="accent2"/>
+          </a:effectRef>
+          <a:fontRef idx="minor">
+            <a:schemeClr val="dk1"/>
+          </a:fontRef>
+        </p:style>
+        <p:txBody>
+          <a:bodyPr wrap="square" rtlCol="0">
+            <a:spAutoFit/>
+          </a:bodyPr>
+          <a:lstStyle/>
+          <a:p>
+            <a:r>
+              <a:rPr kumimoji="1" lang="en-US" altLang="ko-Kore-KR" dirty="0" err="1"/>
+              <a:t>writeObject</a:t>
+            </a:r>
+            <a:r>
+              <a:rPr kumimoji="1" lang="en-US" altLang="ko-Kore-KR" dirty="0"/>
+              <a:t>()</a:t>
+            </a:r>
+            <a:endParaRPr kumimoji="1" lang="ko-Kore-KR" altLang="en-US" dirty="0"/>
+          </a:p>
+        </p:txBody>
+      </p:sp>
+    </p:spTree>
+    <p:extLst>
+      <p:ext uri="{BB962C8B-B14F-4D97-AF65-F5344CB8AC3E}">
+        <p14:creationId xmlns:p14="http://schemas.microsoft.com/office/powerpoint/2010/main" val="3609616740"/>
+      </p:ext>
+    </p:extLst>
+  </p:cSld>
+  <p:clrMapOvr>
+    <a:masterClrMapping/>
+  </p:clrMapOvr>
+</p:sld>
+</file>
+
+<file path=ppt/slides/slide5.xml><?xml version="1.0" encoding="utf-8"?>
+<p:sld xmlns:a="http://schemas.openxmlformats.org/drawingml/2006/main" xmlns:r="http://schemas.openxmlformats.org/officeDocument/2006/relationships" xmlns:p="http://schemas.openxmlformats.org/presentationml/2006/main">
+  <p:cSld>
+    <p:spTree>
+      <p:nvGrpSpPr>
+        <p:cNvPr id="1" name=""/>
+        <p:cNvGrpSpPr/>
+        <p:nvPr/>
+      </p:nvGrpSpPr>
+      <p:grpSpPr>
+        <a:xfrm>
+          <a:off x="0" y="0"/>
+          <a:ext cx="0" cy="0"/>
+          <a:chOff x="0" y="0"/>
+          <a:chExt cx="0" cy="0"/>
+        </a:xfrm>
+      </p:grpSpPr>
+      <p:cxnSp>
+        <p:nvCxnSpPr>
+          <p:cNvPr id="94" name="구부러진 연결선[U] 93">
+            <a:extLst>
+              <a:ext uri="{FF2B5EF4-FFF2-40B4-BE49-F238E27FC236}">
+                <a16:creationId xmlns:a16="http://schemas.microsoft.com/office/drawing/2014/main" id="{F1E4F162-6F4D-4CF1-C5AF-886577536D42}"/>
+              </a:ext>
+            </a:extLst>
+          </p:cNvPr>
+          <p:cNvCxnSpPr>
+            <a:cxnSpLocks/>
+            <a:stCxn id="52" idx="0"/>
+            <a:endCxn id="54" idx="0"/>
+          </p:cNvCxnSpPr>
+          <p:nvPr/>
+        </p:nvCxnSpPr>
+        <p:spPr>
+          <a:xfrm rot="16200000" flipV="1">
+            <a:off x="5150561" y="-812090"/>
+            <a:ext cx="3615" cy="8402364"/>
+          </a:xfrm>
+          <a:prstGeom prst="curvedConnector3">
+            <a:avLst>
+              <a:gd name="adj1" fmla="val 6423651"/>
+            </a:avLst>
+          </a:prstGeom>
+          <a:ln>
+            <a:tailEnd type="triangle"/>
+          </a:ln>
+        </p:spPr>
+        <p:style>
+          <a:lnRef idx="3">
+            <a:schemeClr val="accent2"/>
+          </a:lnRef>
+          <a:fillRef idx="0">
+            <a:schemeClr val="accent2"/>
+          </a:fillRef>
+          <a:effectRef idx="2">
+            <a:schemeClr val="accent2"/>
+          </a:effectRef>
+          <a:fontRef idx="minor">
+            <a:schemeClr val="tx1"/>
+          </a:fontRef>
+        </p:style>
+      </p:cxnSp>
+      <p:sp>
+        <p:nvSpPr>
+          <p:cNvPr id="48" name="직사각형 47">
+            <a:extLst>
+              <a:ext uri="{FF2B5EF4-FFF2-40B4-BE49-F238E27FC236}">
+                <a16:creationId xmlns:a16="http://schemas.microsoft.com/office/drawing/2014/main" id="{0449E956-509C-DAE5-5D7D-76E689AB3BBD}"/>
+              </a:ext>
+            </a:extLst>
+          </p:cNvPr>
+          <p:cNvSpPr/>
+          <p:nvPr/>
+        </p:nvSpPr>
+        <p:spPr>
+          <a:xfrm>
+            <a:off x="0" y="1119149"/>
+            <a:ext cx="1902372" cy="861849"/>
+          </a:xfrm>
+          <a:prstGeom prst="rect">
+            <a:avLst/>
+          </a:prstGeom>
+        </p:spPr>
+        <p:style>
+          <a:lnRef idx="2">
+            <a:schemeClr val="accent1">
+              <a:shade val="50000"/>
+            </a:schemeClr>
+          </a:lnRef>
+          <a:fillRef idx="1">
+            <a:schemeClr val="accent1"/>
+          </a:fillRef>
+          <a:effectRef idx="0">
+            <a:schemeClr val="accent1"/>
+          </a:effectRef>
+          <a:fontRef idx="minor">
+            <a:schemeClr val="lt1"/>
+          </a:fontRef>
+        </p:style>
+        <p:txBody>
+          <a:bodyPr rtlCol="0" anchor="ctr"/>
+          <a:lstStyle/>
+          <a:p>
+            <a:pPr algn="ctr"/>
+            <a:r>
+              <a:rPr kumimoji="1" lang="en-US" altLang="ko-Kore-KR" dirty="0"/>
+              <a:t>Board</a:t>
+            </a:r>
+            <a:endParaRPr kumimoji="1" lang="ko-Kore-KR" altLang="en-US" dirty="0"/>
+          </a:p>
+        </p:txBody>
+      </p:sp>
+      <p:sp>
+        <p:nvSpPr>
+          <p:cNvPr id="49" name="직사각형 48">
+            <a:extLst>
+              <a:ext uri="{FF2B5EF4-FFF2-40B4-BE49-F238E27FC236}">
+                <a16:creationId xmlns:a16="http://schemas.microsoft.com/office/drawing/2014/main" id="{30AF9E99-EDE5-61A5-51A8-9A2D7EC84B80}"/>
+              </a:ext>
+            </a:extLst>
+          </p:cNvPr>
+          <p:cNvSpPr/>
+          <p:nvPr/>
+        </p:nvSpPr>
+        <p:spPr>
+          <a:xfrm>
+            <a:off x="4376572" y="1116812"/>
+            <a:ext cx="1902372" cy="861849"/>
+          </a:xfrm>
+          <a:prstGeom prst="rect">
+            <a:avLst/>
+          </a:prstGeom>
+        </p:spPr>
+        <p:style>
+          <a:lnRef idx="2">
+            <a:schemeClr val="dk1"/>
+          </a:lnRef>
+          <a:fillRef idx="1">
+            <a:schemeClr val="lt1"/>
+          </a:fillRef>
+          <a:effectRef idx="0">
+            <a:schemeClr val="dk1"/>
+          </a:effectRef>
+          <a:fontRef idx="minor">
+            <a:schemeClr val="dk1"/>
+          </a:fontRef>
+        </p:style>
+        <p:txBody>
+          <a:bodyPr rtlCol="0" anchor="ctr"/>
+          <a:lstStyle/>
+          <a:p>
+            <a:pPr algn="ctr"/>
+            <a:r>
+              <a:rPr kumimoji="1" lang="en-US" altLang="ko-Kore-KR" dirty="0"/>
+              <a:t>CSV </a:t>
+            </a:r>
+            <a:r>
+              <a:rPr kumimoji="1" lang="ko-Kore-KR" altLang="en-US" dirty="0"/>
+              <a:t>형식</a:t>
+            </a:r>
+            <a:endParaRPr kumimoji="1" lang="en-US" altLang="ko-Kore-KR" dirty="0"/>
+          </a:p>
+          <a:p>
+            <a:pPr algn="ctr"/>
+            <a:r>
+              <a:rPr kumimoji="1" lang="ko-KR" altLang="en-US" dirty="0"/>
+              <a:t>문자열</a:t>
+            </a:r>
+            <a:endParaRPr kumimoji="1" lang="ko-Kore-KR" altLang="en-US" dirty="0"/>
+          </a:p>
+        </p:txBody>
+      </p:sp>
+      <p:sp>
+        <p:nvSpPr>
+          <p:cNvPr id="50" name="직사각형 49">
+            <a:extLst>
+              <a:ext uri="{FF2B5EF4-FFF2-40B4-BE49-F238E27FC236}">
+                <a16:creationId xmlns:a16="http://schemas.microsoft.com/office/drawing/2014/main" id="{3334D832-AE27-ACCE-4B73-127D4193C2C6}"/>
+              </a:ext>
+            </a:extLst>
+          </p:cNvPr>
+          <p:cNvSpPr/>
+          <p:nvPr/>
+        </p:nvSpPr>
+        <p:spPr>
+          <a:xfrm>
+            <a:off x="7733643" y="1116813"/>
+            <a:ext cx="1902372" cy="861849"/>
+          </a:xfrm>
+          <a:prstGeom prst="rect">
+            <a:avLst/>
+          </a:prstGeom>
+        </p:spPr>
+        <p:style>
+          <a:lnRef idx="2">
+            <a:schemeClr val="accent1">
+              <a:shade val="50000"/>
+            </a:schemeClr>
+          </a:lnRef>
+          <a:fillRef idx="1">
+            <a:schemeClr val="accent1"/>
+          </a:fillRef>
+          <a:effectRef idx="0">
+            <a:schemeClr val="accent1"/>
+          </a:effectRef>
+          <a:fontRef idx="minor">
+            <a:schemeClr val="lt1"/>
+          </a:fontRef>
+        </p:style>
+        <p:txBody>
+          <a:bodyPr rtlCol="0" anchor="ctr"/>
+          <a:lstStyle/>
+          <a:p>
+            <a:pPr algn="ctr"/>
+            <a:r>
+              <a:rPr kumimoji="1" lang="en-US" altLang="ko-Kore-KR" dirty="0" err="1"/>
+              <a:t>FileWriter</a:t>
+            </a:r>
+            <a:endParaRPr kumimoji="1" lang="ko-Kore-KR" altLang="en-US" dirty="0"/>
+          </a:p>
+        </p:txBody>
+      </p:sp>
+      <p:sp>
+        <p:nvSpPr>
+          <p:cNvPr id="51" name="한쪽 모서리가 잘린 사각형 50">
+            <a:extLst>
+              <a:ext uri="{FF2B5EF4-FFF2-40B4-BE49-F238E27FC236}">
+                <a16:creationId xmlns:a16="http://schemas.microsoft.com/office/drawing/2014/main" id="{C4A78E1B-170E-516F-CABF-B39F9F941B25}"/>
+              </a:ext>
+            </a:extLst>
+          </p:cNvPr>
+          <p:cNvSpPr/>
+          <p:nvPr/>
+        </p:nvSpPr>
+        <p:spPr>
+          <a:xfrm>
+            <a:off x="10999894" y="839357"/>
+            <a:ext cx="1124607" cy="1429407"/>
+          </a:xfrm>
+          <a:prstGeom prst="snip1Rect">
+            <a:avLst/>
+          </a:prstGeom>
+        </p:spPr>
+        <p:style>
+          <a:lnRef idx="2">
+            <a:schemeClr val="accent1">
+              <a:shade val="50000"/>
+            </a:schemeClr>
+          </a:lnRef>
+          <a:fillRef idx="1">
+            <a:schemeClr val="accent1"/>
+          </a:fillRef>
+          <a:effectRef idx="0">
+            <a:schemeClr val="accent1"/>
+          </a:effectRef>
+          <a:fontRef idx="minor">
+            <a:schemeClr val="lt1"/>
+          </a:fontRef>
+        </p:style>
+        <p:txBody>
+          <a:bodyPr rtlCol="0" anchor="ctr"/>
+          <a:lstStyle/>
+          <a:p>
+            <a:pPr algn="ctr"/>
+            <a:r>
+              <a:rPr kumimoji="1" lang="en-US" altLang="ko-Kore-KR" dirty="0"/>
+              <a:t>File</a:t>
+            </a:r>
+            <a:endParaRPr kumimoji="1" lang="ko-Kore-KR" altLang="en-US" dirty="0"/>
+          </a:p>
+        </p:txBody>
+      </p:sp>
+      <p:sp>
+        <p:nvSpPr>
+          <p:cNvPr id="52" name="직사각형 51">
+            <a:extLst>
+              <a:ext uri="{FF2B5EF4-FFF2-40B4-BE49-F238E27FC236}">
+                <a16:creationId xmlns:a16="http://schemas.microsoft.com/office/drawing/2014/main" id="{2B550F98-22BB-E849-38B2-C4968AEA37BC}"/>
+              </a:ext>
+            </a:extLst>
+          </p:cNvPr>
+          <p:cNvSpPr/>
+          <p:nvPr/>
+        </p:nvSpPr>
+        <p:spPr>
+          <a:xfrm>
+            <a:off x="8402364" y="3390899"/>
+            <a:ext cx="1902372" cy="861849"/>
+          </a:xfrm>
+          <a:prstGeom prst="rect">
+            <a:avLst/>
+          </a:prstGeom>
+        </p:spPr>
+        <p:style>
+          <a:lnRef idx="2">
+            <a:schemeClr val="accent1">
+              <a:shade val="50000"/>
+            </a:schemeClr>
+          </a:lnRef>
+          <a:fillRef idx="1">
+            <a:schemeClr val="accent1"/>
+          </a:fillRef>
+          <a:effectRef idx="0">
+            <a:schemeClr val="accent1"/>
+          </a:effectRef>
+          <a:fontRef idx="minor">
+            <a:schemeClr val="lt1"/>
+          </a:fontRef>
+        </p:style>
+        <p:txBody>
+          <a:bodyPr rtlCol="0" anchor="ctr"/>
+          <a:lstStyle/>
+          <a:p>
+            <a:pPr algn="ctr"/>
+            <a:r>
+              <a:rPr kumimoji="1" lang="en-US" altLang="ko-Kore-KR" dirty="0" err="1"/>
+              <a:t>FileReader</a:t>
+            </a:r>
+            <a:endParaRPr kumimoji="1" lang="ko-Kore-KR" altLang="en-US" dirty="0"/>
+          </a:p>
+        </p:txBody>
+      </p:sp>
+      <p:sp>
+        <p:nvSpPr>
+          <p:cNvPr id="53" name="직사각형 52">
+            <a:extLst>
+              <a:ext uri="{FF2B5EF4-FFF2-40B4-BE49-F238E27FC236}">
+                <a16:creationId xmlns:a16="http://schemas.microsoft.com/office/drawing/2014/main" id="{859F6B66-AE87-2AAF-44A7-E1CF72ADFA8A}"/>
+              </a:ext>
+            </a:extLst>
+          </p:cNvPr>
+          <p:cNvSpPr/>
+          <p:nvPr/>
+        </p:nvSpPr>
+        <p:spPr>
+          <a:xfrm>
+            <a:off x="4574629" y="3390899"/>
+            <a:ext cx="1902372" cy="861849"/>
+          </a:xfrm>
+          <a:prstGeom prst="rect">
+            <a:avLst/>
+          </a:prstGeom>
+        </p:spPr>
+        <p:style>
+          <a:lnRef idx="2">
+            <a:schemeClr val="accent1">
+              <a:shade val="50000"/>
+            </a:schemeClr>
+          </a:lnRef>
+          <a:fillRef idx="1">
+            <a:schemeClr val="accent1"/>
+          </a:fillRef>
+          <a:effectRef idx="0">
+            <a:schemeClr val="accent1"/>
+          </a:effectRef>
+          <a:fontRef idx="minor">
+            <a:schemeClr val="lt1"/>
+          </a:fontRef>
+        </p:style>
+        <p:txBody>
+          <a:bodyPr rtlCol="0" anchor="ctr"/>
+          <a:lstStyle/>
+          <a:p>
+            <a:pPr algn="ctr"/>
+            <a:r>
+              <a:rPr kumimoji="1" lang="en-US" altLang="ko-Kore-KR" dirty="0" err="1"/>
+              <a:t>BufferedReader</a:t>
+            </a:r>
+            <a:endParaRPr kumimoji="1" lang="ko-Kore-KR" altLang="en-US" dirty="0"/>
+          </a:p>
+        </p:txBody>
+      </p:sp>
+      <p:sp>
+        <p:nvSpPr>
+          <p:cNvPr id="54" name="직사각형 53">
+            <a:extLst>
+              <a:ext uri="{FF2B5EF4-FFF2-40B4-BE49-F238E27FC236}">
+                <a16:creationId xmlns:a16="http://schemas.microsoft.com/office/drawing/2014/main" id="{6A9D1319-3108-DA2F-B223-D8D97517DAB1}"/>
+              </a:ext>
+            </a:extLst>
+          </p:cNvPr>
+          <p:cNvSpPr/>
+          <p:nvPr/>
+        </p:nvSpPr>
+        <p:spPr>
+          <a:xfrm>
+            <a:off x="0" y="3387284"/>
+            <a:ext cx="1902372" cy="861849"/>
+          </a:xfrm>
+          <a:prstGeom prst="rect">
+            <a:avLst/>
+          </a:prstGeom>
+        </p:spPr>
+        <p:style>
+          <a:lnRef idx="2">
+            <a:schemeClr val="dk1"/>
+          </a:lnRef>
+          <a:fillRef idx="1">
+            <a:schemeClr val="lt1"/>
+          </a:fillRef>
+          <a:effectRef idx="0">
+            <a:schemeClr val="dk1"/>
+          </a:effectRef>
+          <a:fontRef idx="minor">
+            <a:schemeClr val="dk1"/>
+          </a:fontRef>
+        </p:style>
+        <p:txBody>
+          <a:bodyPr rtlCol="0" anchor="ctr"/>
+          <a:lstStyle/>
+          <a:p>
+            <a:pPr algn="ctr"/>
+            <a:r>
+              <a:rPr kumimoji="1" lang="en-US" altLang="ko-Kore-KR" dirty="0"/>
+              <a:t>CSV </a:t>
+            </a:r>
+            <a:r>
+              <a:rPr kumimoji="1" lang="ko-Kore-KR" altLang="en-US" dirty="0"/>
+              <a:t>형식</a:t>
+            </a:r>
+            <a:endParaRPr kumimoji="1" lang="en-US" altLang="ko-Kore-KR" dirty="0"/>
+          </a:p>
+          <a:p>
+            <a:pPr algn="ctr"/>
+            <a:r>
+              <a:rPr kumimoji="1" lang="ko-KR" altLang="en-US" dirty="0"/>
+              <a:t>문자열</a:t>
+            </a:r>
+            <a:endParaRPr kumimoji="1" lang="ko-Kore-KR" altLang="en-US" dirty="0"/>
+          </a:p>
+        </p:txBody>
+      </p:sp>
+      <p:cxnSp>
+        <p:nvCxnSpPr>
+          <p:cNvPr id="56" name="직선 화살표 연결선 55">
+            <a:extLst>
+              <a:ext uri="{FF2B5EF4-FFF2-40B4-BE49-F238E27FC236}">
+                <a16:creationId xmlns:a16="http://schemas.microsoft.com/office/drawing/2014/main" id="{09E007D5-B6F8-1849-D8A3-A62F42AE5EE5}"/>
+              </a:ext>
+            </a:extLst>
+          </p:cNvPr>
+          <p:cNvCxnSpPr>
+            <a:stCxn id="48" idx="3"/>
+            <a:endCxn id="49" idx="1"/>
+          </p:cNvCxnSpPr>
+          <p:nvPr/>
+        </p:nvCxnSpPr>
+        <p:spPr>
+          <a:xfrm flipV="1">
+            <a:off x="1902372" y="1547737"/>
+            <a:ext cx="2474200" cy="2337"/>
+          </a:xfrm>
+          <a:prstGeom prst="straightConnector1">
+            <a:avLst/>
+          </a:prstGeom>
+          <a:ln>
+            <a:tailEnd type="triangle"/>
+          </a:ln>
+        </p:spPr>
+        <p:style>
+          <a:lnRef idx="3">
+            <a:schemeClr val="accent1"/>
+          </a:lnRef>
+          <a:fillRef idx="0">
+            <a:schemeClr val="accent1"/>
+          </a:fillRef>
+          <a:effectRef idx="2">
+            <a:schemeClr val="accent1"/>
+          </a:effectRef>
+          <a:fontRef idx="minor">
+            <a:schemeClr val="tx1"/>
+          </a:fontRef>
+        </p:style>
+      </p:cxnSp>
+      <p:cxnSp>
+        <p:nvCxnSpPr>
+          <p:cNvPr id="57" name="직선 화살표 연결선 56">
+            <a:extLst>
+              <a:ext uri="{FF2B5EF4-FFF2-40B4-BE49-F238E27FC236}">
+                <a16:creationId xmlns:a16="http://schemas.microsoft.com/office/drawing/2014/main" id="{C1EE96EC-0867-BB5A-76FD-6091FD590F19}"/>
+              </a:ext>
+            </a:extLst>
+          </p:cNvPr>
+          <p:cNvCxnSpPr>
+            <a:cxnSpLocks/>
+            <a:stCxn id="49" idx="3"/>
+            <a:endCxn id="50" idx="1"/>
+          </p:cNvCxnSpPr>
+          <p:nvPr/>
+        </p:nvCxnSpPr>
+        <p:spPr>
+          <a:xfrm>
+            <a:off x="6278944" y="1547737"/>
+            <a:ext cx="1454699" cy="1"/>
+          </a:xfrm>
+          <a:prstGeom prst="straightConnector1">
+            <a:avLst/>
+          </a:prstGeom>
+          <a:ln>
+            <a:tailEnd type="triangle"/>
+          </a:ln>
+        </p:spPr>
+        <p:style>
+          <a:lnRef idx="3">
+            <a:schemeClr val="accent1"/>
+          </a:lnRef>
+          <a:fillRef idx="0">
+            <a:schemeClr val="accent1"/>
+          </a:fillRef>
+          <a:effectRef idx="2">
+            <a:schemeClr val="accent1"/>
+          </a:effectRef>
+          <a:fontRef idx="minor">
+            <a:schemeClr val="tx1"/>
+          </a:fontRef>
+        </p:style>
+      </p:cxnSp>
+      <p:cxnSp>
+        <p:nvCxnSpPr>
+          <p:cNvPr id="60" name="직선 화살표 연결선 59">
+            <a:extLst>
+              <a:ext uri="{FF2B5EF4-FFF2-40B4-BE49-F238E27FC236}">
+                <a16:creationId xmlns:a16="http://schemas.microsoft.com/office/drawing/2014/main" id="{EB978385-824E-0720-D2BE-54AE00D8B77B}"/>
+              </a:ext>
+            </a:extLst>
+          </p:cNvPr>
+          <p:cNvCxnSpPr>
+            <a:cxnSpLocks/>
+            <a:stCxn id="50" idx="3"/>
+            <a:endCxn id="51" idx="2"/>
+          </p:cNvCxnSpPr>
+          <p:nvPr/>
+        </p:nvCxnSpPr>
+        <p:spPr>
+          <a:xfrm>
+            <a:off x="9636015" y="1547738"/>
+            <a:ext cx="1363879" cy="6323"/>
+          </a:xfrm>
+          <a:prstGeom prst="straightConnector1">
+            <a:avLst/>
+          </a:prstGeom>
+          <a:ln>
+            <a:tailEnd type="triangle"/>
+          </a:ln>
+        </p:spPr>
+        <p:style>
+          <a:lnRef idx="3">
+            <a:schemeClr val="accent1"/>
+          </a:lnRef>
+          <a:fillRef idx="0">
+            <a:schemeClr val="accent1"/>
+          </a:fillRef>
+          <a:effectRef idx="2">
+            <a:schemeClr val="accent1"/>
+          </a:effectRef>
+          <a:fontRef idx="minor">
+            <a:schemeClr val="tx1"/>
+          </a:fontRef>
+        </p:style>
+      </p:cxnSp>
+      <p:cxnSp>
+        <p:nvCxnSpPr>
+          <p:cNvPr id="64" name="꺾인 연결선[E] 63">
+            <a:extLst>
+              <a:ext uri="{FF2B5EF4-FFF2-40B4-BE49-F238E27FC236}">
+                <a16:creationId xmlns:a16="http://schemas.microsoft.com/office/drawing/2014/main" id="{15BCD1D7-BF96-B7D1-6930-AC044AC026DB}"/>
+              </a:ext>
+            </a:extLst>
+          </p:cNvPr>
+          <p:cNvCxnSpPr>
+            <a:stCxn id="51" idx="1"/>
+            <a:endCxn id="52" idx="3"/>
+          </p:cNvCxnSpPr>
+          <p:nvPr/>
+        </p:nvCxnSpPr>
+        <p:spPr>
+          <a:xfrm rot="5400000">
+            <a:off x="10156937" y="2416563"/>
+            <a:ext cx="1553060" cy="1257462"/>
+          </a:xfrm>
+          <a:prstGeom prst="bentConnector2">
+            <a:avLst/>
+          </a:prstGeom>
+          <a:ln>
+            <a:tailEnd type="triangle"/>
+          </a:ln>
+        </p:spPr>
+        <p:style>
+          <a:lnRef idx="3">
+            <a:schemeClr val="accent1"/>
+          </a:lnRef>
+          <a:fillRef idx="0">
+            <a:schemeClr val="accent1"/>
+          </a:fillRef>
+          <a:effectRef idx="2">
+            <a:schemeClr val="accent1"/>
+          </a:effectRef>
+          <a:fontRef idx="minor">
+            <a:schemeClr val="tx1"/>
+          </a:fontRef>
+        </p:style>
+      </p:cxnSp>
+      <p:cxnSp>
+        <p:nvCxnSpPr>
+          <p:cNvPr id="66" name="직선 화살표 연결선 65">
+            <a:extLst>
+              <a:ext uri="{FF2B5EF4-FFF2-40B4-BE49-F238E27FC236}">
+                <a16:creationId xmlns:a16="http://schemas.microsoft.com/office/drawing/2014/main" id="{81847874-1886-30DE-6F67-0A85E9C5E1E9}"/>
+              </a:ext>
+            </a:extLst>
+          </p:cNvPr>
+          <p:cNvCxnSpPr>
+            <a:cxnSpLocks/>
+            <a:stCxn id="52" idx="1"/>
+            <a:endCxn id="53" idx="3"/>
+          </p:cNvCxnSpPr>
+          <p:nvPr/>
+        </p:nvCxnSpPr>
+        <p:spPr>
+          <a:xfrm flipH="1">
+            <a:off x="6477001" y="3821824"/>
+            <a:ext cx="1925363" cy="0"/>
+          </a:xfrm>
+          <a:prstGeom prst="straightConnector1">
+            <a:avLst/>
+          </a:prstGeom>
+          <a:ln>
+            <a:tailEnd type="triangle"/>
+          </a:ln>
+        </p:spPr>
+        <p:style>
+          <a:lnRef idx="3">
+            <a:schemeClr val="accent1"/>
+          </a:lnRef>
+          <a:fillRef idx="0">
+            <a:schemeClr val="accent1"/>
+          </a:fillRef>
+          <a:effectRef idx="2">
+            <a:schemeClr val="accent1"/>
+          </a:effectRef>
+          <a:fontRef idx="minor">
+            <a:schemeClr val="tx1"/>
+          </a:fontRef>
+        </p:style>
+      </p:cxnSp>
+      <p:cxnSp>
+        <p:nvCxnSpPr>
+          <p:cNvPr id="69" name="직선 화살표 연결선 68">
+            <a:extLst>
+              <a:ext uri="{FF2B5EF4-FFF2-40B4-BE49-F238E27FC236}">
+                <a16:creationId xmlns:a16="http://schemas.microsoft.com/office/drawing/2014/main" id="{076DBE53-486F-2725-72E1-24EAA1F18E8C}"/>
+              </a:ext>
+            </a:extLst>
+          </p:cNvPr>
+          <p:cNvCxnSpPr>
+            <a:cxnSpLocks/>
+            <a:stCxn id="53" idx="1"/>
+            <a:endCxn id="54" idx="3"/>
+          </p:cNvCxnSpPr>
+          <p:nvPr/>
+        </p:nvCxnSpPr>
+        <p:spPr>
+          <a:xfrm flipH="1" flipV="1">
+            <a:off x="1902372" y="3818209"/>
+            <a:ext cx="2672257" cy="3615"/>
+          </a:xfrm>
+          <a:prstGeom prst="straightConnector1">
+            <a:avLst/>
+          </a:prstGeom>
+          <a:ln>
+            <a:tailEnd type="triangle"/>
+          </a:ln>
+        </p:spPr>
+        <p:style>
+          <a:lnRef idx="3">
+            <a:schemeClr val="accent1"/>
+          </a:lnRef>
+          <a:fillRef idx="0">
+            <a:schemeClr val="accent1"/>
+          </a:fillRef>
+          <a:effectRef idx="2">
+            <a:schemeClr val="accent1"/>
+          </a:effectRef>
+          <a:fontRef idx="minor">
+            <a:schemeClr val="tx1"/>
+          </a:fontRef>
+        </p:style>
+      </p:cxnSp>
+      <p:cxnSp>
+        <p:nvCxnSpPr>
+          <p:cNvPr id="74" name="직선 화살표 연결선 73">
+            <a:extLst>
+              <a:ext uri="{FF2B5EF4-FFF2-40B4-BE49-F238E27FC236}">
+                <a16:creationId xmlns:a16="http://schemas.microsoft.com/office/drawing/2014/main" id="{2B54B160-E870-1984-6DA3-414CAF699F62}"/>
+              </a:ext>
+            </a:extLst>
+          </p:cNvPr>
+          <p:cNvCxnSpPr>
+            <a:cxnSpLocks/>
+            <a:stCxn id="54" idx="0"/>
+            <a:endCxn id="48" idx="2"/>
+          </p:cNvCxnSpPr>
+          <p:nvPr/>
+        </p:nvCxnSpPr>
+        <p:spPr>
+          <a:xfrm flipV="1">
+            <a:off x="951186" y="1980998"/>
+            <a:ext cx="0" cy="1406286"/>
+          </a:xfrm>
+          <a:prstGeom prst="straightConnector1">
+            <a:avLst/>
+          </a:prstGeom>
+          <a:ln>
+            <a:tailEnd type="triangle"/>
+          </a:ln>
+        </p:spPr>
+        <p:style>
+          <a:lnRef idx="3">
+            <a:schemeClr val="accent1"/>
+          </a:lnRef>
+          <a:fillRef idx="0">
+            <a:schemeClr val="accent1"/>
+          </a:fillRef>
+          <a:effectRef idx="2">
+            <a:schemeClr val="accent1"/>
+          </a:effectRef>
+          <a:fontRef idx="minor">
+            <a:schemeClr val="tx1"/>
+          </a:fontRef>
+        </p:style>
+      </p:cxnSp>
+      <p:sp>
+        <p:nvSpPr>
+          <p:cNvPr id="77" name="TextBox 76">
+            <a:extLst>
+              <a:ext uri="{FF2B5EF4-FFF2-40B4-BE49-F238E27FC236}">
+                <a16:creationId xmlns:a16="http://schemas.microsoft.com/office/drawing/2014/main" id="{000784C8-8D00-EC6F-92A6-7FB918512527}"/>
+              </a:ext>
+            </a:extLst>
+          </p:cNvPr>
+          <p:cNvSpPr txBox="1"/>
+          <p:nvPr/>
+        </p:nvSpPr>
+        <p:spPr>
+          <a:xfrm>
+            <a:off x="2252662" y="1376626"/>
+            <a:ext cx="1773620" cy="369332"/>
+          </a:xfrm>
+          <a:prstGeom prst="rect">
+            <a:avLst/>
+          </a:prstGeom>
+        </p:spPr>
+        <p:style>
+          <a:lnRef idx="2">
+            <a:schemeClr val="accent1"/>
+          </a:lnRef>
+          <a:fillRef idx="1">
+            <a:schemeClr val="lt1"/>
+          </a:fillRef>
+          <a:effectRef idx="0">
+            <a:schemeClr val="accent1"/>
+          </a:effectRef>
+          <a:fontRef idx="minor">
+            <a:schemeClr val="dk1"/>
+          </a:fontRef>
+        </p:style>
+        <p:txBody>
+          <a:bodyPr wrap="square" rtlCol="0">
+            <a:spAutoFit/>
+          </a:bodyPr>
+          <a:lstStyle/>
+          <a:p>
+            <a:pPr algn="ctr"/>
+            <a:r>
+              <a:rPr kumimoji="1" lang="en-US" altLang="ko-KR" dirty="0" err="1"/>
+              <a:t>String.format</a:t>
+            </a:r>
+            <a:r>
+              <a:rPr kumimoji="1" lang="en-US" altLang="ko-KR" dirty="0"/>
+              <a:t>()</a:t>
+            </a:r>
+          </a:p>
+        </p:txBody>
+      </p:sp>
+      <p:sp>
+        <p:nvSpPr>
+          <p:cNvPr id="78" name="TextBox 77">
+            <a:extLst>
+              <a:ext uri="{FF2B5EF4-FFF2-40B4-BE49-F238E27FC236}">
+                <a16:creationId xmlns:a16="http://schemas.microsoft.com/office/drawing/2014/main" id="{66508258-F981-AF0F-2DD8-B3F56427662A}"/>
+              </a:ext>
+            </a:extLst>
+          </p:cNvPr>
+          <p:cNvSpPr txBox="1"/>
+          <p:nvPr/>
+        </p:nvSpPr>
+        <p:spPr>
+          <a:xfrm>
+            <a:off x="6546468" y="1381880"/>
+            <a:ext cx="922941" cy="369332"/>
+          </a:xfrm>
+          <a:prstGeom prst="rect">
+            <a:avLst/>
+          </a:prstGeom>
+        </p:spPr>
+        <p:style>
+          <a:lnRef idx="2">
+            <a:schemeClr val="accent1"/>
+          </a:lnRef>
+          <a:fillRef idx="1">
+            <a:schemeClr val="lt1"/>
+          </a:fillRef>
+          <a:effectRef idx="0">
+            <a:schemeClr val="accent1"/>
+          </a:effectRef>
+          <a:fontRef idx="minor">
+            <a:schemeClr val="dk1"/>
+          </a:fontRef>
+        </p:style>
+        <p:txBody>
+          <a:bodyPr wrap="square" rtlCol="0">
+            <a:spAutoFit/>
+          </a:bodyPr>
+          <a:lstStyle/>
+          <a:p>
+            <a:pPr algn="ctr"/>
+            <a:r>
+              <a:rPr kumimoji="1" lang="en-US" altLang="ko-KR" dirty="0"/>
+              <a:t>write()</a:t>
+            </a:r>
+          </a:p>
+        </p:txBody>
+      </p:sp>
+      <p:sp>
+        <p:nvSpPr>
+          <p:cNvPr id="79" name="TextBox 78">
+            <a:extLst>
+              <a:ext uri="{FF2B5EF4-FFF2-40B4-BE49-F238E27FC236}">
+                <a16:creationId xmlns:a16="http://schemas.microsoft.com/office/drawing/2014/main" id="{EF80F3F4-2D8D-1FB4-0C2D-A540CA9331A3}"/>
+              </a:ext>
+            </a:extLst>
+          </p:cNvPr>
+          <p:cNvSpPr txBox="1"/>
+          <p:nvPr/>
+        </p:nvSpPr>
+        <p:spPr>
+          <a:xfrm>
+            <a:off x="9873812" y="1381375"/>
+            <a:ext cx="861848" cy="369332"/>
+          </a:xfrm>
+          <a:prstGeom prst="rect">
+            <a:avLst/>
+          </a:prstGeom>
+        </p:spPr>
+        <p:style>
+          <a:lnRef idx="2">
+            <a:schemeClr val="accent1"/>
+          </a:lnRef>
+          <a:fillRef idx="1">
+            <a:schemeClr val="lt1"/>
+          </a:fillRef>
+          <a:effectRef idx="0">
+            <a:schemeClr val="accent1"/>
+          </a:effectRef>
+          <a:fontRef idx="minor">
+            <a:schemeClr val="dk1"/>
+          </a:fontRef>
+        </p:style>
+        <p:txBody>
+          <a:bodyPr wrap="square" rtlCol="0">
+            <a:spAutoFit/>
+          </a:bodyPr>
+          <a:lstStyle/>
+          <a:p>
+            <a:pPr algn="ctr"/>
+            <a:r>
+              <a:rPr kumimoji="1" lang="ko-KR" altLang="en-US" dirty="0"/>
+              <a:t>출력</a:t>
+            </a:r>
+            <a:endParaRPr kumimoji="1" lang="en-US" altLang="ko-KR" dirty="0"/>
+          </a:p>
+        </p:txBody>
+      </p:sp>
+      <p:sp>
+        <p:nvSpPr>
+          <p:cNvPr id="80" name="TextBox 79">
+            <a:extLst>
+              <a:ext uri="{FF2B5EF4-FFF2-40B4-BE49-F238E27FC236}">
+                <a16:creationId xmlns:a16="http://schemas.microsoft.com/office/drawing/2014/main" id="{D6FA6576-EEE5-5C42-4EC7-66AC227CCC52}"/>
+              </a:ext>
+            </a:extLst>
+          </p:cNvPr>
+          <p:cNvSpPr txBox="1"/>
+          <p:nvPr/>
+        </p:nvSpPr>
+        <p:spPr>
+          <a:xfrm>
+            <a:off x="10888053" y="2887716"/>
+            <a:ext cx="861848" cy="369332"/>
+          </a:xfrm>
+          <a:prstGeom prst="rect">
+            <a:avLst/>
+          </a:prstGeom>
+        </p:spPr>
+        <p:style>
+          <a:lnRef idx="2">
+            <a:schemeClr val="accent1"/>
+          </a:lnRef>
+          <a:fillRef idx="1">
+            <a:schemeClr val="lt1"/>
+          </a:fillRef>
+          <a:effectRef idx="0">
+            <a:schemeClr val="accent1"/>
+          </a:effectRef>
+          <a:fontRef idx="minor">
+            <a:schemeClr val="dk1"/>
+          </a:fontRef>
+        </p:style>
+        <p:txBody>
+          <a:bodyPr wrap="square" rtlCol="0">
+            <a:spAutoFit/>
+          </a:bodyPr>
+          <a:lstStyle/>
+          <a:p>
+            <a:pPr algn="ctr"/>
+            <a:r>
+              <a:rPr kumimoji="1" lang="ko-KR" altLang="en-US" dirty="0"/>
+              <a:t>읽기</a:t>
+            </a:r>
+            <a:endParaRPr kumimoji="1" lang="en-US" altLang="ko-KR" dirty="0"/>
+          </a:p>
+        </p:txBody>
+      </p:sp>
+      <p:sp>
+        <p:nvSpPr>
+          <p:cNvPr id="81" name="TextBox 80">
+            <a:extLst>
+              <a:ext uri="{FF2B5EF4-FFF2-40B4-BE49-F238E27FC236}">
+                <a16:creationId xmlns:a16="http://schemas.microsoft.com/office/drawing/2014/main" id="{0C719615-3D95-94E3-C99A-33DF53E06473}"/>
+              </a:ext>
+            </a:extLst>
+          </p:cNvPr>
+          <p:cNvSpPr txBox="1"/>
+          <p:nvPr/>
+        </p:nvSpPr>
+        <p:spPr>
+          <a:xfrm>
+            <a:off x="7008758" y="3654498"/>
+            <a:ext cx="861848" cy="369332"/>
+          </a:xfrm>
+          <a:prstGeom prst="rect">
+            <a:avLst/>
+          </a:prstGeom>
+        </p:spPr>
+        <p:style>
+          <a:lnRef idx="2">
+            <a:schemeClr val="accent1"/>
+          </a:lnRef>
+          <a:fillRef idx="1">
+            <a:schemeClr val="lt1"/>
+          </a:fillRef>
+          <a:effectRef idx="0">
+            <a:schemeClr val="accent1"/>
+          </a:effectRef>
+          <a:fontRef idx="minor">
+            <a:schemeClr val="dk1"/>
+          </a:fontRef>
+        </p:style>
+        <p:txBody>
+          <a:bodyPr wrap="square" rtlCol="0">
+            <a:spAutoFit/>
+          </a:bodyPr>
+          <a:lstStyle/>
+          <a:p>
+            <a:pPr algn="ctr"/>
+            <a:r>
+              <a:rPr kumimoji="1" lang="ko-KR" altLang="en-US" dirty="0"/>
+              <a:t>연결</a:t>
+            </a:r>
+            <a:endParaRPr kumimoji="1" lang="en-US" altLang="ko-KR" dirty="0"/>
+          </a:p>
+        </p:txBody>
+      </p:sp>
+      <p:sp>
+        <p:nvSpPr>
+          <p:cNvPr id="82" name="TextBox 81">
+            <a:extLst>
+              <a:ext uri="{FF2B5EF4-FFF2-40B4-BE49-F238E27FC236}">
+                <a16:creationId xmlns:a16="http://schemas.microsoft.com/office/drawing/2014/main" id="{2E7F4973-867D-4DC1-7761-CF8B4841F123}"/>
+              </a:ext>
+            </a:extLst>
+          </p:cNvPr>
+          <p:cNvSpPr txBox="1"/>
+          <p:nvPr/>
+        </p:nvSpPr>
+        <p:spPr>
+          <a:xfrm>
+            <a:off x="2466649" y="3675255"/>
+            <a:ext cx="1773620" cy="369332"/>
+          </a:xfrm>
+          <a:prstGeom prst="rect">
+            <a:avLst/>
+          </a:prstGeom>
+        </p:spPr>
+        <p:style>
+          <a:lnRef idx="2">
+            <a:schemeClr val="accent1"/>
+          </a:lnRef>
+          <a:fillRef idx="1">
+            <a:schemeClr val="lt1"/>
+          </a:fillRef>
+          <a:effectRef idx="0">
+            <a:schemeClr val="accent1"/>
+          </a:effectRef>
+          <a:fontRef idx="minor">
+            <a:schemeClr val="dk1"/>
+          </a:fontRef>
+        </p:style>
+        <p:txBody>
+          <a:bodyPr wrap="square" rtlCol="0">
+            <a:spAutoFit/>
+          </a:bodyPr>
+          <a:lstStyle/>
+          <a:p>
+            <a:pPr algn="ctr"/>
+            <a:r>
+              <a:rPr kumimoji="1" lang="en-US" altLang="ko-KR" dirty="0" err="1"/>
+              <a:t>readLine</a:t>
+            </a:r>
+            <a:r>
+              <a:rPr kumimoji="1" lang="en-US" altLang="ko-KR" dirty="0"/>
+              <a:t>()</a:t>
+            </a:r>
+          </a:p>
+        </p:txBody>
+      </p:sp>
+      <p:sp>
+        <p:nvSpPr>
+          <p:cNvPr id="83" name="TextBox 82">
+            <a:extLst>
+              <a:ext uri="{FF2B5EF4-FFF2-40B4-BE49-F238E27FC236}">
+                <a16:creationId xmlns:a16="http://schemas.microsoft.com/office/drawing/2014/main" id="{A675155E-D650-2237-7C02-193744553CF3}"/>
+              </a:ext>
+            </a:extLst>
+          </p:cNvPr>
+          <p:cNvSpPr txBox="1"/>
+          <p:nvPr/>
+        </p:nvSpPr>
+        <p:spPr>
+          <a:xfrm>
+            <a:off x="322211" y="2473515"/>
+            <a:ext cx="1257950" cy="369332"/>
+          </a:xfrm>
+          <a:prstGeom prst="rect">
+            <a:avLst/>
+          </a:prstGeom>
+        </p:spPr>
+        <p:style>
+          <a:lnRef idx="2">
+            <a:schemeClr val="accent1"/>
+          </a:lnRef>
+          <a:fillRef idx="1">
+            <a:schemeClr val="lt1"/>
+          </a:fillRef>
+          <a:effectRef idx="0">
+            <a:schemeClr val="accent1"/>
+          </a:effectRef>
+          <a:fontRef idx="minor">
+            <a:schemeClr val="dk1"/>
+          </a:fontRef>
+        </p:style>
+        <p:txBody>
+          <a:bodyPr wrap="square" rtlCol="0">
+            <a:spAutoFit/>
+          </a:bodyPr>
+          <a:lstStyle/>
+          <a:p>
+            <a:pPr algn="ctr"/>
+            <a:r>
+              <a:rPr kumimoji="1" lang="en-US" altLang="ko-KR" dirty="0"/>
+              <a:t>split()</a:t>
+            </a:r>
+          </a:p>
+        </p:txBody>
+      </p:sp>
+      <p:sp>
+        <p:nvSpPr>
+          <p:cNvPr id="98" name="TextBox 97">
+            <a:extLst>
+              <a:ext uri="{FF2B5EF4-FFF2-40B4-BE49-F238E27FC236}">
+                <a16:creationId xmlns:a16="http://schemas.microsoft.com/office/drawing/2014/main" id="{387D0B91-2535-02DC-FAC7-14741EBA508E}"/>
+              </a:ext>
+            </a:extLst>
+          </p:cNvPr>
+          <p:cNvSpPr txBox="1"/>
+          <p:nvPr/>
+        </p:nvSpPr>
+        <p:spPr>
+          <a:xfrm>
+            <a:off x="3011546" y="3006723"/>
+            <a:ext cx="951179" cy="369332"/>
+          </a:xfrm>
+          <a:prstGeom prst="rect">
+            <a:avLst/>
+          </a:prstGeom>
+        </p:spPr>
+        <p:style>
+          <a:lnRef idx="2">
+            <a:schemeClr val="accent2"/>
+          </a:lnRef>
+          <a:fillRef idx="1">
+            <a:schemeClr val="lt1"/>
+          </a:fillRef>
+          <a:effectRef idx="0">
+            <a:schemeClr val="accent2"/>
+          </a:effectRef>
+          <a:fontRef idx="minor">
+            <a:schemeClr val="dk1"/>
+          </a:fontRef>
+        </p:style>
+        <p:txBody>
+          <a:bodyPr wrap="square" rtlCol="0">
+            <a:spAutoFit/>
+          </a:bodyPr>
+          <a:lstStyle/>
+          <a:p>
+            <a:pPr algn="ctr"/>
+            <a:r>
+              <a:rPr kumimoji="1" lang="en-US" altLang="ko-Kore-KR" dirty="0"/>
+              <a:t>read()</a:t>
+            </a:r>
+            <a:endParaRPr kumimoji="1" lang="ko-Kore-KR" altLang="en-US" dirty="0"/>
+          </a:p>
+        </p:txBody>
+      </p:sp>
+      <p:sp>
+        <p:nvSpPr>
+          <p:cNvPr id="99" name="곱하기 98">
+            <a:extLst>
+              <a:ext uri="{FF2B5EF4-FFF2-40B4-BE49-F238E27FC236}">
+                <a16:creationId xmlns:a16="http://schemas.microsoft.com/office/drawing/2014/main" id="{A87DCCC2-2634-3D34-1967-8E5658BDA75A}"/>
+              </a:ext>
+            </a:extLst>
+          </p:cNvPr>
+          <p:cNvSpPr/>
+          <p:nvPr/>
+        </p:nvSpPr>
+        <p:spPr>
+          <a:xfrm>
+            <a:off x="2564848" y="2533960"/>
+            <a:ext cx="1881352" cy="1116834"/>
+          </a:xfrm>
+          <a:prstGeom prst="mathMultiply">
+            <a:avLst/>
+          </a:prstGeom>
+          <a:solidFill>
+            <a:srgbClr val="FDA9F7">
+              <a:alpha val="55911"/>
+            </a:srgbClr>
+          </a:solidFill>
+        </p:spPr>
+        <p:style>
+          <a:lnRef idx="2">
+            <a:schemeClr val="accent1">
+              <a:shade val="50000"/>
+            </a:schemeClr>
+          </a:lnRef>
+          <a:fillRef idx="1">
+            <a:schemeClr val="accent1"/>
+          </a:fillRef>
+          <a:effectRef idx="0">
+            <a:schemeClr val="accent1"/>
+          </a:effectRef>
+          <a:fontRef idx="minor">
+            <a:schemeClr val="lt1"/>
+          </a:fontRef>
+        </p:style>
+        <p:txBody>
+          <a:bodyPr rtlCol="0" anchor="ctr"/>
+          <a:lstStyle/>
+          <a:p>
+            <a:pPr algn="ctr"/>
+            <a:endParaRPr kumimoji="1" lang="ko-Kore-KR" altLang="en-US" dirty="0"/>
+          </a:p>
+        </p:txBody>
+      </p:sp>
+      <p:sp>
+        <p:nvSpPr>
+          <p:cNvPr id="139" name="TextBox 138">
+            <a:extLst>
+              <a:ext uri="{FF2B5EF4-FFF2-40B4-BE49-F238E27FC236}">
+                <a16:creationId xmlns:a16="http://schemas.microsoft.com/office/drawing/2014/main" id="{14C1A6EB-C399-AB60-1754-328A520D6474}"/>
+              </a:ext>
+            </a:extLst>
+          </p:cNvPr>
+          <p:cNvSpPr txBox="1"/>
+          <p:nvPr/>
+        </p:nvSpPr>
+        <p:spPr>
+          <a:xfrm>
+            <a:off x="1820673" y="4858238"/>
+            <a:ext cx="3065572" cy="307777"/>
+          </a:xfrm>
+          <a:prstGeom prst="rect">
+            <a:avLst/>
+          </a:prstGeom>
+        </p:spPr>
+        <p:style>
+          <a:lnRef idx="2">
+            <a:schemeClr val="accent5"/>
+          </a:lnRef>
+          <a:fillRef idx="1">
+            <a:schemeClr val="lt1"/>
+          </a:fillRef>
+          <a:effectRef idx="0">
+            <a:schemeClr val="accent5"/>
+          </a:effectRef>
+          <a:fontRef idx="minor">
+            <a:schemeClr val="dk1"/>
+          </a:fontRef>
+        </p:style>
+        <p:txBody>
+          <a:bodyPr wrap="square" rtlCol="0">
+            <a:spAutoFit/>
+          </a:bodyPr>
+          <a:lstStyle/>
+          <a:p>
+            <a:r>
+              <a:rPr kumimoji="1" lang="ko-Kore-KR" altLang="en-US" sz="1400" dirty="0"/>
+              <a:t>한</a:t>
+            </a:r>
+            <a:r>
+              <a:rPr kumimoji="1" lang="ko-KR" altLang="en-US" sz="1400" dirty="0"/>
+              <a:t> 줄 단위로 문자열을 끊어서 리턴</a:t>
+            </a:r>
+            <a:endParaRPr kumimoji="1" lang="ko-Kore-KR" altLang="en-US" sz="1400" dirty="0"/>
+          </a:p>
+        </p:txBody>
+      </p:sp>
+      <p:cxnSp>
+        <p:nvCxnSpPr>
+          <p:cNvPr id="140" name="직선 화살표 연결선 139">
+            <a:extLst>
+              <a:ext uri="{FF2B5EF4-FFF2-40B4-BE49-F238E27FC236}">
+                <a16:creationId xmlns:a16="http://schemas.microsoft.com/office/drawing/2014/main" id="{52389E27-160A-0653-0256-8D36E9113E9C}"/>
+              </a:ext>
+            </a:extLst>
+          </p:cNvPr>
+          <p:cNvCxnSpPr>
+            <a:cxnSpLocks/>
+            <a:stCxn id="139" idx="0"/>
+            <a:endCxn id="82" idx="2"/>
+          </p:cNvCxnSpPr>
+          <p:nvPr/>
+        </p:nvCxnSpPr>
+        <p:spPr>
+          <a:xfrm flipV="1">
+            <a:off x="3353459" y="4044587"/>
+            <a:ext cx="0" cy="813651"/>
+          </a:xfrm>
+          <a:prstGeom prst="straightConnector1">
+            <a:avLst/>
+          </a:prstGeom>
+          <a:ln>
+            <a:tailEnd type="triangle"/>
+          </a:ln>
+        </p:spPr>
+        <p:style>
+          <a:lnRef idx="3">
+            <a:schemeClr val="accent5"/>
+          </a:lnRef>
+          <a:fillRef idx="0">
+            <a:schemeClr val="accent5"/>
+          </a:fillRef>
+          <a:effectRef idx="2">
+            <a:schemeClr val="accent5"/>
+          </a:effectRef>
+          <a:fontRef idx="minor">
+            <a:schemeClr val="tx1"/>
+          </a:fontRef>
+        </p:style>
+      </p:cxnSp>
+    </p:spTree>
+    <p:extLst>
+      <p:ext uri="{BB962C8B-B14F-4D97-AF65-F5344CB8AC3E}">
+        <p14:creationId xmlns:p14="http://schemas.microsoft.com/office/powerpoint/2010/main" val="1026267109"/>
+      </p:ext>
+    </p:extLst>
+  </p:cSld>
+  <p:clrMapOvr>
+    <a:masterClrMapping/>
+  </p:clrMapOvr>
+</p:sld>
+</file>
+
+<file path=ppt/slides/slide6.xml><?xml version="1.0" encoding="utf-8"?>
+<p:sld xmlns:a="http://schemas.openxmlformats.org/drawingml/2006/main" xmlns:r="http://schemas.openxmlformats.org/officeDocument/2006/relationships" xmlns:p="http://schemas.openxmlformats.org/presentationml/2006/main">
+  <p:cSld>
+    <p:spTree>
+      <p:nvGrpSpPr>
+        <p:cNvPr id="1" name=""/>
+        <p:cNvGrpSpPr/>
+        <p:nvPr/>
+      </p:nvGrpSpPr>
+      <p:grpSpPr>
+        <a:xfrm>
+          <a:off x="0" y="0"/>
+          <a:ext cx="0" cy="0"/>
+          <a:chOff x="0" y="0"/>
+          <a:chExt cx="0" cy="0"/>
+        </a:xfrm>
+      </p:grpSpPr>
+      <p:sp>
+        <p:nvSpPr>
+          <p:cNvPr id="8" name="직사각형 7">
+            <a:extLst>
+              <a:ext uri="{FF2B5EF4-FFF2-40B4-BE49-F238E27FC236}">
+                <a16:creationId xmlns:a16="http://schemas.microsoft.com/office/drawing/2014/main" id="{2A1DDA8F-B618-E5DA-2A12-2695CC29A720}"/>
+              </a:ext>
+            </a:extLst>
+          </p:cNvPr>
+          <p:cNvSpPr/>
+          <p:nvPr/>
+        </p:nvSpPr>
+        <p:spPr>
+          <a:xfrm>
+            <a:off x="451946" y="1340068"/>
+            <a:ext cx="1881352" cy="620111"/>
+          </a:xfrm>
+          <a:prstGeom prst="rect">
+            <a:avLst/>
+          </a:prstGeom>
+        </p:spPr>
+        <p:style>
+          <a:lnRef idx="2">
+            <a:schemeClr val="accent1">
+              <a:shade val="50000"/>
+            </a:schemeClr>
+          </a:lnRef>
+          <a:fillRef idx="1">
+            <a:schemeClr val="accent1"/>
+          </a:fillRef>
+          <a:effectRef idx="0">
+            <a:schemeClr val="accent1"/>
+          </a:effectRef>
+          <a:fontRef idx="minor">
+            <a:schemeClr val="lt1"/>
+          </a:fontRef>
+        </p:style>
+        <p:txBody>
+          <a:bodyPr rtlCol="0" anchor="ctr"/>
+          <a:lstStyle/>
+          <a:p>
+            <a:pPr algn="ctr"/>
+            <a:r>
+              <a:rPr kumimoji="1" lang="en-US" altLang="ko-Kore-KR" dirty="0" err="1"/>
+              <a:t>BoardDao</a:t>
+            </a:r>
+            <a:endParaRPr kumimoji="1" lang="ko-Kore-KR" altLang="en-US" dirty="0"/>
+          </a:p>
+        </p:txBody>
+      </p:sp>
+      <p:sp>
+        <p:nvSpPr>
+          <p:cNvPr id="9" name="직사각형 8">
+            <a:extLst>
+              <a:ext uri="{FF2B5EF4-FFF2-40B4-BE49-F238E27FC236}">
+                <a16:creationId xmlns:a16="http://schemas.microsoft.com/office/drawing/2014/main" id="{2A1DCA56-C59C-06AF-49CE-1ADDF5D28BEF}"/>
+              </a:ext>
+            </a:extLst>
+          </p:cNvPr>
+          <p:cNvSpPr/>
+          <p:nvPr/>
+        </p:nvSpPr>
+        <p:spPr>
+          <a:xfrm>
+            <a:off x="903891" y="3654944"/>
+            <a:ext cx="977462" cy="735724"/>
+          </a:xfrm>
+          <a:prstGeom prst="rect">
+            <a:avLst/>
+          </a:prstGeom>
+        </p:spPr>
+        <p:style>
+          <a:lnRef idx="2">
+            <a:schemeClr val="accent1">
+              <a:shade val="50000"/>
+            </a:schemeClr>
+          </a:lnRef>
+          <a:fillRef idx="1">
+            <a:schemeClr val="accent1"/>
+          </a:fillRef>
+          <a:effectRef idx="0">
+            <a:schemeClr val="accent1"/>
+          </a:effectRef>
+          <a:fontRef idx="minor">
+            <a:schemeClr val="lt1"/>
+          </a:fontRef>
+        </p:style>
+        <p:txBody>
+          <a:bodyPr rtlCol="0" anchor="ctr"/>
+          <a:lstStyle/>
+          <a:p>
+            <a:pPr algn="ctr"/>
+            <a:r>
+              <a:rPr kumimoji="1" lang="en-US" altLang="ko-Kore-KR" dirty="0"/>
+              <a:t>Board</a:t>
+            </a:r>
+            <a:endParaRPr kumimoji="1" lang="ko-Kore-KR" altLang="en-US" dirty="0"/>
+          </a:p>
+        </p:txBody>
+      </p:sp>
+      <p:cxnSp>
+        <p:nvCxnSpPr>
+          <p:cNvPr id="13" name="직선 화살표 연결선 12">
+            <a:extLst>
+              <a:ext uri="{FF2B5EF4-FFF2-40B4-BE49-F238E27FC236}">
+                <a16:creationId xmlns:a16="http://schemas.microsoft.com/office/drawing/2014/main" id="{F80682D5-9696-3475-E0BC-3849F33934DA}"/>
+              </a:ext>
+            </a:extLst>
+          </p:cNvPr>
+          <p:cNvCxnSpPr>
+            <a:stCxn id="8" idx="2"/>
+            <a:endCxn id="9" idx="0"/>
+          </p:cNvCxnSpPr>
+          <p:nvPr/>
+        </p:nvCxnSpPr>
+        <p:spPr>
+          <a:xfrm>
+            <a:off x="1392622" y="1960179"/>
+            <a:ext cx="0" cy="1694765"/>
+          </a:xfrm>
+          <a:prstGeom prst="straightConnector1">
+            <a:avLst/>
+          </a:prstGeom>
+          <a:ln>
+            <a:tailEnd type="triangle"/>
+          </a:ln>
+        </p:spPr>
+        <p:style>
+          <a:lnRef idx="3">
+            <a:schemeClr val="accent1"/>
+          </a:lnRef>
+          <a:fillRef idx="0">
+            <a:schemeClr val="accent1"/>
+          </a:fillRef>
+          <a:effectRef idx="2">
+            <a:schemeClr val="accent1"/>
+          </a:effectRef>
+          <a:fontRef idx="minor">
+            <a:schemeClr val="tx1"/>
+          </a:fontRef>
+        </p:style>
+      </p:cxnSp>
+      <p:sp>
+        <p:nvSpPr>
+          <p:cNvPr id="14" name="오른쪽 화살표[R] 13">
+            <a:extLst>
+              <a:ext uri="{FF2B5EF4-FFF2-40B4-BE49-F238E27FC236}">
+                <a16:creationId xmlns:a16="http://schemas.microsoft.com/office/drawing/2014/main" id="{6F483150-6790-3DC0-E8F7-7D96EDF49129}"/>
+              </a:ext>
+            </a:extLst>
+          </p:cNvPr>
+          <p:cNvSpPr/>
+          <p:nvPr/>
+        </p:nvSpPr>
+        <p:spPr>
+          <a:xfrm>
+            <a:off x="4838699" y="2397830"/>
+            <a:ext cx="1156138" cy="546538"/>
+          </a:xfrm>
+          <a:prstGeom prst="rightArrow">
+            <a:avLst/>
+          </a:prstGeom>
+        </p:spPr>
+        <p:style>
+          <a:lnRef idx="2">
+            <a:schemeClr val="accent6">
+              <a:shade val="50000"/>
+            </a:schemeClr>
+          </a:lnRef>
+          <a:fillRef idx="1">
+            <a:schemeClr val="accent6"/>
+          </a:fillRef>
+          <a:effectRef idx="0">
+            <a:schemeClr val="accent6"/>
+          </a:effectRef>
+          <a:fontRef idx="minor">
+            <a:schemeClr val="lt1"/>
+          </a:fontRef>
+        </p:style>
+        <p:txBody>
+          <a:bodyPr rtlCol="0" anchor="ctr"/>
+          <a:lstStyle/>
+          <a:p>
+            <a:pPr algn="ctr"/>
+            <a:endParaRPr kumimoji="1" lang="ko-Kore-KR" altLang="en-US"/>
+          </a:p>
+        </p:txBody>
+      </p:sp>
+      <p:sp>
+        <p:nvSpPr>
+          <p:cNvPr id="16" name="직사각형 15">
+            <a:extLst>
+              <a:ext uri="{FF2B5EF4-FFF2-40B4-BE49-F238E27FC236}">
+                <a16:creationId xmlns:a16="http://schemas.microsoft.com/office/drawing/2014/main" id="{C958243E-5CE8-CE3F-5118-2B4D070E851D}"/>
+              </a:ext>
+            </a:extLst>
+          </p:cNvPr>
+          <p:cNvSpPr/>
+          <p:nvPr/>
+        </p:nvSpPr>
+        <p:spPr>
+          <a:xfrm>
+            <a:off x="6797564" y="1340067"/>
+            <a:ext cx="1881352" cy="620111"/>
+          </a:xfrm>
+          <a:prstGeom prst="rect">
+            <a:avLst/>
+          </a:prstGeom>
+        </p:spPr>
+        <p:style>
+          <a:lnRef idx="2">
+            <a:schemeClr val="accent1">
+              <a:shade val="50000"/>
+            </a:schemeClr>
+          </a:lnRef>
+          <a:fillRef idx="1">
+            <a:schemeClr val="accent1"/>
+          </a:fillRef>
+          <a:effectRef idx="0">
+            <a:schemeClr val="accent1"/>
+          </a:effectRef>
+          <a:fontRef idx="minor">
+            <a:schemeClr val="lt1"/>
+          </a:fontRef>
+        </p:style>
+        <p:txBody>
+          <a:bodyPr rtlCol="0" anchor="ctr"/>
+          <a:lstStyle/>
+          <a:p>
+            <a:pPr algn="ctr"/>
+            <a:r>
+              <a:rPr kumimoji="1" lang="en-US" altLang="ko-Kore-KR" dirty="0" err="1"/>
+              <a:t>BoardDao</a:t>
+            </a:r>
+            <a:endParaRPr kumimoji="1" lang="ko-Kore-KR" altLang="en-US" dirty="0"/>
+          </a:p>
+        </p:txBody>
+      </p:sp>
+      <p:sp>
+        <p:nvSpPr>
+          <p:cNvPr id="17" name="직사각형 16">
+            <a:extLst>
+              <a:ext uri="{FF2B5EF4-FFF2-40B4-BE49-F238E27FC236}">
+                <a16:creationId xmlns:a16="http://schemas.microsoft.com/office/drawing/2014/main" id="{34C47DF7-6221-5B12-51E3-942F5C7959D5}"/>
+              </a:ext>
+            </a:extLst>
+          </p:cNvPr>
+          <p:cNvSpPr/>
+          <p:nvPr/>
+        </p:nvSpPr>
+        <p:spPr>
+          <a:xfrm>
+            <a:off x="8891751" y="4865921"/>
+            <a:ext cx="977462" cy="735724"/>
+          </a:xfrm>
+          <a:prstGeom prst="rect">
+            <a:avLst/>
+          </a:prstGeom>
+        </p:spPr>
+        <p:style>
+          <a:lnRef idx="2">
+            <a:schemeClr val="accent1">
+              <a:shade val="50000"/>
+            </a:schemeClr>
+          </a:lnRef>
+          <a:fillRef idx="1">
+            <a:schemeClr val="accent1"/>
+          </a:fillRef>
+          <a:effectRef idx="0">
+            <a:schemeClr val="accent1"/>
+          </a:effectRef>
+          <a:fontRef idx="minor">
+            <a:schemeClr val="lt1"/>
+          </a:fontRef>
+        </p:style>
+        <p:txBody>
+          <a:bodyPr rtlCol="0" anchor="ctr"/>
+          <a:lstStyle/>
+          <a:p>
+            <a:pPr algn="ctr"/>
+            <a:r>
+              <a:rPr kumimoji="1" lang="en-US" altLang="ko-Kore-KR" dirty="0"/>
+              <a:t>Board</a:t>
+            </a:r>
+            <a:endParaRPr kumimoji="1" lang="ko-Kore-KR" altLang="en-US" dirty="0"/>
+          </a:p>
+        </p:txBody>
+      </p:sp>
+      <p:sp>
+        <p:nvSpPr>
+          <p:cNvPr id="18" name="직사각형 17">
+            <a:extLst>
+              <a:ext uri="{FF2B5EF4-FFF2-40B4-BE49-F238E27FC236}">
+                <a16:creationId xmlns:a16="http://schemas.microsoft.com/office/drawing/2014/main" id="{D67170F3-CE73-8F8F-6962-8839D8067AD8}"/>
+              </a:ext>
+            </a:extLst>
+          </p:cNvPr>
+          <p:cNvSpPr/>
+          <p:nvPr/>
+        </p:nvSpPr>
+        <p:spPr>
+          <a:xfrm>
+            <a:off x="10717922" y="1256355"/>
+            <a:ext cx="977462" cy="735724"/>
+          </a:xfrm>
+          <a:prstGeom prst="rect">
+            <a:avLst/>
+          </a:prstGeom>
+        </p:spPr>
+        <p:style>
+          <a:lnRef idx="2">
+            <a:schemeClr val="accent1">
+              <a:shade val="50000"/>
+            </a:schemeClr>
+          </a:lnRef>
+          <a:fillRef idx="1">
+            <a:schemeClr val="accent1"/>
+          </a:fillRef>
+          <a:effectRef idx="0">
+            <a:schemeClr val="accent1"/>
+          </a:effectRef>
+          <a:fontRef idx="minor">
+            <a:schemeClr val="lt1"/>
+          </a:fontRef>
+        </p:style>
+        <p:txBody>
+          <a:bodyPr rtlCol="0" anchor="ctr"/>
+          <a:lstStyle/>
+          <a:p>
+            <a:pPr algn="ctr"/>
+            <a:r>
+              <a:rPr kumimoji="1" lang="en-US" altLang="ko-Kore-KR" dirty="0"/>
+              <a:t>Board</a:t>
+            </a:r>
+            <a:endParaRPr kumimoji="1" lang="ko-Kore-KR" altLang="en-US" dirty="0"/>
+          </a:p>
+        </p:txBody>
+      </p:sp>
+      <p:sp>
+        <p:nvSpPr>
+          <p:cNvPr id="19" name="TextBox 18">
+            <a:extLst>
+              <a:ext uri="{FF2B5EF4-FFF2-40B4-BE49-F238E27FC236}">
+                <a16:creationId xmlns:a16="http://schemas.microsoft.com/office/drawing/2014/main" id="{57D683EB-C1AB-4D4A-920F-1100F1265A97}"/>
+              </a:ext>
+            </a:extLst>
+          </p:cNvPr>
+          <p:cNvSpPr txBox="1"/>
+          <p:nvPr/>
+        </p:nvSpPr>
+        <p:spPr>
+          <a:xfrm>
+            <a:off x="321882" y="2636591"/>
+            <a:ext cx="2268920" cy="307777"/>
+          </a:xfrm>
+          <a:prstGeom prst="rect">
+            <a:avLst/>
+          </a:prstGeom>
+        </p:spPr>
+        <p:style>
+          <a:lnRef idx="2">
+            <a:schemeClr val="accent1"/>
+          </a:lnRef>
+          <a:fillRef idx="1">
+            <a:schemeClr val="lt1"/>
+          </a:fillRef>
+          <a:effectRef idx="0">
+            <a:schemeClr val="accent1"/>
+          </a:effectRef>
+          <a:fontRef idx="minor">
+            <a:schemeClr val="dk1"/>
+          </a:fontRef>
+        </p:style>
+        <p:txBody>
+          <a:bodyPr wrap="square" rtlCol="0">
+            <a:spAutoFit/>
+          </a:bodyPr>
+          <a:lstStyle/>
+          <a:p>
+            <a:pPr algn="ctr"/>
+            <a:r>
+              <a:rPr kumimoji="1" lang="ko-Kore-KR" altLang="en-US" sz="1400" dirty="0"/>
+              <a:t>생성</a:t>
+            </a:r>
+            <a:r>
+              <a:rPr kumimoji="1" lang="ko-KR" altLang="en-US" sz="1400" dirty="0"/>
+              <a:t> </a:t>
+            </a:r>
+            <a:r>
+              <a:rPr kumimoji="1" lang="en-US" altLang="ko-KR" sz="1400" dirty="0">
+                <a:sym typeface="Wingdings" pitchFamily="2" charset="2"/>
+              </a:rPr>
+              <a:t></a:t>
+            </a:r>
+            <a:r>
+              <a:rPr kumimoji="1" lang="ko-KR" altLang="en-US" sz="1400" dirty="0">
+                <a:sym typeface="Wingdings" pitchFamily="2" charset="2"/>
+              </a:rPr>
+              <a:t> 필드에 값을 저장</a:t>
+            </a:r>
+            <a:endParaRPr kumimoji="1" lang="ko-Kore-KR" altLang="en-US" sz="1400" dirty="0"/>
+          </a:p>
+        </p:txBody>
+      </p:sp>
+      <p:sp>
+        <p:nvSpPr>
+          <p:cNvPr id="20" name="TextBox 19">
+            <a:extLst>
+              <a:ext uri="{FF2B5EF4-FFF2-40B4-BE49-F238E27FC236}">
+                <a16:creationId xmlns:a16="http://schemas.microsoft.com/office/drawing/2014/main" id="{2CEFD02F-56F3-9179-CA32-3581F74F52C6}"/>
+              </a:ext>
+            </a:extLst>
+          </p:cNvPr>
+          <p:cNvSpPr txBox="1"/>
+          <p:nvPr/>
+        </p:nvSpPr>
+        <p:spPr>
+          <a:xfrm>
+            <a:off x="3174124" y="3778470"/>
+            <a:ext cx="2017986" cy="523220"/>
+          </a:xfrm>
+          <a:prstGeom prst="rect">
+            <a:avLst/>
+          </a:prstGeom>
+        </p:spPr>
+        <p:style>
+          <a:lnRef idx="2">
+            <a:schemeClr val="accent4"/>
+          </a:lnRef>
+          <a:fillRef idx="1">
+            <a:schemeClr val="lt1"/>
+          </a:fillRef>
+          <a:effectRef idx="0">
+            <a:schemeClr val="accent4"/>
+          </a:effectRef>
+          <a:fontRef idx="minor">
+            <a:schemeClr val="dk1"/>
+          </a:fontRef>
+        </p:style>
+        <p:txBody>
+          <a:bodyPr wrap="square" rtlCol="0">
+            <a:spAutoFit/>
+          </a:bodyPr>
+          <a:lstStyle/>
+          <a:p>
+            <a:r>
+              <a:rPr kumimoji="1" lang="ko-Kore-KR" altLang="en-US" sz="1400" dirty="0"/>
+              <a:t>만약</a:t>
+            </a:r>
+            <a:r>
+              <a:rPr kumimoji="1" lang="en-US" altLang="ko-Kore-KR" sz="1400" dirty="0"/>
+              <a:t>,</a:t>
+            </a:r>
+            <a:r>
+              <a:rPr kumimoji="1" lang="ko-KR" altLang="en-US" sz="1400" dirty="0"/>
+              <a:t> </a:t>
+            </a:r>
+            <a:r>
+              <a:rPr kumimoji="1" lang="en-US" altLang="ko-KR" sz="1400" dirty="0"/>
+              <a:t>Board </a:t>
+            </a:r>
+            <a:r>
+              <a:rPr kumimoji="1" lang="ko-KR" altLang="en-US" sz="1400" dirty="0"/>
+              <a:t>클래스에</a:t>
+            </a:r>
+            <a:endParaRPr kumimoji="1" lang="en-US" altLang="ko-KR" sz="1400" dirty="0"/>
+          </a:p>
+          <a:p>
+            <a:r>
+              <a:rPr kumimoji="1" lang="ko-KR" altLang="en-US" sz="1400" dirty="0"/>
+              <a:t>필드가 추가</a:t>
+            </a:r>
+            <a:r>
+              <a:rPr kumimoji="1" lang="en-US" altLang="ko-KR" sz="1400" dirty="0"/>
+              <a:t>/</a:t>
+            </a:r>
+            <a:r>
+              <a:rPr kumimoji="1" lang="ko-KR" altLang="en-US" sz="1400" dirty="0"/>
+              <a:t>삭제</a:t>
+            </a:r>
+            <a:endParaRPr kumimoji="1" lang="ko-Kore-KR" altLang="en-US" sz="1400" dirty="0"/>
+          </a:p>
+        </p:txBody>
+      </p:sp>
+      <p:cxnSp>
+        <p:nvCxnSpPr>
+          <p:cNvPr id="21" name="직선 화살표 연결선 20">
+            <a:extLst>
+              <a:ext uri="{FF2B5EF4-FFF2-40B4-BE49-F238E27FC236}">
+                <a16:creationId xmlns:a16="http://schemas.microsoft.com/office/drawing/2014/main" id="{8333995C-6B4C-D8BD-C86C-122218C838E2}"/>
+              </a:ext>
+            </a:extLst>
+          </p:cNvPr>
+          <p:cNvCxnSpPr>
+            <a:cxnSpLocks/>
+            <a:stCxn id="9" idx="3"/>
+            <a:endCxn id="20" idx="1"/>
+          </p:cNvCxnSpPr>
+          <p:nvPr/>
+        </p:nvCxnSpPr>
+        <p:spPr>
+          <a:xfrm>
+            <a:off x="1881353" y="4022806"/>
+            <a:ext cx="1292771" cy="17274"/>
+          </a:xfrm>
+          <a:prstGeom prst="straightConnector1">
+            <a:avLst/>
+          </a:prstGeom>
+          <a:ln>
+            <a:tailEnd type="triangle"/>
+          </a:ln>
+        </p:spPr>
+        <p:style>
+          <a:lnRef idx="3">
+            <a:schemeClr val="accent4"/>
+          </a:lnRef>
+          <a:fillRef idx="0">
+            <a:schemeClr val="accent4"/>
+          </a:fillRef>
+          <a:effectRef idx="2">
+            <a:schemeClr val="accent4"/>
+          </a:effectRef>
+          <a:fontRef idx="minor">
+            <a:schemeClr val="tx1"/>
+          </a:fontRef>
+        </p:style>
+      </p:cxnSp>
+      <p:cxnSp>
+        <p:nvCxnSpPr>
+          <p:cNvPr id="26" name="구부러진 연결선[U] 25">
+            <a:extLst>
+              <a:ext uri="{FF2B5EF4-FFF2-40B4-BE49-F238E27FC236}">
+                <a16:creationId xmlns:a16="http://schemas.microsoft.com/office/drawing/2014/main" id="{31B1758F-FCC2-0EAC-F7AA-7E79D24EFD33}"/>
+              </a:ext>
+            </a:extLst>
+          </p:cNvPr>
+          <p:cNvCxnSpPr>
+            <a:cxnSpLocks/>
+            <a:stCxn id="20" idx="0"/>
+            <a:endCxn id="8" idx="3"/>
+          </p:cNvCxnSpPr>
+          <p:nvPr/>
+        </p:nvCxnSpPr>
+        <p:spPr>
+          <a:xfrm rot="16200000" flipV="1">
+            <a:off x="2194035" y="1789387"/>
+            <a:ext cx="2128346" cy="1849819"/>
+          </a:xfrm>
+          <a:prstGeom prst="curvedConnector2">
+            <a:avLst/>
+          </a:prstGeom>
+          <a:ln>
+            <a:tailEnd type="triangle"/>
+          </a:ln>
+        </p:spPr>
+        <p:style>
+          <a:lnRef idx="3">
+            <a:schemeClr val="accent4"/>
+          </a:lnRef>
+          <a:fillRef idx="0">
+            <a:schemeClr val="accent4"/>
+          </a:fillRef>
+          <a:effectRef idx="2">
+            <a:schemeClr val="accent4"/>
+          </a:effectRef>
+          <a:fontRef idx="minor">
+            <a:schemeClr val="tx1"/>
+          </a:fontRef>
+        </p:style>
+      </p:cxnSp>
+      <p:sp>
+        <p:nvSpPr>
+          <p:cNvPr id="50" name="TextBox 49">
+            <a:extLst>
+              <a:ext uri="{FF2B5EF4-FFF2-40B4-BE49-F238E27FC236}">
+                <a16:creationId xmlns:a16="http://schemas.microsoft.com/office/drawing/2014/main" id="{7CB96BAC-CD45-46AF-59BD-4B5C375A7562}"/>
+              </a:ext>
+            </a:extLst>
+          </p:cNvPr>
+          <p:cNvSpPr txBox="1"/>
+          <p:nvPr/>
+        </p:nvSpPr>
+        <p:spPr>
+          <a:xfrm>
+            <a:off x="4691554" y="1960179"/>
+            <a:ext cx="1257301" cy="369332"/>
+          </a:xfrm>
+          <a:prstGeom prst="rect">
+            <a:avLst/>
+          </a:prstGeom>
+        </p:spPr>
+        <p:style>
+          <a:lnRef idx="2">
+            <a:schemeClr val="accent6"/>
+          </a:lnRef>
+          <a:fillRef idx="1">
+            <a:schemeClr val="lt1"/>
+          </a:fillRef>
+          <a:effectRef idx="0">
+            <a:schemeClr val="accent6"/>
+          </a:effectRef>
+          <a:fontRef idx="minor">
+            <a:schemeClr val="dk1"/>
+          </a:fontRef>
+        </p:style>
+        <p:txBody>
+          <a:bodyPr wrap="square" rtlCol="0">
+            <a:spAutoFit/>
+          </a:bodyPr>
+          <a:lstStyle/>
+          <a:p>
+            <a:pPr algn="ctr"/>
+            <a:r>
+              <a:rPr kumimoji="1" lang="ko-Kore-KR" altLang="en-US" dirty="0"/>
+              <a:t>구조</a:t>
+            </a:r>
+            <a:r>
+              <a:rPr kumimoji="1" lang="ko-KR" altLang="en-US" dirty="0"/>
+              <a:t> 변경</a:t>
+            </a:r>
+            <a:endParaRPr kumimoji="1" lang="ko-Kore-KR" altLang="en-US" dirty="0"/>
+          </a:p>
+        </p:txBody>
+      </p:sp>
+      <p:cxnSp>
+        <p:nvCxnSpPr>
+          <p:cNvPr id="51" name="직선 화살표 연결선 50">
+            <a:extLst>
+              <a:ext uri="{FF2B5EF4-FFF2-40B4-BE49-F238E27FC236}">
+                <a16:creationId xmlns:a16="http://schemas.microsoft.com/office/drawing/2014/main" id="{E85687EA-525F-3BA4-0F67-1FDC9567FDC4}"/>
+              </a:ext>
+            </a:extLst>
+          </p:cNvPr>
+          <p:cNvCxnSpPr>
+            <a:cxnSpLocks/>
+            <a:stCxn id="16" idx="3"/>
+            <a:endCxn id="18" idx="1"/>
+          </p:cNvCxnSpPr>
+          <p:nvPr/>
+        </p:nvCxnSpPr>
+        <p:spPr>
+          <a:xfrm flipV="1">
+            <a:off x="8678916" y="1624217"/>
+            <a:ext cx="2039006" cy="25906"/>
+          </a:xfrm>
+          <a:prstGeom prst="straightConnector1">
+            <a:avLst/>
+          </a:prstGeom>
+          <a:ln>
+            <a:tailEnd type="triangle"/>
+          </a:ln>
+        </p:spPr>
+        <p:style>
+          <a:lnRef idx="3">
+            <a:schemeClr val="accent1"/>
+          </a:lnRef>
+          <a:fillRef idx="0">
+            <a:schemeClr val="accent1"/>
+          </a:fillRef>
+          <a:effectRef idx="2">
+            <a:schemeClr val="accent1"/>
+          </a:effectRef>
+          <a:fontRef idx="minor">
+            <a:schemeClr val="tx1"/>
+          </a:fontRef>
+        </p:style>
+      </p:cxnSp>
+      <p:cxnSp>
+        <p:nvCxnSpPr>
+          <p:cNvPr id="54" name="직선 화살표 연결선 53">
+            <a:extLst>
+              <a:ext uri="{FF2B5EF4-FFF2-40B4-BE49-F238E27FC236}">
+                <a16:creationId xmlns:a16="http://schemas.microsoft.com/office/drawing/2014/main" id="{C344BC8F-19B2-DF49-1D59-F53C4C44155D}"/>
+              </a:ext>
+            </a:extLst>
+          </p:cNvPr>
+          <p:cNvCxnSpPr>
+            <a:cxnSpLocks/>
+            <a:stCxn id="18" idx="2"/>
+            <a:endCxn id="17" idx="3"/>
+          </p:cNvCxnSpPr>
+          <p:nvPr/>
+        </p:nvCxnSpPr>
+        <p:spPr>
+          <a:xfrm flipH="1">
+            <a:off x="9869213" y="1992079"/>
+            <a:ext cx="1337440" cy="3241704"/>
+          </a:xfrm>
+          <a:prstGeom prst="straightConnector1">
+            <a:avLst/>
+          </a:prstGeom>
+          <a:ln>
+            <a:tailEnd type="triangle"/>
+          </a:ln>
+        </p:spPr>
+        <p:style>
+          <a:lnRef idx="3">
+            <a:schemeClr val="accent1"/>
+          </a:lnRef>
+          <a:fillRef idx="0">
+            <a:schemeClr val="accent1"/>
+          </a:fillRef>
+          <a:effectRef idx="2">
+            <a:schemeClr val="accent1"/>
+          </a:effectRef>
+          <a:fontRef idx="minor">
+            <a:schemeClr val="tx1"/>
+          </a:fontRef>
+        </p:style>
+      </p:cxnSp>
+      <p:sp>
+        <p:nvSpPr>
+          <p:cNvPr id="57" name="TextBox 56">
+            <a:extLst>
+              <a:ext uri="{FF2B5EF4-FFF2-40B4-BE49-F238E27FC236}">
+                <a16:creationId xmlns:a16="http://schemas.microsoft.com/office/drawing/2014/main" id="{027718E1-2F73-A952-4CAA-9BCA32AF2915}"/>
+              </a:ext>
+            </a:extLst>
+          </p:cNvPr>
+          <p:cNvSpPr txBox="1"/>
+          <p:nvPr/>
+        </p:nvSpPr>
+        <p:spPr>
+          <a:xfrm>
+            <a:off x="9380482" y="3728591"/>
+            <a:ext cx="2612476" cy="307777"/>
+          </a:xfrm>
+          <a:prstGeom prst="rect">
+            <a:avLst/>
+          </a:prstGeom>
+        </p:spPr>
+        <p:style>
+          <a:lnRef idx="2">
+            <a:schemeClr val="accent1"/>
+          </a:lnRef>
+          <a:fillRef idx="1">
+            <a:schemeClr val="lt1"/>
+          </a:fillRef>
+          <a:effectRef idx="0">
+            <a:schemeClr val="accent1"/>
+          </a:effectRef>
+          <a:fontRef idx="minor">
+            <a:schemeClr val="dk1"/>
+          </a:fontRef>
+        </p:style>
+        <p:txBody>
+          <a:bodyPr wrap="square" rtlCol="0">
+            <a:spAutoFit/>
+          </a:bodyPr>
+          <a:lstStyle/>
+          <a:p>
+            <a:pPr algn="ctr"/>
+            <a:r>
+              <a:rPr kumimoji="1" lang="en-US" altLang="ko-Kore-KR" sz="1400" dirty="0"/>
+              <a:t>2</a:t>
+            </a:r>
+            <a:r>
+              <a:rPr kumimoji="1" lang="en-US" altLang="ko-KR" sz="1400" dirty="0"/>
+              <a:t>.</a:t>
+            </a:r>
+            <a:r>
+              <a:rPr kumimoji="1" lang="ko-KR" altLang="en-US" sz="1400" dirty="0"/>
+              <a:t> </a:t>
+            </a:r>
+            <a:r>
+              <a:rPr kumimoji="1" lang="ko-Kore-KR" altLang="en-US" sz="1400" dirty="0"/>
+              <a:t>생성</a:t>
+            </a:r>
+            <a:r>
+              <a:rPr kumimoji="1" lang="ko-KR" altLang="en-US" sz="1400" dirty="0"/>
+              <a:t> </a:t>
+            </a:r>
+            <a:r>
+              <a:rPr kumimoji="1" lang="en-US" altLang="ko-KR" sz="1400" dirty="0">
+                <a:sym typeface="Wingdings" pitchFamily="2" charset="2"/>
+              </a:rPr>
+              <a:t></a:t>
+            </a:r>
+            <a:r>
+              <a:rPr kumimoji="1" lang="ko-KR" altLang="en-US" sz="1400" dirty="0">
+                <a:sym typeface="Wingdings" pitchFamily="2" charset="2"/>
+              </a:rPr>
+              <a:t> 필드에 값을 저장</a:t>
+            </a:r>
+            <a:endParaRPr kumimoji="1" lang="ko-Kore-KR" altLang="en-US" sz="1400" dirty="0"/>
+          </a:p>
+        </p:txBody>
+      </p:sp>
+      <p:sp>
+        <p:nvSpPr>
+          <p:cNvPr id="63" name="TextBox 62">
+            <a:extLst>
+              <a:ext uri="{FF2B5EF4-FFF2-40B4-BE49-F238E27FC236}">
+                <a16:creationId xmlns:a16="http://schemas.microsoft.com/office/drawing/2014/main" id="{01927C25-6CC8-4E7A-5B4F-F8C32613EB97}"/>
+              </a:ext>
+            </a:extLst>
+          </p:cNvPr>
+          <p:cNvSpPr txBox="1"/>
+          <p:nvPr/>
+        </p:nvSpPr>
+        <p:spPr>
+          <a:xfrm>
+            <a:off x="9126591" y="1174365"/>
+            <a:ext cx="1143656" cy="307777"/>
+          </a:xfrm>
+          <a:prstGeom prst="rect">
+            <a:avLst/>
+          </a:prstGeom>
+        </p:spPr>
+        <p:style>
+          <a:lnRef idx="2">
+            <a:schemeClr val="accent1"/>
+          </a:lnRef>
+          <a:fillRef idx="1">
+            <a:schemeClr val="lt1"/>
+          </a:fillRef>
+          <a:effectRef idx="0">
+            <a:schemeClr val="accent1"/>
+          </a:effectRef>
+          <a:fontRef idx="minor">
+            <a:schemeClr val="dk1"/>
+          </a:fontRef>
+        </p:style>
+        <p:txBody>
+          <a:bodyPr wrap="square" rtlCol="0">
+            <a:spAutoFit/>
+          </a:bodyPr>
+          <a:lstStyle/>
+          <a:p>
+            <a:pPr algn="ctr"/>
+            <a:r>
+              <a:rPr kumimoji="1" lang="en-US" altLang="ko-KR" sz="1400" dirty="0"/>
+              <a:t>1.</a:t>
+            </a:r>
+            <a:r>
+              <a:rPr kumimoji="1" lang="ko-KR" altLang="en-US" sz="1400" dirty="0"/>
+              <a:t> </a:t>
+            </a:r>
+            <a:r>
+              <a:rPr kumimoji="1" lang="en-US" altLang="ko-Kore-KR" sz="1400" dirty="0"/>
+              <a:t>create(</a:t>
+            </a:r>
+            <a:r>
+              <a:rPr kumimoji="1" lang="ko-KR" altLang="en-US" sz="1400" dirty="0"/>
+              <a:t> </a:t>
+            </a:r>
+            <a:r>
+              <a:rPr kumimoji="1" lang="en-US" altLang="ko-KR" sz="1400" dirty="0"/>
+              <a:t> </a:t>
+            </a:r>
+            <a:r>
+              <a:rPr kumimoji="1" lang="en-US" altLang="ko-Kore-KR" sz="1400" dirty="0"/>
+              <a:t>)</a:t>
+            </a:r>
+            <a:endParaRPr kumimoji="1" lang="ko-Kore-KR" altLang="en-US" sz="1400" dirty="0"/>
+          </a:p>
+        </p:txBody>
+      </p:sp>
+      <p:cxnSp>
+        <p:nvCxnSpPr>
+          <p:cNvPr id="64" name="구부러진 연결선[U] 63">
+            <a:extLst>
+              <a:ext uri="{FF2B5EF4-FFF2-40B4-BE49-F238E27FC236}">
+                <a16:creationId xmlns:a16="http://schemas.microsoft.com/office/drawing/2014/main" id="{2B987204-B0AD-9EF5-7FDF-68E04865B567}"/>
+              </a:ext>
+            </a:extLst>
+          </p:cNvPr>
+          <p:cNvCxnSpPr>
+            <a:cxnSpLocks/>
+            <a:stCxn id="18" idx="2"/>
+            <a:endCxn id="16" idx="2"/>
+          </p:cNvCxnSpPr>
+          <p:nvPr/>
+        </p:nvCxnSpPr>
+        <p:spPr>
+          <a:xfrm rot="5400000" flipH="1">
+            <a:off x="9456496" y="241923"/>
+            <a:ext cx="31901" cy="3468413"/>
+          </a:xfrm>
+          <a:prstGeom prst="curvedConnector3">
+            <a:avLst>
+              <a:gd name="adj1" fmla="val -716592"/>
+            </a:avLst>
+          </a:prstGeom>
+          <a:ln>
+            <a:tailEnd type="triangle"/>
+          </a:ln>
+        </p:spPr>
+        <p:style>
+          <a:lnRef idx="3">
+            <a:schemeClr val="accent4"/>
+          </a:lnRef>
+          <a:fillRef idx="0">
+            <a:schemeClr val="accent4"/>
+          </a:fillRef>
+          <a:effectRef idx="2">
+            <a:schemeClr val="accent4"/>
+          </a:effectRef>
+          <a:fontRef idx="minor">
+            <a:schemeClr val="tx1"/>
+          </a:fontRef>
+        </p:style>
+      </p:cxnSp>
+      <p:sp>
+        <p:nvSpPr>
+          <p:cNvPr id="67" name="TextBox 66">
+            <a:extLst>
+              <a:ext uri="{FF2B5EF4-FFF2-40B4-BE49-F238E27FC236}">
+                <a16:creationId xmlns:a16="http://schemas.microsoft.com/office/drawing/2014/main" id="{8D85F0A5-FCF3-5483-018F-166CDAA09B3C}"/>
+              </a:ext>
+            </a:extLst>
+          </p:cNvPr>
+          <p:cNvSpPr txBox="1"/>
+          <p:nvPr/>
+        </p:nvSpPr>
+        <p:spPr>
+          <a:xfrm>
+            <a:off x="9149912" y="2445908"/>
+            <a:ext cx="977462" cy="307777"/>
+          </a:xfrm>
+          <a:prstGeom prst="rect">
+            <a:avLst/>
+          </a:prstGeom>
+        </p:spPr>
+        <p:style>
+          <a:lnRef idx="2">
+            <a:schemeClr val="accent4"/>
+          </a:lnRef>
+          <a:fillRef idx="1">
+            <a:schemeClr val="lt1"/>
+          </a:fillRef>
+          <a:effectRef idx="0">
+            <a:schemeClr val="accent4"/>
+          </a:effectRef>
+          <a:fontRef idx="minor">
+            <a:schemeClr val="dk1"/>
+          </a:fontRef>
+        </p:style>
+        <p:txBody>
+          <a:bodyPr wrap="square" rtlCol="0">
+            <a:spAutoFit/>
+          </a:bodyPr>
+          <a:lstStyle/>
+          <a:p>
+            <a:pPr algn="ctr"/>
+            <a:r>
+              <a:rPr kumimoji="1" lang="en-US" altLang="ko-KR" sz="1400" dirty="0"/>
+              <a:t>3.</a:t>
+            </a:r>
+            <a:r>
+              <a:rPr kumimoji="1" lang="ko-KR" altLang="en-US" sz="1400" dirty="0"/>
+              <a:t> 리턴</a:t>
+            </a:r>
+            <a:endParaRPr kumimoji="1" lang="ko-Kore-KR" altLang="en-US" sz="1400" dirty="0"/>
+          </a:p>
+        </p:txBody>
+      </p:sp>
+      <p:cxnSp>
+        <p:nvCxnSpPr>
+          <p:cNvPr id="71" name="구부러진 연결선[U] 70">
+            <a:extLst>
+              <a:ext uri="{FF2B5EF4-FFF2-40B4-BE49-F238E27FC236}">
+                <a16:creationId xmlns:a16="http://schemas.microsoft.com/office/drawing/2014/main" id="{726287B5-FD38-54A2-ECD4-EC740F5FA43A}"/>
+              </a:ext>
+            </a:extLst>
+          </p:cNvPr>
+          <p:cNvCxnSpPr>
+            <a:cxnSpLocks/>
+            <a:stCxn id="20" idx="2"/>
+            <a:endCxn id="17" idx="2"/>
+          </p:cNvCxnSpPr>
+          <p:nvPr/>
+        </p:nvCxnSpPr>
+        <p:spPr>
+          <a:xfrm rot="16200000" flipH="1">
+            <a:off x="6131822" y="2352984"/>
+            <a:ext cx="1299955" cy="5197365"/>
+          </a:xfrm>
+          <a:prstGeom prst="curvedConnector3">
+            <a:avLst>
+              <a:gd name="adj1" fmla="val 117585"/>
+            </a:avLst>
+          </a:prstGeom>
+          <a:ln>
+            <a:solidFill>
+              <a:srgbClr val="FF0000"/>
+            </a:solidFill>
+            <a:tailEnd type="triangle"/>
+          </a:ln>
+        </p:spPr>
+        <p:style>
+          <a:lnRef idx="3">
+            <a:schemeClr val="accent4"/>
+          </a:lnRef>
+          <a:fillRef idx="0">
+            <a:schemeClr val="accent4"/>
+          </a:fillRef>
+          <a:effectRef idx="2">
+            <a:schemeClr val="accent4"/>
+          </a:effectRef>
+          <a:fontRef idx="minor">
+            <a:schemeClr val="tx1"/>
+          </a:fontRef>
+        </p:style>
+      </p:cxnSp>
+      <p:sp>
+        <p:nvSpPr>
+          <p:cNvPr id="74" name="TextBox 73">
+            <a:extLst>
+              <a:ext uri="{FF2B5EF4-FFF2-40B4-BE49-F238E27FC236}">
+                <a16:creationId xmlns:a16="http://schemas.microsoft.com/office/drawing/2014/main" id="{6AEC8569-3250-F21C-74D1-CEA8441B9569}"/>
+              </a:ext>
+            </a:extLst>
+          </p:cNvPr>
+          <p:cNvSpPr txBox="1"/>
+          <p:nvPr/>
+        </p:nvSpPr>
+        <p:spPr>
+          <a:xfrm>
+            <a:off x="6527583" y="5907977"/>
+            <a:ext cx="2588171" cy="523220"/>
+          </a:xfrm>
+          <a:prstGeom prst="rect">
+            <a:avLst/>
+          </a:prstGeom>
+          <a:ln>
+            <a:solidFill>
+              <a:srgbClr val="FF0000"/>
+            </a:solidFill>
+          </a:ln>
+        </p:spPr>
+        <p:style>
+          <a:lnRef idx="2">
+            <a:schemeClr val="accent4"/>
+          </a:lnRef>
+          <a:fillRef idx="1">
+            <a:schemeClr val="lt1"/>
+          </a:fillRef>
+          <a:effectRef idx="0">
+            <a:schemeClr val="accent4"/>
+          </a:effectRef>
+          <a:fontRef idx="minor">
+            <a:schemeClr val="dk1"/>
+          </a:fontRef>
+        </p:style>
+        <p:txBody>
+          <a:bodyPr wrap="square" rtlCol="0">
+            <a:spAutoFit/>
+          </a:bodyPr>
+          <a:lstStyle/>
+          <a:p>
+            <a:r>
+              <a:rPr kumimoji="1" lang="en-US" altLang="ko-Kore-KR" sz="1400" dirty="0" err="1"/>
+              <a:t>BoardDao</a:t>
+            </a:r>
+            <a:r>
+              <a:rPr kumimoji="1" lang="ko-KR" altLang="en-US" sz="1400" dirty="0"/>
+              <a:t>대신</a:t>
+            </a:r>
+            <a:r>
+              <a:rPr kumimoji="1" lang="en-US" altLang="ko-KR" sz="1400" dirty="0"/>
+              <a:t>,</a:t>
+            </a:r>
+          </a:p>
+          <a:p>
+            <a:r>
+              <a:rPr kumimoji="1" lang="en-US" altLang="ko-Kore-KR" sz="1400" dirty="0"/>
+              <a:t>Board </a:t>
+            </a:r>
+            <a:r>
+              <a:rPr kumimoji="1" lang="ko-KR" altLang="en-US" sz="1400" dirty="0"/>
+              <a:t>클래스 변경하기</a:t>
+            </a:r>
+            <a:endParaRPr kumimoji="1" lang="ko-Kore-KR" altLang="en-US" sz="1400" dirty="0"/>
+          </a:p>
+        </p:txBody>
+      </p:sp>
+      <p:sp>
+        <p:nvSpPr>
+          <p:cNvPr id="75" name="TextBox 74">
+            <a:extLst>
+              <a:ext uri="{FF2B5EF4-FFF2-40B4-BE49-F238E27FC236}">
+                <a16:creationId xmlns:a16="http://schemas.microsoft.com/office/drawing/2014/main" id="{ABB4C205-1C52-919C-1C24-A65DB07F6443}"/>
+              </a:ext>
+            </a:extLst>
+          </p:cNvPr>
+          <p:cNvSpPr txBox="1"/>
+          <p:nvPr/>
+        </p:nvSpPr>
+        <p:spPr>
+          <a:xfrm>
+            <a:off x="4395295" y="1316051"/>
+            <a:ext cx="1849820" cy="307777"/>
+          </a:xfrm>
+          <a:prstGeom prst="rect">
+            <a:avLst/>
+          </a:prstGeom>
+        </p:spPr>
+        <p:style>
+          <a:lnRef idx="2">
+            <a:schemeClr val="dk1"/>
+          </a:lnRef>
+          <a:fillRef idx="1">
+            <a:schemeClr val="lt1"/>
+          </a:fillRef>
+          <a:effectRef idx="0">
+            <a:schemeClr val="dk1"/>
+          </a:effectRef>
+          <a:fontRef idx="minor">
+            <a:schemeClr val="dk1"/>
+          </a:fontRef>
+        </p:style>
+        <p:txBody>
+          <a:bodyPr wrap="square" rtlCol="0">
+            <a:spAutoFit/>
+          </a:bodyPr>
+          <a:lstStyle/>
+          <a:p>
+            <a:pPr algn="ctr"/>
+            <a:r>
+              <a:rPr kumimoji="1" lang="en-US" altLang="ko-Kore-KR" sz="1400" dirty="0"/>
+              <a:t>Information Expert</a:t>
+            </a:r>
+            <a:endParaRPr kumimoji="1" lang="ko-Kore-KR" altLang="en-US" sz="1400" dirty="0"/>
+          </a:p>
+        </p:txBody>
+      </p:sp>
+      <p:cxnSp>
+        <p:nvCxnSpPr>
+          <p:cNvPr id="76" name="직선 화살표 연결선 75">
+            <a:extLst>
+              <a:ext uri="{FF2B5EF4-FFF2-40B4-BE49-F238E27FC236}">
+                <a16:creationId xmlns:a16="http://schemas.microsoft.com/office/drawing/2014/main" id="{C4947D10-17AE-B136-CF8A-DAB14C23E31A}"/>
+              </a:ext>
+            </a:extLst>
+          </p:cNvPr>
+          <p:cNvCxnSpPr>
+            <a:cxnSpLocks/>
+            <a:stCxn id="75" idx="2"/>
+            <a:endCxn id="50" idx="0"/>
+          </p:cNvCxnSpPr>
+          <p:nvPr/>
+        </p:nvCxnSpPr>
+        <p:spPr>
+          <a:xfrm>
+            <a:off x="5320205" y="1623828"/>
+            <a:ext cx="0" cy="336351"/>
+          </a:xfrm>
+          <a:prstGeom prst="straightConnector1">
+            <a:avLst/>
+          </a:prstGeom>
+          <a:ln>
+            <a:solidFill>
+              <a:schemeClr val="tx1"/>
+            </a:solidFill>
+            <a:tailEnd type="triangle"/>
+          </a:ln>
+        </p:spPr>
+        <p:style>
+          <a:lnRef idx="3">
+            <a:schemeClr val="accent1"/>
+          </a:lnRef>
+          <a:fillRef idx="0">
+            <a:schemeClr val="accent1"/>
+          </a:fillRef>
+          <a:effectRef idx="2">
+            <a:schemeClr val="accent1"/>
+          </a:effectRef>
+          <a:fontRef idx="minor">
+            <a:schemeClr val="tx1"/>
+          </a:fontRef>
+        </p:style>
+      </p:cxnSp>
+      <p:sp>
+        <p:nvSpPr>
+          <p:cNvPr id="82" name="TextBox 81">
+            <a:extLst>
+              <a:ext uri="{FF2B5EF4-FFF2-40B4-BE49-F238E27FC236}">
+                <a16:creationId xmlns:a16="http://schemas.microsoft.com/office/drawing/2014/main" id="{88EC406B-A26C-FFDF-3218-E150007B533F}"/>
+              </a:ext>
+            </a:extLst>
+          </p:cNvPr>
+          <p:cNvSpPr txBox="1"/>
+          <p:nvPr/>
+        </p:nvSpPr>
+        <p:spPr>
+          <a:xfrm>
+            <a:off x="9869213" y="605575"/>
+            <a:ext cx="1143657" cy="307777"/>
+          </a:xfrm>
+          <a:prstGeom prst="rect">
+            <a:avLst/>
+          </a:prstGeom>
+        </p:spPr>
+        <p:style>
+          <a:lnRef idx="2">
+            <a:schemeClr val="dk1"/>
+          </a:lnRef>
+          <a:fillRef idx="1">
+            <a:schemeClr val="lt1"/>
+          </a:fillRef>
+          <a:effectRef idx="0">
+            <a:schemeClr val="dk1"/>
+          </a:effectRef>
+          <a:fontRef idx="minor">
+            <a:schemeClr val="dk1"/>
+          </a:fontRef>
+        </p:style>
+        <p:txBody>
+          <a:bodyPr wrap="square" rtlCol="0">
+            <a:spAutoFit/>
+          </a:bodyPr>
+          <a:lstStyle/>
+          <a:p>
+            <a:pPr algn="ctr"/>
+            <a:r>
+              <a:rPr kumimoji="1" lang="en-US" altLang="ko-Kore-KR" sz="1400" dirty="0"/>
+              <a:t>CSV </a:t>
+            </a:r>
+            <a:r>
+              <a:rPr kumimoji="1" lang="ko-Kore-KR" altLang="en-US" sz="1400" dirty="0"/>
+              <a:t>데이터</a:t>
+            </a:r>
+          </a:p>
+        </p:txBody>
+      </p:sp>
+      <p:cxnSp>
+        <p:nvCxnSpPr>
+          <p:cNvPr id="83" name="직선 화살표 연결선 82">
+            <a:extLst>
+              <a:ext uri="{FF2B5EF4-FFF2-40B4-BE49-F238E27FC236}">
+                <a16:creationId xmlns:a16="http://schemas.microsoft.com/office/drawing/2014/main" id="{FAB62F6B-F1C4-F0E5-C27D-9B7BF196B3BB}"/>
+              </a:ext>
+            </a:extLst>
+          </p:cNvPr>
+          <p:cNvCxnSpPr>
+            <a:cxnSpLocks/>
+            <a:stCxn id="82" idx="2"/>
+          </p:cNvCxnSpPr>
+          <p:nvPr/>
+        </p:nvCxnSpPr>
+        <p:spPr>
+          <a:xfrm flipH="1">
+            <a:off x="10026869" y="913352"/>
+            <a:ext cx="414173" cy="400615"/>
+          </a:xfrm>
+          <a:prstGeom prst="straightConnector1">
+            <a:avLst/>
+          </a:prstGeom>
+          <a:ln>
+            <a:solidFill>
+              <a:schemeClr val="bg2"/>
+            </a:solidFill>
+            <a:tailEnd type="triangle"/>
+          </a:ln>
+        </p:spPr>
+        <p:style>
+          <a:lnRef idx="3">
+            <a:schemeClr val="accent1"/>
+          </a:lnRef>
+          <a:fillRef idx="0">
+            <a:schemeClr val="accent1"/>
+          </a:fillRef>
+          <a:effectRef idx="2">
+            <a:schemeClr val="accent1"/>
+          </a:effectRef>
+          <a:fontRef idx="minor">
+            <a:schemeClr val="tx1"/>
+          </a:fontRef>
+        </p:style>
+      </p:cxnSp>
+      <p:sp>
+        <p:nvSpPr>
+          <p:cNvPr id="86" name="TextBox 85">
+            <a:extLst>
+              <a:ext uri="{FF2B5EF4-FFF2-40B4-BE49-F238E27FC236}">
+                <a16:creationId xmlns:a16="http://schemas.microsoft.com/office/drawing/2014/main" id="{9169F924-42B1-A8F2-84BC-C607BA37BA26}"/>
+              </a:ext>
+            </a:extLst>
+          </p:cNvPr>
+          <p:cNvSpPr txBox="1"/>
+          <p:nvPr/>
+        </p:nvSpPr>
+        <p:spPr>
+          <a:xfrm>
+            <a:off x="7518837" y="602843"/>
+            <a:ext cx="1849820" cy="307777"/>
+          </a:xfrm>
+          <a:prstGeom prst="rect">
+            <a:avLst/>
+          </a:prstGeom>
+        </p:spPr>
+        <p:style>
+          <a:lnRef idx="2">
+            <a:schemeClr val="dk1"/>
+          </a:lnRef>
+          <a:fillRef idx="1">
+            <a:schemeClr val="lt1"/>
+          </a:fillRef>
+          <a:effectRef idx="0">
+            <a:schemeClr val="dk1"/>
+          </a:effectRef>
+          <a:fontRef idx="minor">
+            <a:schemeClr val="dk1"/>
+          </a:fontRef>
+        </p:style>
+        <p:txBody>
+          <a:bodyPr wrap="square" rtlCol="0">
+            <a:spAutoFit/>
+          </a:bodyPr>
+          <a:lstStyle/>
+          <a:p>
+            <a:pPr algn="ctr"/>
+            <a:r>
+              <a:rPr kumimoji="1" lang="en-US" altLang="ko-Kore-KR" sz="1400" dirty="0"/>
+              <a:t>Factory Method</a:t>
+            </a:r>
+            <a:endParaRPr kumimoji="1" lang="ko-Kore-KR" altLang="en-US" sz="1400" dirty="0"/>
+          </a:p>
+        </p:txBody>
+      </p:sp>
+      <p:cxnSp>
+        <p:nvCxnSpPr>
+          <p:cNvPr id="87" name="직선 화살표 연결선 86">
+            <a:extLst>
+              <a:ext uri="{FF2B5EF4-FFF2-40B4-BE49-F238E27FC236}">
+                <a16:creationId xmlns:a16="http://schemas.microsoft.com/office/drawing/2014/main" id="{69415AC4-1141-DA29-E65D-4B9FD56C4461}"/>
+              </a:ext>
+            </a:extLst>
+          </p:cNvPr>
+          <p:cNvCxnSpPr>
+            <a:cxnSpLocks/>
+            <a:stCxn id="86" idx="2"/>
+            <a:endCxn id="63" idx="0"/>
+          </p:cNvCxnSpPr>
+          <p:nvPr/>
+        </p:nvCxnSpPr>
+        <p:spPr>
+          <a:xfrm>
+            <a:off x="8443747" y="910620"/>
+            <a:ext cx="1254672" cy="263745"/>
+          </a:xfrm>
+          <a:prstGeom prst="straightConnector1">
+            <a:avLst/>
+          </a:prstGeom>
+          <a:ln>
+            <a:solidFill>
+              <a:schemeClr val="bg2"/>
+            </a:solidFill>
+            <a:tailEnd type="triangle"/>
+          </a:ln>
+        </p:spPr>
+        <p:style>
+          <a:lnRef idx="3">
+            <a:schemeClr val="accent1"/>
+          </a:lnRef>
+          <a:fillRef idx="0">
+            <a:schemeClr val="accent1"/>
+          </a:fillRef>
+          <a:effectRef idx="2">
+            <a:schemeClr val="accent1"/>
+          </a:effectRef>
+          <a:fontRef idx="minor">
+            <a:schemeClr val="tx1"/>
+          </a:fontRef>
+        </p:style>
+      </p:cxnSp>
+      <p:sp>
+        <p:nvSpPr>
+          <p:cNvPr id="90" name="TextBox 89">
+            <a:extLst>
+              <a:ext uri="{FF2B5EF4-FFF2-40B4-BE49-F238E27FC236}">
+                <a16:creationId xmlns:a16="http://schemas.microsoft.com/office/drawing/2014/main" id="{33350FBB-EC3B-04DD-E2C7-2774DFB9B50C}"/>
+              </a:ext>
+            </a:extLst>
+          </p:cNvPr>
+          <p:cNvSpPr txBox="1"/>
+          <p:nvPr/>
+        </p:nvSpPr>
+        <p:spPr>
+          <a:xfrm>
+            <a:off x="6063811" y="138704"/>
+            <a:ext cx="6014543" cy="307777"/>
+          </a:xfrm>
+          <a:prstGeom prst="rect">
+            <a:avLst/>
+          </a:prstGeom>
+        </p:spPr>
+        <p:style>
+          <a:lnRef idx="3">
+            <a:schemeClr val="lt1"/>
+          </a:lnRef>
+          <a:fillRef idx="1">
+            <a:schemeClr val="dk1"/>
+          </a:fillRef>
+          <a:effectRef idx="1">
+            <a:schemeClr val="dk1"/>
+          </a:effectRef>
+          <a:fontRef idx="minor">
+            <a:schemeClr val="lt1"/>
+          </a:fontRef>
+        </p:style>
+        <p:txBody>
+          <a:bodyPr wrap="square" rtlCol="0">
+            <a:spAutoFit/>
+          </a:bodyPr>
+          <a:lstStyle/>
+          <a:p>
+            <a:pPr algn="ctr"/>
+            <a:r>
+              <a:rPr kumimoji="1" lang="ko-KR" altLang="en-US" sz="1400" b="1" dirty="0"/>
+              <a:t>객체 생성</a:t>
+            </a:r>
+            <a:r>
+              <a:rPr kumimoji="1" lang="en-US" altLang="ko-KR" sz="1400" b="1" dirty="0"/>
+              <a:t>(Board)</a:t>
+            </a:r>
+            <a:r>
+              <a:rPr kumimoji="1" lang="ko-KR" altLang="en-US" sz="1400" b="1" dirty="0"/>
+              <a:t>은</a:t>
+            </a:r>
+            <a:r>
+              <a:rPr kumimoji="1" lang="en-US" altLang="ko-KR" sz="1400" b="1" dirty="0"/>
+              <a:t> </a:t>
+            </a:r>
+            <a:r>
+              <a:rPr kumimoji="1" lang="ko-KR" altLang="en-US" sz="1400" b="1" dirty="0"/>
+              <a:t>그 객체를 가장 잘 아는 객체</a:t>
+            </a:r>
+            <a:r>
+              <a:rPr kumimoji="1" lang="en-US" altLang="ko-KR" sz="1400" b="1" dirty="0"/>
+              <a:t> (Board) </a:t>
+            </a:r>
+            <a:r>
+              <a:rPr kumimoji="1" lang="ko-KR" altLang="en-US" sz="1400" b="1" dirty="0"/>
+              <a:t>에게 맡긴다</a:t>
+            </a:r>
+            <a:r>
+              <a:rPr kumimoji="1" lang="en-US" altLang="ko-KR" sz="1400" b="1" dirty="0"/>
+              <a:t>.</a:t>
+            </a:r>
+            <a:endParaRPr kumimoji="1" lang="ko-Kore-KR" altLang="en-US" sz="1400" b="1" dirty="0"/>
+          </a:p>
+        </p:txBody>
+      </p:sp>
+    </p:spTree>
+    <p:extLst>
+      <p:ext uri="{BB962C8B-B14F-4D97-AF65-F5344CB8AC3E}">
+        <p14:creationId xmlns:p14="http://schemas.microsoft.com/office/powerpoint/2010/main" val="1264647954"/>
+      </p:ext>
+    </p:extLst>
+  </p:cSld>
+  <p:clrMapOvr>
+    <a:masterClrMapping/>
+  </p:clrMapOvr>
+</p:sld>
+</file>
+
+<file path=ppt/slides/slide7.xml><?xml version="1.0" encoding="utf-8"?>
+<p:sld xmlns:a="http://schemas.openxmlformats.org/drawingml/2006/main" xmlns:r="http://schemas.openxmlformats.org/officeDocument/2006/relationships" xmlns:p="http://schemas.openxmlformats.org/presentationml/2006/main">
+  <p:cSld>
+    <p:spTree>
+      <p:nvGrpSpPr>
+        <p:cNvPr id="1" name=""/>
+        <p:cNvGrpSpPr/>
+        <p:nvPr/>
+      </p:nvGrpSpPr>
+      <p:grpSpPr>
+        <a:xfrm>
+          <a:off x="0" y="0"/>
+          <a:ext cx="0" cy="0"/>
+          <a:chOff x="0" y="0"/>
+          <a:chExt cx="0" cy="0"/>
+        </a:xfrm>
+      </p:grpSpPr>
+      <p:sp>
+        <p:nvSpPr>
+          <p:cNvPr id="8" name="직사각형 7">
+            <a:extLst>
+              <a:ext uri="{FF2B5EF4-FFF2-40B4-BE49-F238E27FC236}">
+                <a16:creationId xmlns:a16="http://schemas.microsoft.com/office/drawing/2014/main" id="{2A1DDA8F-B618-E5DA-2A12-2695CC29A720}"/>
+              </a:ext>
+            </a:extLst>
+          </p:cNvPr>
+          <p:cNvSpPr/>
+          <p:nvPr/>
+        </p:nvSpPr>
+        <p:spPr>
+          <a:xfrm>
+            <a:off x="1517182" y="1944623"/>
+            <a:ext cx="1881352" cy="620111"/>
+          </a:xfrm>
+          <a:prstGeom prst="rect">
+            <a:avLst/>
+          </a:prstGeom>
+        </p:spPr>
+        <p:style>
+          <a:lnRef idx="2">
+            <a:schemeClr val="accent1">
+              <a:shade val="50000"/>
+            </a:schemeClr>
+          </a:lnRef>
+          <a:fillRef idx="1">
+            <a:schemeClr val="accent1"/>
+          </a:fillRef>
+          <a:effectRef idx="0">
+            <a:schemeClr val="accent1"/>
+          </a:effectRef>
+          <a:fontRef idx="minor">
+            <a:schemeClr val="lt1"/>
+          </a:fontRef>
+        </p:style>
+        <p:txBody>
+          <a:bodyPr rtlCol="0" anchor="ctr"/>
+          <a:lstStyle/>
+          <a:p>
+            <a:pPr algn="ctr"/>
+            <a:r>
+              <a:rPr kumimoji="1" lang="en-US" altLang="ko-Kore-KR" dirty="0" err="1"/>
+              <a:t>BoardDao</a:t>
+            </a:r>
+            <a:endParaRPr kumimoji="1" lang="ko-Kore-KR" altLang="en-US" dirty="0"/>
+          </a:p>
+        </p:txBody>
+      </p:sp>
+      <p:sp>
+        <p:nvSpPr>
+          <p:cNvPr id="9" name="직사각형 8">
+            <a:extLst>
+              <a:ext uri="{FF2B5EF4-FFF2-40B4-BE49-F238E27FC236}">
+                <a16:creationId xmlns:a16="http://schemas.microsoft.com/office/drawing/2014/main" id="{2A1DCA56-C59C-06AF-49CE-1ADDF5D28BEF}"/>
+              </a:ext>
+            </a:extLst>
+          </p:cNvPr>
+          <p:cNvSpPr/>
+          <p:nvPr/>
+        </p:nvSpPr>
+        <p:spPr>
+          <a:xfrm>
+            <a:off x="330172" y="3061138"/>
+            <a:ext cx="977462" cy="735724"/>
+          </a:xfrm>
+          <a:prstGeom prst="rect">
+            <a:avLst/>
+          </a:prstGeom>
+        </p:spPr>
+        <p:style>
+          <a:lnRef idx="2">
+            <a:schemeClr val="accent1">
+              <a:shade val="50000"/>
+            </a:schemeClr>
+          </a:lnRef>
+          <a:fillRef idx="1">
+            <a:schemeClr val="accent1"/>
+          </a:fillRef>
+          <a:effectRef idx="0">
+            <a:schemeClr val="accent1"/>
+          </a:effectRef>
+          <a:fontRef idx="minor">
+            <a:schemeClr val="lt1"/>
+          </a:fontRef>
+        </p:style>
+        <p:txBody>
+          <a:bodyPr rtlCol="0" anchor="ctr"/>
+          <a:lstStyle/>
+          <a:p>
+            <a:pPr algn="ctr"/>
+            <a:r>
+              <a:rPr kumimoji="1" lang="en-US" altLang="ko-Kore-KR" dirty="0"/>
+              <a:t>Board</a:t>
+            </a:r>
+            <a:endParaRPr kumimoji="1" lang="ko-Kore-KR" altLang="en-US" dirty="0"/>
+          </a:p>
+        </p:txBody>
+      </p:sp>
+      <p:cxnSp>
+        <p:nvCxnSpPr>
+          <p:cNvPr id="13" name="직선 화살표 연결선 12">
+            <a:extLst>
+              <a:ext uri="{FF2B5EF4-FFF2-40B4-BE49-F238E27FC236}">
+                <a16:creationId xmlns:a16="http://schemas.microsoft.com/office/drawing/2014/main" id="{F80682D5-9696-3475-E0BC-3849F33934DA}"/>
+              </a:ext>
+            </a:extLst>
+          </p:cNvPr>
+          <p:cNvCxnSpPr>
+            <a:cxnSpLocks/>
+            <a:stCxn id="9" idx="3"/>
+            <a:endCxn id="3" idx="1"/>
+          </p:cNvCxnSpPr>
+          <p:nvPr/>
+        </p:nvCxnSpPr>
+        <p:spPr>
+          <a:xfrm>
+            <a:off x="1307634" y="3429000"/>
+            <a:ext cx="2300947" cy="0"/>
+          </a:xfrm>
+          <a:prstGeom prst="straightConnector1">
+            <a:avLst/>
+          </a:prstGeom>
+          <a:ln>
+            <a:tailEnd type="triangle"/>
+          </a:ln>
+        </p:spPr>
+        <p:style>
+          <a:lnRef idx="3">
+            <a:schemeClr val="accent1"/>
+          </a:lnRef>
+          <a:fillRef idx="0">
+            <a:schemeClr val="accent1"/>
+          </a:fillRef>
+          <a:effectRef idx="2">
+            <a:schemeClr val="accent1"/>
+          </a:effectRef>
+          <a:fontRef idx="minor">
+            <a:schemeClr val="tx1"/>
+          </a:fontRef>
+        </p:style>
+      </p:cxnSp>
+      <p:sp>
+        <p:nvSpPr>
+          <p:cNvPr id="14" name="오른쪽 화살표[R] 13">
+            <a:extLst>
+              <a:ext uri="{FF2B5EF4-FFF2-40B4-BE49-F238E27FC236}">
+                <a16:creationId xmlns:a16="http://schemas.microsoft.com/office/drawing/2014/main" id="{6F483150-6790-3DC0-E8F7-7D96EDF49129}"/>
+              </a:ext>
+            </a:extLst>
+          </p:cNvPr>
+          <p:cNvSpPr/>
+          <p:nvPr/>
+        </p:nvSpPr>
+        <p:spPr>
+          <a:xfrm>
+            <a:off x="5567606" y="2881514"/>
+            <a:ext cx="1156138" cy="546538"/>
+          </a:xfrm>
+          <a:prstGeom prst="rightArrow">
+            <a:avLst/>
+          </a:prstGeom>
+        </p:spPr>
+        <p:style>
+          <a:lnRef idx="2">
+            <a:schemeClr val="accent6">
+              <a:shade val="50000"/>
+            </a:schemeClr>
+          </a:lnRef>
+          <a:fillRef idx="1">
+            <a:schemeClr val="accent6"/>
+          </a:fillRef>
+          <a:effectRef idx="0">
+            <a:schemeClr val="accent6"/>
+          </a:effectRef>
+          <a:fontRef idx="minor">
+            <a:schemeClr val="lt1"/>
+          </a:fontRef>
+        </p:style>
+        <p:txBody>
+          <a:bodyPr rtlCol="0" anchor="ctr"/>
+          <a:lstStyle/>
+          <a:p>
+            <a:pPr algn="ctr"/>
+            <a:endParaRPr kumimoji="1" lang="ko-Kore-KR" altLang="en-US"/>
+          </a:p>
+        </p:txBody>
+      </p:sp>
+      <p:sp>
+        <p:nvSpPr>
+          <p:cNvPr id="16" name="직사각형 15">
+            <a:extLst>
+              <a:ext uri="{FF2B5EF4-FFF2-40B4-BE49-F238E27FC236}">
+                <a16:creationId xmlns:a16="http://schemas.microsoft.com/office/drawing/2014/main" id="{C958243E-5CE8-CE3F-5118-2B4D070E851D}"/>
+              </a:ext>
+            </a:extLst>
+          </p:cNvPr>
+          <p:cNvSpPr/>
+          <p:nvPr/>
+        </p:nvSpPr>
+        <p:spPr>
+          <a:xfrm>
+            <a:off x="8387502" y="1623847"/>
+            <a:ext cx="1881352" cy="620111"/>
+          </a:xfrm>
+          <a:prstGeom prst="rect">
+            <a:avLst/>
+          </a:prstGeom>
+        </p:spPr>
+        <p:style>
+          <a:lnRef idx="2">
+            <a:schemeClr val="accent1">
+              <a:shade val="50000"/>
+            </a:schemeClr>
+          </a:lnRef>
+          <a:fillRef idx="1">
+            <a:schemeClr val="accent1"/>
+          </a:fillRef>
+          <a:effectRef idx="0">
+            <a:schemeClr val="accent1"/>
+          </a:effectRef>
+          <a:fontRef idx="minor">
+            <a:schemeClr val="lt1"/>
+          </a:fontRef>
+        </p:style>
+        <p:txBody>
+          <a:bodyPr rtlCol="0" anchor="ctr"/>
+          <a:lstStyle/>
+          <a:p>
+            <a:pPr algn="ctr"/>
+            <a:r>
+              <a:rPr kumimoji="1" lang="en-US" altLang="ko-Kore-KR" dirty="0" err="1"/>
+              <a:t>BoardDao</a:t>
+            </a:r>
+            <a:endParaRPr kumimoji="1" lang="ko-Kore-KR" altLang="en-US" dirty="0"/>
+          </a:p>
+        </p:txBody>
+      </p:sp>
+      <p:sp>
+        <p:nvSpPr>
+          <p:cNvPr id="18" name="직사각형 17">
+            <a:extLst>
+              <a:ext uri="{FF2B5EF4-FFF2-40B4-BE49-F238E27FC236}">
+                <a16:creationId xmlns:a16="http://schemas.microsoft.com/office/drawing/2014/main" id="{D67170F3-CE73-8F8F-6962-8839D8067AD8}"/>
+              </a:ext>
+            </a:extLst>
+          </p:cNvPr>
+          <p:cNvSpPr/>
+          <p:nvPr/>
+        </p:nvSpPr>
+        <p:spPr>
+          <a:xfrm>
+            <a:off x="8839447" y="3457089"/>
+            <a:ext cx="977462" cy="735724"/>
+          </a:xfrm>
+          <a:prstGeom prst="rect">
+            <a:avLst/>
+          </a:prstGeom>
+        </p:spPr>
+        <p:style>
+          <a:lnRef idx="2">
+            <a:schemeClr val="accent1">
+              <a:shade val="50000"/>
+            </a:schemeClr>
+          </a:lnRef>
+          <a:fillRef idx="1">
+            <a:schemeClr val="accent1"/>
+          </a:fillRef>
+          <a:effectRef idx="0">
+            <a:schemeClr val="accent1"/>
+          </a:effectRef>
+          <a:fontRef idx="minor">
+            <a:schemeClr val="lt1"/>
+          </a:fontRef>
+        </p:style>
+        <p:txBody>
+          <a:bodyPr rtlCol="0" anchor="ctr"/>
+          <a:lstStyle/>
+          <a:p>
+            <a:pPr algn="ctr"/>
+            <a:r>
+              <a:rPr kumimoji="1" lang="en-US" altLang="ko-Kore-KR" dirty="0"/>
+              <a:t>Board</a:t>
+            </a:r>
+            <a:endParaRPr kumimoji="1" lang="ko-Kore-KR" altLang="en-US" dirty="0"/>
+          </a:p>
+        </p:txBody>
+      </p:sp>
+      <p:sp>
+        <p:nvSpPr>
+          <p:cNvPr id="19" name="TextBox 18">
+            <a:extLst>
+              <a:ext uri="{FF2B5EF4-FFF2-40B4-BE49-F238E27FC236}">
+                <a16:creationId xmlns:a16="http://schemas.microsoft.com/office/drawing/2014/main" id="{57D683EB-C1AB-4D4A-920F-1100F1265A97}"/>
+              </a:ext>
+            </a:extLst>
+          </p:cNvPr>
+          <p:cNvSpPr txBox="1"/>
+          <p:nvPr/>
+        </p:nvSpPr>
+        <p:spPr>
+          <a:xfrm>
+            <a:off x="2074809" y="3275111"/>
+            <a:ext cx="766597" cy="307777"/>
+          </a:xfrm>
+          <a:prstGeom prst="rect">
+            <a:avLst/>
+          </a:prstGeom>
+        </p:spPr>
+        <p:style>
+          <a:lnRef idx="2">
+            <a:schemeClr val="accent1"/>
+          </a:lnRef>
+          <a:fillRef idx="1">
+            <a:schemeClr val="lt1"/>
+          </a:fillRef>
+          <a:effectRef idx="0">
+            <a:schemeClr val="accent1"/>
+          </a:effectRef>
+          <a:fontRef idx="minor">
+            <a:schemeClr val="dk1"/>
+          </a:fontRef>
+        </p:style>
+        <p:txBody>
+          <a:bodyPr wrap="square" rtlCol="0">
+            <a:spAutoFit/>
+          </a:bodyPr>
+          <a:lstStyle/>
+          <a:p>
+            <a:pPr algn="ctr"/>
+            <a:r>
+              <a:rPr kumimoji="1" lang="ko-KR" altLang="en-US" sz="1400" dirty="0"/>
+              <a:t>변환</a:t>
+            </a:r>
+            <a:endParaRPr kumimoji="1" lang="ko-Kore-KR" altLang="en-US" sz="1400" dirty="0"/>
+          </a:p>
+        </p:txBody>
+      </p:sp>
+      <p:cxnSp>
+        <p:nvCxnSpPr>
+          <p:cNvPr id="26" name="구부러진 연결선[U] 25">
+            <a:extLst>
+              <a:ext uri="{FF2B5EF4-FFF2-40B4-BE49-F238E27FC236}">
+                <a16:creationId xmlns:a16="http://schemas.microsoft.com/office/drawing/2014/main" id="{31B1758F-FCC2-0EAC-F7AA-7E79D24EFD33}"/>
+              </a:ext>
+            </a:extLst>
+          </p:cNvPr>
+          <p:cNvCxnSpPr>
+            <a:cxnSpLocks/>
+            <a:stCxn id="18" idx="1"/>
+            <a:endCxn id="16" idx="1"/>
+          </p:cNvCxnSpPr>
+          <p:nvPr/>
+        </p:nvCxnSpPr>
+        <p:spPr>
+          <a:xfrm rot="10800000">
+            <a:off x="8387503" y="1933903"/>
+            <a:ext cx="451945" cy="1891048"/>
+          </a:xfrm>
+          <a:prstGeom prst="curvedConnector3">
+            <a:avLst>
+              <a:gd name="adj1" fmla="val 150581"/>
+            </a:avLst>
+          </a:prstGeom>
+          <a:ln>
+            <a:tailEnd type="triangle"/>
+          </a:ln>
+        </p:spPr>
+        <p:style>
+          <a:lnRef idx="3">
+            <a:schemeClr val="accent4"/>
+          </a:lnRef>
+          <a:fillRef idx="0">
+            <a:schemeClr val="accent4"/>
+          </a:fillRef>
+          <a:effectRef idx="2">
+            <a:schemeClr val="accent4"/>
+          </a:effectRef>
+          <a:fontRef idx="minor">
+            <a:schemeClr val="tx1"/>
+          </a:fontRef>
+        </p:style>
+      </p:cxnSp>
+      <p:sp>
+        <p:nvSpPr>
+          <p:cNvPr id="50" name="TextBox 49">
+            <a:extLst>
+              <a:ext uri="{FF2B5EF4-FFF2-40B4-BE49-F238E27FC236}">
+                <a16:creationId xmlns:a16="http://schemas.microsoft.com/office/drawing/2014/main" id="{7CB96BAC-CD45-46AF-59BD-4B5C375A7562}"/>
+              </a:ext>
+            </a:extLst>
+          </p:cNvPr>
+          <p:cNvSpPr txBox="1"/>
+          <p:nvPr/>
+        </p:nvSpPr>
+        <p:spPr>
+          <a:xfrm>
+            <a:off x="5455280" y="2465426"/>
+            <a:ext cx="1257301" cy="369332"/>
+          </a:xfrm>
+          <a:prstGeom prst="rect">
+            <a:avLst/>
+          </a:prstGeom>
+        </p:spPr>
+        <p:style>
+          <a:lnRef idx="2">
+            <a:schemeClr val="accent6"/>
+          </a:lnRef>
+          <a:fillRef idx="1">
+            <a:schemeClr val="lt1"/>
+          </a:fillRef>
+          <a:effectRef idx="0">
+            <a:schemeClr val="accent6"/>
+          </a:effectRef>
+          <a:fontRef idx="minor">
+            <a:schemeClr val="dk1"/>
+          </a:fontRef>
+        </p:style>
+        <p:txBody>
+          <a:bodyPr wrap="square" rtlCol="0">
+            <a:spAutoFit/>
+          </a:bodyPr>
+          <a:lstStyle/>
+          <a:p>
+            <a:pPr algn="ctr"/>
+            <a:r>
+              <a:rPr kumimoji="1" lang="ko-Kore-KR" altLang="en-US" dirty="0"/>
+              <a:t>구조</a:t>
+            </a:r>
+            <a:r>
+              <a:rPr kumimoji="1" lang="ko-KR" altLang="en-US" dirty="0"/>
+              <a:t> 변경</a:t>
+            </a:r>
+            <a:endParaRPr kumimoji="1" lang="ko-Kore-KR" altLang="en-US" dirty="0"/>
+          </a:p>
+        </p:txBody>
+      </p:sp>
+      <p:cxnSp>
+        <p:nvCxnSpPr>
+          <p:cNvPr id="51" name="직선 화살표 연결선 50">
+            <a:extLst>
+              <a:ext uri="{FF2B5EF4-FFF2-40B4-BE49-F238E27FC236}">
+                <a16:creationId xmlns:a16="http://schemas.microsoft.com/office/drawing/2014/main" id="{E85687EA-525F-3BA4-0F67-1FDC9567FDC4}"/>
+              </a:ext>
+            </a:extLst>
+          </p:cNvPr>
+          <p:cNvCxnSpPr>
+            <a:cxnSpLocks/>
+            <a:stCxn id="16" idx="2"/>
+            <a:endCxn id="18" idx="0"/>
+          </p:cNvCxnSpPr>
+          <p:nvPr/>
+        </p:nvCxnSpPr>
+        <p:spPr>
+          <a:xfrm>
+            <a:off x="9328178" y="2243958"/>
+            <a:ext cx="0" cy="1213131"/>
+          </a:xfrm>
+          <a:prstGeom prst="straightConnector1">
+            <a:avLst/>
+          </a:prstGeom>
+          <a:ln>
+            <a:tailEnd type="triangle"/>
+          </a:ln>
+        </p:spPr>
+        <p:style>
+          <a:lnRef idx="3">
+            <a:schemeClr val="accent1"/>
+          </a:lnRef>
+          <a:fillRef idx="0">
+            <a:schemeClr val="accent1"/>
+          </a:fillRef>
+          <a:effectRef idx="2">
+            <a:schemeClr val="accent1"/>
+          </a:effectRef>
+          <a:fontRef idx="minor">
+            <a:schemeClr val="tx1"/>
+          </a:fontRef>
+        </p:style>
+      </p:cxnSp>
+      <p:cxnSp>
+        <p:nvCxnSpPr>
+          <p:cNvPr id="54" name="직선 화살표 연결선 53">
+            <a:extLst>
+              <a:ext uri="{FF2B5EF4-FFF2-40B4-BE49-F238E27FC236}">
+                <a16:creationId xmlns:a16="http://schemas.microsoft.com/office/drawing/2014/main" id="{C344BC8F-19B2-DF49-1D59-F53C4C44155D}"/>
+              </a:ext>
+            </a:extLst>
+          </p:cNvPr>
+          <p:cNvCxnSpPr>
+            <a:cxnSpLocks/>
+            <a:stCxn id="8" idx="2"/>
+            <a:endCxn id="19" idx="0"/>
+          </p:cNvCxnSpPr>
+          <p:nvPr/>
+        </p:nvCxnSpPr>
+        <p:spPr>
+          <a:xfrm>
+            <a:off x="2457858" y="2564734"/>
+            <a:ext cx="250" cy="710377"/>
+          </a:xfrm>
+          <a:prstGeom prst="straightConnector1">
+            <a:avLst/>
+          </a:prstGeom>
+          <a:ln>
+            <a:tailEnd type="triangle"/>
+          </a:ln>
+        </p:spPr>
+        <p:style>
+          <a:lnRef idx="3">
+            <a:schemeClr val="accent1"/>
+          </a:lnRef>
+          <a:fillRef idx="0">
+            <a:schemeClr val="accent1"/>
+          </a:fillRef>
+          <a:effectRef idx="2">
+            <a:schemeClr val="accent1"/>
+          </a:effectRef>
+          <a:fontRef idx="minor">
+            <a:schemeClr val="tx1"/>
+          </a:fontRef>
+        </p:style>
+      </p:cxnSp>
+      <p:sp>
+        <p:nvSpPr>
+          <p:cNvPr id="57" name="TextBox 56">
+            <a:extLst>
+              <a:ext uri="{FF2B5EF4-FFF2-40B4-BE49-F238E27FC236}">
+                <a16:creationId xmlns:a16="http://schemas.microsoft.com/office/drawing/2014/main" id="{027718E1-2F73-A952-4CAA-9BCA32AF2915}"/>
+              </a:ext>
+            </a:extLst>
+          </p:cNvPr>
+          <p:cNvSpPr txBox="1"/>
+          <p:nvPr/>
+        </p:nvSpPr>
+        <p:spPr>
+          <a:xfrm>
+            <a:off x="8962616" y="4701448"/>
+            <a:ext cx="2612476" cy="307777"/>
+          </a:xfrm>
+          <a:prstGeom prst="rect">
+            <a:avLst/>
+          </a:prstGeom>
+        </p:spPr>
+        <p:style>
+          <a:lnRef idx="2">
+            <a:schemeClr val="accent1"/>
+          </a:lnRef>
+          <a:fillRef idx="1">
+            <a:schemeClr val="lt1"/>
+          </a:fillRef>
+          <a:effectRef idx="0">
+            <a:schemeClr val="accent1"/>
+          </a:effectRef>
+          <a:fontRef idx="minor">
+            <a:schemeClr val="dk1"/>
+          </a:fontRef>
+        </p:style>
+        <p:txBody>
+          <a:bodyPr wrap="square" rtlCol="0">
+            <a:spAutoFit/>
+          </a:bodyPr>
+          <a:lstStyle/>
+          <a:p>
+            <a:pPr algn="ctr"/>
+            <a:r>
+              <a:rPr kumimoji="1" lang="en-US" altLang="ko-Kore-KR" sz="1400" dirty="0"/>
+              <a:t>2</a:t>
+            </a:r>
+            <a:r>
+              <a:rPr kumimoji="1" lang="en-US" altLang="ko-KR" sz="1400" dirty="0"/>
+              <a:t>.</a:t>
+            </a:r>
+            <a:r>
+              <a:rPr kumimoji="1" lang="ko-KR" altLang="en-US" sz="1400" dirty="0"/>
+              <a:t> </a:t>
+            </a:r>
+            <a:r>
+              <a:rPr kumimoji="1" lang="en-US" altLang="ko-KR" sz="1400" dirty="0"/>
+              <a:t>CSV </a:t>
+            </a:r>
+            <a:r>
+              <a:rPr kumimoji="1" lang="ko-KR" altLang="en-US" sz="1400" dirty="0"/>
+              <a:t>형식의 데이터 생성</a:t>
+            </a:r>
+            <a:endParaRPr kumimoji="1" lang="ko-Kore-KR" altLang="en-US" sz="1400" dirty="0"/>
+          </a:p>
+        </p:txBody>
+      </p:sp>
+      <p:sp>
+        <p:nvSpPr>
+          <p:cNvPr id="63" name="TextBox 62">
+            <a:extLst>
+              <a:ext uri="{FF2B5EF4-FFF2-40B4-BE49-F238E27FC236}">
+                <a16:creationId xmlns:a16="http://schemas.microsoft.com/office/drawing/2014/main" id="{01927C25-6CC8-4E7A-5B4F-F8C32613EB97}"/>
+              </a:ext>
+            </a:extLst>
+          </p:cNvPr>
+          <p:cNvSpPr txBox="1"/>
+          <p:nvPr/>
+        </p:nvSpPr>
+        <p:spPr>
+          <a:xfrm>
+            <a:off x="9562036" y="2714136"/>
+            <a:ext cx="1555528" cy="307777"/>
+          </a:xfrm>
+          <a:prstGeom prst="rect">
+            <a:avLst/>
+          </a:prstGeom>
+        </p:spPr>
+        <p:style>
+          <a:lnRef idx="2">
+            <a:schemeClr val="accent1"/>
+          </a:lnRef>
+          <a:fillRef idx="1">
+            <a:schemeClr val="lt1"/>
+          </a:fillRef>
+          <a:effectRef idx="0">
+            <a:schemeClr val="accent1"/>
+          </a:effectRef>
+          <a:fontRef idx="minor">
+            <a:schemeClr val="dk1"/>
+          </a:fontRef>
+        </p:style>
+        <p:txBody>
+          <a:bodyPr wrap="square" rtlCol="0">
+            <a:spAutoFit/>
+          </a:bodyPr>
+          <a:lstStyle/>
+          <a:p>
+            <a:pPr algn="ctr"/>
+            <a:r>
+              <a:rPr kumimoji="1" lang="en-US" altLang="ko-KR" sz="1400" dirty="0"/>
+              <a:t>1.</a:t>
+            </a:r>
+            <a:r>
+              <a:rPr kumimoji="1" lang="ko-KR" altLang="en-US" sz="1400" dirty="0"/>
+              <a:t> </a:t>
+            </a:r>
+            <a:r>
+              <a:rPr kumimoji="1" lang="en-US" altLang="ko-KR" sz="1400" dirty="0" err="1"/>
+              <a:t>toCsv</a:t>
+            </a:r>
+            <a:r>
+              <a:rPr kumimoji="1" lang="en-US" altLang="ko-Kore-KR" sz="1400" dirty="0"/>
+              <a:t>(</a:t>
+            </a:r>
+            <a:r>
+              <a:rPr kumimoji="1" lang="ko-KR" altLang="en-US" sz="1400" dirty="0"/>
+              <a:t> </a:t>
+            </a:r>
+            <a:r>
+              <a:rPr kumimoji="1" lang="en-US" altLang="ko-KR" sz="1400" dirty="0"/>
+              <a:t> </a:t>
+            </a:r>
+            <a:r>
+              <a:rPr kumimoji="1" lang="en-US" altLang="ko-Kore-KR" sz="1400" dirty="0"/>
+              <a:t>)</a:t>
+            </a:r>
+            <a:endParaRPr kumimoji="1" lang="ko-Kore-KR" altLang="en-US" sz="1400" dirty="0"/>
+          </a:p>
+        </p:txBody>
+      </p:sp>
+      <p:sp>
+        <p:nvSpPr>
+          <p:cNvPr id="67" name="TextBox 66">
+            <a:extLst>
+              <a:ext uri="{FF2B5EF4-FFF2-40B4-BE49-F238E27FC236}">
+                <a16:creationId xmlns:a16="http://schemas.microsoft.com/office/drawing/2014/main" id="{8D85F0A5-FCF3-5483-018F-166CDAA09B3C}"/>
+              </a:ext>
+            </a:extLst>
+          </p:cNvPr>
+          <p:cNvSpPr txBox="1"/>
+          <p:nvPr/>
+        </p:nvSpPr>
+        <p:spPr>
+          <a:xfrm>
+            <a:off x="7835053" y="2716602"/>
+            <a:ext cx="977462" cy="307777"/>
+          </a:xfrm>
+          <a:prstGeom prst="rect">
+            <a:avLst/>
+          </a:prstGeom>
+        </p:spPr>
+        <p:style>
+          <a:lnRef idx="2">
+            <a:schemeClr val="accent4"/>
+          </a:lnRef>
+          <a:fillRef idx="1">
+            <a:schemeClr val="lt1"/>
+          </a:fillRef>
+          <a:effectRef idx="0">
+            <a:schemeClr val="accent4"/>
+          </a:effectRef>
+          <a:fontRef idx="minor">
+            <a:schemeClr val="dk1"/>
+          </a:fontRef>
+        </p:style>
+        <p:txBody>
+          <a:bodyPr wrap="square" rtlCol="0">
+            <a:spAutoFit/>
+          </a:bodyPr>
+          <a:lstStyle/>
+          <a:p>
+            <a:pPr algn="ctr"/>
+            <a:r>
+              <a:rPr kumimoji="1" lang="en-US" altLang="ko-KR" sz="1400" dirty="0"/>
+              <a:t>3.</a:t>
+            </a:r>
+            <a:r>
+              <a:rPr kumimoji="1" lang="ko-KR" altLang="en-US" sz="1400" dirty="0"/>
+              <a:t> 리턴</a:t>
+            </a:r>
+            <a:endParaRPr kumimoji="1" lang="ko-Kore-KR" altLang="en-US" sz="1400" dirty="0"/>
+          </a:p>
+        </p:txBody>
+      </p:sp>
+      <p:sp>
+        <p:nvSpPr>
+          <p:cNvPr id="90" name="TextBox 89">
+            <a:extLst>
+              <a:ext uri="{FF2B5EF4-FFF2-40B4-BE49-F238E27FC236}">
+                <a16:creationId xmlns:a16="http://schemas.microsoft.com/office/drawing/2014/main" id="{33350FBB-EC3B-04DD-E2C7-2774DFB9B50C}"/>
+              </a:ext>
+            </a:extLst>
+          </p:cNvPr>
+          <p:cNvSpPr txBox="1"/>
+          <p:nvPr/>
+        </p:nvSpPr>
+        <p:spPr>
+          <a:xfrm>
+            <a:off x="5606203" y="5405944"/>
+            <a:ext cx="6014543" cy="307777"/>
+          </a:xfrm>
+          <a:prstGeom prst="rect">
+            <a:avLst/>
+          </a:prstGeom>
+        </p:spPr>
+        <p:style>
+          <a:lnRef idx="3">
+            <a:schemeClr val="lt1"/>
+          </a:lnRef>
+          <a:fillRef idx="1">
+            <a:schemeClr val="dk1"/>
+          </a:fillRef>
+          <a:effectRef idx="1">
+            <a:schemeClr val="dk1"/>
+          </a:effectRef>
+          <a:fontRef idx="minor">
+            <a:schemeClr val="lt1"/>
+          </a:fontRef>
+        </p:style>
+        <p:txBody>
+          <a:bodyPr wrap="square" rtlCol="0">
+            <a:spAutoFit/>
+          </a:bodyPr>
+          <a:lstStyle/>
+          <a:p>
+            <a:pPr algn="ctr"/>
+            <a:r>
+              <a:rPr kumimoji="1" lang="ko-KR" altLang="en-US" sz="1400" b="1" dirty="0"/>
+              <a:t>정보 생성은 그 정보를 갖고 있는 전문가</a:t>
+            </a:r>
+            <a:r>
+              <a:rPr kumimoji="1" lang="en-US" altLang="ko-KR" sz="1400" b="1" dirty="0"/>
+              <a:t>(Board)</a:t>
+            </a:r>
+            <a:r>
+              <a:rPr kumimoji="1" lang="ko-KR" altLang="en-US" sz="1400" b="1" dirty="0"/>
+              <a:t>에게 맡기자</a:t>
+            </a:r>
+            <a:r>
+              <a:rPr kumimoji="1" lang="en-US" altLang="ko-KR" sz="1400" b="1" dirty="0"/>
+              <a:t>!</a:t>
+            </a:r>
+            <a:endParaRPr kumimoji="1" lang="ko-Kore-KR" altLang="en-US" sz="1400" b="1" dirty="0"/>
+          </a:p>
+        </p:txBody>
+      </p:sp>
+      <p:sp>
+        <p:nvSpPr>
+          <p:cNvPr id="3" name="직사각형 2">
+            <a:extLst>
+              <a:ext uri="{FF2B5EF4-FFF2-40B4-BE49-F238E27FC236}">
+                <a16:creationId xmlns:a16="http://schemas.microsoft.com/office/drawing/2014/main" id="{CD3C6E72-81C7-AC08-E10A-10F0C91A4015}"/>
+              </a:ext>
+            </a:extLst>
+          </p:cNvPr>
+          <p:cNvSpPr/>
+          <p:nvPr/>
+        </p:nvSpPr>
+        <p:spPr>
+          <a:xfrm>
+            <a:off x="3608581" y="3061138"/>
+            <a:ext cx="1276676" cy="735724"/>
+          </a:xfrm>
+          <a:prstGeom prst="rect">
+            <a:avLst/>
+          </a:prstGeom>
+        </p:spPr>
+        <p:style>
+          <a:lnRef idx="2">
+            <a:schemeClr val="dk1"/>
+          </a:lnRef>
+          <a:fillRef idx="1">
+            <a:schemeClr val="lt1"/>
+          </a:fillRef>
+          <a:effectRef idx="0">
+            <a:schemeClr val="dk1"/>
+          </a:effectRef>
+          <a:fontRef idx="minor">
+            <a:schemeClr val="dk1"/>
+          </a:fontRef>
+        </p:style>
+        <p:txBody>
+          <a:bodyPr rtlCol="0" anchor="ctr"/>
+          <a:lstStyle/>
+          <a:p>
+            <a:pPr algn="ctr"/>
+            <a:r>
+              <a:rPr kumimoji="1" lang="en-US" altLang="ko-Kore-KR" dirty="0"/>
+              <a:t>CSV </a:t>
+            </a:r>
+            <a:r>
+              <a:rPr kumimoji="1" lang="ko-Kore-KR" altLang="en-US" dirty="0"/>
+              <a:t>형식</a:t>
+            </a:r>
+            <a:endParaRPr kumimoji="1" lang="en-US" altLang="ko-Kore-KR" dirty="0"/>
+          </a:p>
+          <a:p>
+            <a:pPr algn="ctr"/>
+            <a:r>
+              <a:rPr kumimoji="1" lang="ko-KR" altLang="en-US" dirty="0"/>
+              <a:t>문자열</a:t>
+            </a:r>
+            <a:endParaRPr kumimoji="1" lang="ko-Kore-KR" altLang="en-US" dirty="0"/>
+          </a:p>
+        </p:txBody>
+      </p:sp>
+      <p:sp>
+        <p:nvSpPr>
+          <p:cNvPr id="27" name="왼쪽으로 구부러진 화살표[C] 26">
+            <a:extLst>
+              <a:ext uri="{FF2B5EF4-FFF2-40B4-BE49-F238E27FC236}">
+                <a16:creationId xmlns:a16="http://schemas.microsoft.com/office/drawing/2014/main" id="{0F3462BE-C722-EB42-1B02-A89523DB1FE9}"/>
+              </a:ext>
+            </a:extLst>
+          </p:cNvPr>
+          <p:cNvSpPr/>
+          <p:nvPr/>
+        </p:nvSpPr>
+        <p:spPr>
+          <a:xfrm rot="5400000">
+            <a:off x="9116039" y="4134911"/>
+            <a:ext cx="307777" cy="584217"/>
+          </a:xfrm>
+          <a:prstGeom prst="curvedLeftArrow">
+            <a:avLst>
+              <a:gd name="adj1" fmla="val 25000"/>
+              <a:gd name="adj2" fmla="val 85110"/>
+              <a:gd name="adj3" fmla="val 45489"/>
+            </a:avLst>
+          </a:prstGeom>
+        </p:spPr>
+        <p:style>
+          <a:lnRef idx="2">
+            <a:schemeClr val="accent1">
+              <a:shade val="50000"/>
+            </a:schemeClr>
+          </a:lnRef>
+          <a:fillRef idx="1">
+            <a:schemeClr val="accent1"/>
+          </a:fillRef>
+          <a:effectRef idx="0">
+            <a:schemeClr val="accent1"/>
+          </a:effectRef>
+          <a:fontRef idx="minor">
+            <a:schemeClr val="lt1"/>
+          </a:fontRef>
+        </p:style>
+        <p:txBody>
+          <a:bodyPr rtlCol="0" anchor="ctr"/>
+          <a:lstStyle/>
+          <a:p>
+            <a:pPr algn="ctr"/>
+            <a:endParaRPr kumimoji="1" lang="ko-Kore-KR" altLang="en-US">
+              <a:solidFill>
+                <a:schemeClr val="tx1"/>
+              </a:solidFill>
+            </a:endParaRPr>
+          </a:p>
+        </p:txBody>
+      </p:sp>
+      <p:cxnSp>
+        <p:nvCxnSpPr>
+          <p:cNvPr id="28" name="직선 화살표 연결선 27">
+            <a:extLst>
+              <a:ext uri="{FF2B5EF4-FFF2-40B4-BE49-F238E27FC236}">
+                <a16:creationId xmlns:a16="http://schemas.microsoft.com/office/drawing/2014/main" id="{07615768-9B3E-9458-B8E3-DF192166F2FB}"/>
+              </a:ext>
+            </a:extLst>
+          </p:cNvPr>
+          <p:cNvCxnSpPr>
+            <a:cxnSpLocks/>
+            <a:stCxn id="90" idx="0"/>
+            <a:endCxn id="57" idx="2"/>
+          </p:cNvCxnSpPr>
+          <p:nvPr/>
+        </p:nvCxnSpPr>
+        <p:spPr>
+          <a:xfrm flipV="1">
+            <a:off x="8613475" y="5009225"/>
+            <a:ext cx="1655379" cy="396719"/>
+          </a:xfrm>
+          <a:prstGeom prst="straightConnector1">
+            <a:avLst/>
+          </a:prstGeom>
+          <a:ln>
+            <a:solidFill>
+              <a:schemeClr val="bg2"/>
+            </a:solidFill>
+            <a:tailEnd type="triangle"/>
+          </a:ln>
+        </p:spPr>
+        <p:style>
+          <a:lnRef idx="3">
+            <a:schemeClr val="accent1"/>
+          </a:lnRef>
+          <a:fillRef idx="0">
+            <a:schemeClr val="accent1"/>
+          </a:fillRef>
+          <a:effectRef idx="2">
+            <a:schemeClr val="accent1"/>
+          </a:effectRef>
+          <a:fontRef idx="minor">
+            <a:schemeClr val="tx1"/>
+          </a:fontRef>
+        </p:style>
+      </p:cxnSp>
+    </p:spTree>
+    <p:extLst>
+      <p:ext uri="{BB962C8B-B14F-4D97-AF65-F5344CB8AC3E}">
+        <p14:creationId xmlns:p14="http://schemas.microsoft.com/office/powerpoint/2010/main" val="229709777"/>
+      </p:ext>
+    </p:extLst>
+  </p:cSld>
+  <p:clrMapOvr>
+    <a:masterClrMapping/>
+  </p:clrMapOvr>
+</p:sld>
+</file>
+
 <file path=ppt/theme/theme1.xml><?xml version="1.0" encoding="utf-8"?>
 <a:theme xmlns:a="http://schemas.openxmlformats.org/drawingml/2006/main" name="Office 테마">
   <a:themeElements>
